--- a/images/palo_alto_vm_series.pptx
+++ b/images/palo_alto_vm_series.pptx
@@ -3672,7 +3672,7 @@
         </p:nvSpPr>
         <p:spPr>
           <a:xfrm>
-            <a:off x="5958083" y="2110031"/>
+            <a:off x="6139866" y="2109563"/>
             <a:ext cx="2439674" cy="1549157"/>
           </a:xfrm>
           <a:prstGeom prst="rect">
@@ -3758,7 +3758,7 @@
         </p:blipFill>
         <p:spPr>
           <a:xfrm>
-            <a:off x="5963081" y="2111620"/>
+            <a:off x="6144864" y="2111152"/>
             <a:ext cx="381000" cy="381000"/>
           </a:xfrm>
           <a:prstGeom prst="rect">
@@ -4066,7 +4066,7 @@
         </p:nvSpPr>
         <p:spPr>
           <a:xfrm>
-            <a:off x="5958083" y="3960928"/>
+            <a:off x="6139866" y="3960460"/>
             <a:ext cx="2439674" cy="1549157"/>
           </a:xfrm>
           <a:prstGeom prst="rect">
@@ -4149,13 +4149,13 @@
           <p:nvPr>
             <p:extLst>
               <p:ext uri="{D42A27DB-BD31-4B8C-83A1-F6EECF244321}">
-                <p14:modId xmlns:p14="http://schemas.microsoft.com/office/powerpoint/2010/main" val="1778188716"/>
+                <p14:modId xmlns:p14="http://schemas.microsoft.com/office/powerpoint/2010/main" val="2337197929"/>
               </p:ext>
             </p:extLst>
           </p:nvPr>
         </p:nvGraphicFramePr>
         <p:xfrm>
-          <a:off x="6421201" y="4984221"/>
+          <a:off x="6602984" y="4983753"/>
           <a:ext cx="1513438" cy="457200"/>
         </p:xfrm>
         <a:graphic>
@@ -4269,13 +4269,13 @@
           <p:nvPr>
             <p:extLst>
               <p:ext uri="{D42A27DB-BD31-4B8C-83A1-F6EECF244321}">
-                <p14:modId xmlns:p14="http://schemas.microsoft.com/office/powerpoint/2010/main" val="822905648"/>
+                <p14:modId xmlns:p14="http://schemas.microsoft.com/office/powerpoint/2010/main" val="2907549270"/>
               </p:ext>
             </p:extLst>
           </p:nvPr>
         </p:nvGraphicFramePr>
         <p:xfrm>
-          <a:off x="6382210" y="3121852"/>
+          <a:off x="6563993" y="3121384"/>
           <a:ext cx="1513438" cy="457200"/>
         </p:xfrm>
         <a:graphic>
@@ -4402,7 +4402,7 @@
         </p:blipFill>
         <p:spPr>
           <a:xfrm>
-            <a:off x="5963081" y="3962517"/>
+            <a:off x="6144864" y="3962049"/>
             <a:ext cx="381000" cy="381000"/>
           </a:xfrm>
           <a:prstGeom prst="rect">
@@ -4472,8 +4472,8 @@
         </p:nvCxnSpPr>
         <p:spPr>
           <a:xfrm flipH="1">
-            <a:off x="5155865" y="2876816"/>
-            <a:ext cx="802222" cy="0"/>
+            <a:off x="5170714" y="2851484"/>
+            <a:ext cx="969152" cy="0"/>
           </a:xfrm>
           <a:prstGeom prst="straightConnector1">
             <a:avLst/>
@@ -4550,7 +4550,7 @@
         </p:nvSpPr>
         <p:spPr>
           <a:xfrm>
-            <a:off x="5485499" y="2667328"/>
+            <a:off x="5572587" y="2633787"/>
             <a:ext cx="672044" cy="276999"/>
           </a:xfrm>
           <a:prstGeom prst="rect">
@@ -4704,7 +4704,7 @@
         <p:spPr>
           <a:xfrm>
             <a:off x="4654677" y="4716108"/>
-            <a:ext cx="1303406" cy="0"/>
+            <a:ext cx="1485189" cy="0"/>
           </a:xfrm>
           <a:prstGeom prst="straightConnector1">
             <a:avLst/>
@@ -4746,7 +4746,7 @@
         </p:nvSpPr>
         <p:spPr>
           <a:xfrm>
-            <a:off x="4801115" y="3837355"/>
+            <a:off x="5247851" y="3034851"/>
             <a:ext cx="783078" cy="492090"/>
           </a:xfrm>
           <a:prstGeom prst="rect">

--- a/images/palo_alto_vm_series.pptx
+++ b/images/palo_alto_vm_series.pptx
@@ -129,7 +129,7 @@
           <p:cNvPr id="2" name="Title 1">
             <a:extLst>
               <a:ext uri="{FF2B5EF4-FFF2-40B4-BE49-F238E27FC236}">
-                <a16:creationId xmlns:a16="http://schemas.microsoft.com/office/drawing/2014/main" id="{E421AB4B-7F2F-2B4C-B343-949221759E3C}"/>
+                <a16:creationId xmlns:a16="http://schemas.microsoft.com/office/drawing/2014/main" id="{A7FD960A-C4CF-5541-8ABC-936BE6E6E821}"/>
               </a:ext>
             </a:extLst>
           </p:cNvPr>
@@ -166,7 +166,7 @@
           <p:cNvPr id="3" name="Subtitle 2">
             <a:extLst>
               <a:ext uri="{FF2B5EF4-FFF2-40B4-BE49-F238E27FC236}">
-                <a16:creationId xmlns:a16="http://schemas.microsoft.com/office/drawing/2014/main" id="{D38773BC-D36A-074C-9032-25F4B6859A06}"/>
+                <a16:creationId xmlns:a16="http://schemas.microsoft.com/office/drawing/2014/main" id="{595554AB-6E19-8D40-8498-02781EF5B66D}"/>
               </a:ext>
             </a:extLst>
           </p:cNvPr>
@@ -236,7 +236,7 @@
           <p:cNvPr id="4" name="Date Placeholder 3">
             <a:extLst>
               <a:ext uri="{FF2B5EF4-FFF2-40B4-BE49-F238E27FC236}">
-                <a16:creationId xmlns:a16="http://schemas.microsoft.com/office/drawing/2014/main" id="{DAB1D0E9-7BAA-6549-9C05-52B3FDA46809}"/>
+                <a16:creationId xmlns:a16="http://schemas.microsoft.com/office/drawing/2014/main" id="{EB288C9D-FE33-8346-828D-7E656249BA4D}"/>
               </a:ext>
             </a:extLst>
           </p:cNvPr>
@@ -252,9 +252,9 @@
           <a:bodyPr/>
           <a:lstStyle/>
           <a:p>
-            <a:fld id="{07EA0626-B10D-B044-807E-08AF683F2D7B}" type="datetimeFigureOut">
+            <a:fld id="{94AFAD6A-DEB2-7C40-8E44-F27A2F5A10FA}" type="datetimeFigureOut">
               <a:rPr lang="en-US" smtClean="0"/>
-              <a:t>6/24/22</a:t>
+              <a:t>7/6/22</a:t>
             </a:fld>
             <a:endParaRPr lang="en-US"/>
           </a:p>
@@ -265,7 +265,7 @@
           <p:cNvPr id="5" name="Footer Placeholder 4">
             <a:extLst>
               <a:ext uri="{FF2B5EF4-FFF2-40B4-BE49-F238E27FC236}">
-                <a16:creationId xmlns:a16="http://schemas.microsoft.com/office/drawing/2014/main" id="{62D975CD-DF7D-DB43-BD69-233F8C9CE54B}"/>
+                <a16:creationId xmlns:a16="http://schemas.microsoft.com/office/drawing/2014/main" id="{09E4AE7A-8208-F748-A160-37D5FCAF97B0}"/>
               </a:ext>
             </a:extLst>
           </p:cNvPr>
@@ -290,7 +290,7 @@
           <p:cNvPr id="6" name="Slide Number Placeholder 5">
             <a:extLst>
               <a:ext uri="{FF2B5EF4-FFF2-40B4-BE49-F238E27FC236}">
-                <a16:creationId xmlns:a16="http://schemas.microsoft.com/office/drawing/2014/main" id="{F7367650-7CE8-3E46-BC4F-9BB64193E1EA}"/>
+                <a16:creationId xmlns:a16="http://schemas.microsoft.com/office/drawing/2014/main" id="{CB32F098-D1ED-1E4A-AFBD-38E4914486DE}"/>
               </a:ext>
             </a:extLst>
           </p:cNvPr>
@@ -306,7 +306,7 @@
           <a:bodyPr/>
           <a:lstStyle/>
           <a:p>
-            <a:fld id="{04490DF9-4076-AF40-B7F5-2760FAA91B01}" type="slidenum">
+            <a:fld id="{B8221035-A41B-6B4B-BB1E-AFF560EC8105}" type="slidenum">
               <a:rPr lang="en-US" smtClean="0"/>
               <a:t>‹#›</a:t>
             </a:fld>
@@ -317,7 +317,7 @@
     </p:spTree>
     <p:extLst>
       <p:ext uri="{BB962C8B-B14F-4D97-AF65-F5344CB8AC3E}">
-        <p14:creationId xmlns:p14="http://schemas.microsoft.com/office/powerpoint/2010/main" val="1359984407"/>
+        <p14:creationId xmlns:p14="http://schemas.microsoft.com/office/powerpoint/2010/main" val="1913144240"/>
       </p:ext>
     </p:extLst>
   </p:cSld>
@@ -349,7 +349,7 @@
           <p:cNvPr id="2" name="Title 1">
             <a:extLst>
               <a:ext uri="{FF2B5EF4-FFF2-40B4-BE49-F238E27FC236}">
-                <a16:creationId xmlns:a16="http://schemas.microsoft.com/office/drawing/2014/main" id="{658BCB58-FA58-B248-AD75-8EE943621F65}"/>
+                <a16:creationId xmlns:a16="http://schemas.microsoft.com/office/drawing/2014/main" id="{9E980145-CD9A-8748-B887-8EFF99B3F85F}"/>
               </a:ext>
             </a:extLst>
           </p:cNvPr>
@@ -377,7 +377,7 @@
           <p:cNvPr id="3" name="Vertical Text Placeholder 2">
             <a:extLst>
               <a:ext uri="{FF2B5EF4-FFF2-40B4-BE49-F238E27FC236}">
-                <a16:creationId xmlns:a16="http://schemas.microsoft.com/office/drawing/2014/main" id="{8DC5D698-E4A7-2245-9FE5-FA1E4B33F478}"/>
+                <a16:creationId xmlns:a16="http://schemas.microsoft.com/office/drawing/2014/main" id="{12324B50-A922-754E-B2E4-5CAB0AA4C208}"/>
               </a:ext>
             </a:extLst>
           </p:cNvPr>
@@ -434,7 +434,7 @@
           <p:cNvPr id="4" name="Date Placeholder 3">
             <a:extLst>
               <a:ext uri="{FF2B5EF4-FFF2-40B4-BE49-F238E27FC236}">
-                <a16:creationId xmlns:a16="http://schemas.microsoft.com/office/drawing/2014/main" id="{BE6F4B58-0E98-7949-975F-6D1BDDACA286}"/>
+                <a16:creationId xmlns:a16="http://schemas.microsoft.com/office/drawing/2014/main" id="{77B09C07-6BF0-AD4C-BF5F-4559BC0B3B92}"/>
               </a:ext>
             </a:extLst>
           </p:cNvPr>
@@ -450,9 +450,9 @@
           <a:bodyPr/>
           <a:lstStyle/>
           <a:p>
-            <a:fld id="{07EA0626-B10D-B044-807E-08AF683F2D7B}" type="datetimeFigureOut">
+            <a:fld id="{94AFAD6A-DEB2-7C40-8E44-F27A2F5A10FA}" type="datetimeFigureOut">
               <a:rPr lang="en-US" smtClean="0"/>
-              <a:t>6/24/22</a:t>
+              <a:t>7/6/22</a:t>
             </a:fld>
             <a:endParaRPr lang="en-US"/>
           </a:p>
@@ -463,7 +463,7 @@
           <p:cNvPr id="5" name="Footer Placeholder 4">
             <a:extLst>
               <a:ext uri="{FF2B5EF4-FFF2-40B4-BE49-F238E27FC236}">
-                <a16:creationId xmlns:a16="http://schemas.microsoft.com/office/drawing/2014/main" id="{0E8330ED-3785-5941-B755-DC2FAED797E0}"/>
+                <a16:creationId xmlns:a16="http://schemas.microsoft.com/office/drawing/2014/main" id="{790EE27D-5786-E14B-9D6C-55E2C5DA5280}"/>
               </a:ext>
             </a:extLst>
           </p:cNvPr>
@@ -488,7 +488,7 @@
           <p:cNvPr id="6" name="Slide Number Placeholder 5">
             <a:extLst>
               <a:ext uri="{FF2B5EF4-FFF2-40B4-BE49-F238E27FC236}">
-                <a16:creationId xmlns:a16="http://schemas.microsoft.com/office/drawing/2014/main" id="{A41144C4-0B54-254F-B775-FEC8B346ACA5}"/>
+                <a16:creationId xmlns:a16="http://schemas.microsoft.com/office/drawing/2014/main" id="{356D338E-5414-1945-8E66-3F8AB65A5AFD}"/>
               </a:ext>
             </a:extLst>
           </p:cNvPr>
@@ -504,7 +504,7 @@
           <a:bodyPr/>
           <a:lstStyle/>
           <a:p>
-            <a:fld id="{04490DF9-4076-AF40-B7F5-2760FAA91B01}" type="slidenum">
+            <a:fld id="{B8221035-A41B-6B4B-BB1E-AFF560EC8105}" type="slidenum">
               <a:rPr lang="en-US" smtClean="0"/>
               <a:t>‹#›</a:t>
             </a:fld>
@@ -515,7 +515,7 @@
     </p:spTree>
     <p:extLst>
       <p:ext uri="{BB962C8B-B14F-4D97-AF65-F5344CB8AC3E}">
-        <p14:creationId xmlns:p14="http://schemas.microsoft.com/office/powerpoint/2010/main" val="732262084"/>
+        <p14:creationId xmlns:p14="http://schemas.microsoft.com/office/powerpoint/2010/main" val="468087788"/>
       </p:ext>
     </p:extLst>
   </p:cSld>
@@ -547,7 +547,7 @@
           <p:cNvPr id="2" name="Vertical Title 1">
             <a:extLst>
               <a:ext uri="{FF2B5EF4-FFF2-40B4-BE49-F238E27FC236}">
-                <a16:creationId xmlns:a16="http://schemas.microsoft.com/office/drawing/2014/main" id="{E0590D99-1FBF-CE47-834D-EB28923F6277}"/>
+                <a16:creationId xmlns:a16="http://schemas.microsoft.com/office/drawing/2014/main" id="{A794F11A-E70B-E542-9351-60418569EB05}"/>
               </a:ext>
             </a:extLst>
           </p:cNvPr>
@@ -580,7 +580,7 @@
           <p:cNvPr id="3" name="Vertical Text Placeholder 2">
             <a:extLst>
               <a:ext uri="{FF2B5EF4-FFF2-40B4-BE49-F238E27FC236}">
-                <a16:creationId xmlns:a16="http://schemas.microsoft.com/office/drawing/2014/main" id="{50923E10-8BB8-364F-8FCA-2B791109DEF2}"/>
+                <a16:creationId xmlns:a16="http://schemas.microsoft.com/office/drawing/2014/main" id="{ED041EB5-5A5B-EE43-A343-C4D3F3B0A992}"/>
               </a:ext>
             </a:extLst>
           </p:cNvPr>
@@ -642,7 +642,7 @@
           <p:cNvPr id="4" name="Date Placeholder 3">
             <a:extLst>
               <a:ext uri="{FF2B5EF4-FFF2-40B4-BE49-F238E27FC236}">
-                <a16:creationId xmlns:a16="http://schemas.microsoft.com/office/drawing/2014/main" id="{23A2F9CD-710E-A043-89ED-ECFB400D6AEE}"/>
+                <a16:creationId xmlns:a16="http://schemas.microsoft.com/office/drawing/2014/main" id="{E42017DA-675D-A446-82FC-41A1FC897F0B}"/>
               </a:ext>
             </a:extLst>
           </p:cNvPr>
@@ -658,9 +658,9 @@
           <a:bodyPr/>
           <a:lstStyle/>
           <a:p>
-            <a:fld id="{07EA0626-B10D-B044-807E-08AF683F2D7B}" type="datetimeFigureOut">
+            <a:fld id="{94AFAD6A-DEB2-7C40-8E44-F27A2F5A10FA}" type="datetimeFigureOut">
               <a:rPr lang="en-US" smtClean="0"/>
-              <a:t>6/24/22</a:t>
+              <a:t>7/6/22</a:t>
             </a:fld>
             <a:endParaRPr lang="en-US"/>
           </a:p>
@@ -671,7 +671,7 @@
           <p:cNvPr id="5" name="Footer Placeholder 4">
             <a:extLst>
               <a:ext uri="{FF2B5EF4-FFF2-40B4-BE49-F238E27FC236}">
-                <a16:creationId xmlns:a16="http://schemas.microsoft.com/office/drawing/2014/main" id="{2A9D7CE4-F6B8-3741-BB30-52CE834633F0}"/>
+                <a16:creationId xmlns:a16="http://schemas.microsoft.com/office/drawing/2014/main" id="{F008E994-F2FB-034C-8E95-751A4B33F7DB}"/>
               </a:ext>
             </a:extLst>
           </p:cNvPr>
@@ -696,7 +696,7 @@
           <p:cNvPr id="6" name="Slide Number Placeholder 5">
             <a:extLst>
               <a:ext uri="{FF2B5EF4-FFF2-40B4-BE49-F238E27FC236}">
-                <a16:creationId xmlns:a16="http://schemas.microsoft.com/office/drawing/2014/main" id="{9F571FDE-8584-8D43-8F08-93773CAAB923}"/>
+                <a16:creationId xmlns:a16="http://schemas.microsoft.com/office/drawing/2014/main" id="{C8CACAE4-A105-6045-A635-6C0F70FBDA36}"/>
               </a:ext>
             </a:extLst>
           </p:cNvPr>
@@ -712,7 +712,7 @@
           <a:bodyPr/>
           <a:lstStyle/>
           <a:p>
-            <a:fld id="{04490DF9-4076-AF40-B7F5-2760FAA91B01}" type="slidenum">
+            <a:fld id="{B8221035-A41B-6B4B-BB1E-AFF560EC8105}" type="slidenum">
               <a:rPr lang="en-US" smtClean="0"/>
               <a:t>‹#›</a:t>
             </a:fld>
@@ -723,7 +723,7 @@
     </p:spTree>
     <p:extLst>
       <p:ext uri="{BB962C8B-B14F-4D97-AF65-F5344CB8AC3E}">
-        <p14:creationId xmlns:p14="http://schemas.microsoft.com/office/powerpoint/2010/main" val="2605594756"/>
+        <p14:creationId xmlns:p14="http://schemas.microsoft.com/office/powerpoint/2010/main" val="2354415968"/>
       </p:ext>
     </p:extLst>
   </p:cSld>
@@ -755,7 +755,7 @@
           <p:cNvPr id="2" name="Title 1">
             <a:extLst>
               <a:ext uri="{FF2B5EF4-FFF2-40B4-BE49-F238E27FC236}">
-                <a16:creationId xmlns:a16="http://schemas.microsoft.com/office/drawing/2014/main" id="{81709CAA-CC3A-8F43-8905-9D0E7E2AB4A9}"/>
+                <a16:creationId xmlns:a16="http://schemas.microsoft.com/office/drawing/2014/main" id="{55CC4C2A-8B59-9643-B806-E61773B91C7D}"/>
               </a:ext>
             </a:extLst>
           </p:cNvPr>
@@ -783,7 +783,7 @@
           <p:cNvPr id="3" name="Content Placeholder 2">
             <a:extLst>
               <a:ext uri="{FF2B5EF4-FFF2-40B4-BE49-F238E27FC236}">
-                <a16:creationId xmlns:a16="http://schemas.microsoft.com/office/drawing/2014/main" id="{49FDF7D0-91A0-254E-94EE-892F793A2E7F}"/>
+                <a16:creationId xmlns:a16="http://schemas.microsoft.com/office/drawing/2014/main" id="{C677B2FC-10D7-9247-861A-618AC0F70DB7}"/>
               </a:ext>
             </a:extLst>
           </p:cNvPr>
@@ -840,7 +840,7 @@
           <p:cNvPr id="4" name="Date Placeholder 3">
             <a:extLst>
               <a:ext uri="{FF2B5EF4-FFF2-40B4-BE49-F238E27FC236}">
-                <a16:creationId xmlns:a16="http://schemas.microsoft.com/office/drawing/2014/main" id="{81D6C8DF-1181-F143-996D-88DAAF709943}"/>
+                <a16:creationId xmlns:a16="http://schemas.microsoft.com/office/drawing/2014/main" id="{7699BEEC-38FE-2243-AF34-0AE8ED56DA4F}"/>
               </a:ext>
             </a:extLst>
           </p:cNvPr>
@@ -856,9 +856,9 @@
           <a:bodyPr/>
           <a:lstStyle/>
           <a:p>
-            <a:fld id="{07EA0626-B10D-B044-807E-08AF683F2D7B}" type="datetimeFigureOut">
+            <a:fld id="{94AFAD6A-DEB2-7C40-8E44-F27A2F5A10FA}" type="datetimeFigureOut">
               <a:rPr lang="en-US" smtClean="0"/>
-              <a:t>6/24/22</a:t>
+              <a:t>7/6/22</a:t>
             </a:fld>
             <a:endParaRPr lang="en-US"/>
           </a:p>
@@ -869,7 +869,7 @@
           <p:cNvPr id="5" name="Footer Placeholder 4">
             <a:extLst>
               <a:ext uri="{FF2B5EF4-FFF2-40B4-BE49-F238E27FC236}">
-                <a16:creationId xmlns:a16="http://schemas.microsoft.com/office/drawing/2014/main" id="{2562641A-0AFD-2941-91FC-71DB1E16B5EF}"/>
+                <a16:creationId xmlns:a16="http://schemas.microsoft.com/office/drawing/2014/main" id="{051AE399-0D13-0C48-A43B-C2BC9B43DEFC}"/>
               </a:ext>
             </a:extLst>
           </p:cNvPr>
@@ -894,7 +894,7 @@
           <p:cNvPr id="6" name="Slide Number Placeholder 5">
             <a:extLst>
               <a:ext uri="{FF2B5EF4-FFF2-40B4-BE49-F238E27FC236}">
-                <a16:creationId xmlns:a16="http://schemas.microsoft.com/office/drawing/2014/main" id="{C0871314-3154-5E45-88BA-347BD215A913}"/>
+                <a16:creationId xmlns:a16="http://schemas.microsoft.com/office/drawing/2014/main" id="{6E26D7DE-49C7-FC4C-BAF6-DC7B9BC95596}"/>
               </a:ext>
             </a:extLst>
           </p:cNvPr>
@@ -910,7 +910,7 @@
           <a:bodyPr/>
           <a:lstStyle/>
           <a:p>
-            <a:fld id="{04490DF9-4076-AF40-B7F5-2760FAA91B01}" type="slidenum">
+            <a:fld id="{B8221035-A41B-6B4B-BB1E-AFF560EC8105}" type="slidenum">
               <a:rPr lang="en-US" smtClean="0"/>
               <a:t>‹#›</a:t>
             </a:fld>
@@ -921,7 +921,7 @@
     </p:spTree>
     <p:extLst>
       <p:ext uri="{BB962C8B-B14F-4D97-AF65-F5344CB8AC3E}">
-        <p14:creationId xmlns:p14="http://schemas.microsoft.com/office/powerpoint/2010/main" val="787390971"/>
+        <p14:creationId xmlns:p14="http://schemas.microsoft.com/office/powerpoint/2010/main" val="37089822"/>
       </p:ext>
     </p:extLst>
   </p:cSld>
@@ -953,7 +953,7 @@
           <p:cNvPr id="2" name="Title 1">
             <a:extLst>
               <a:ext uri="{FF2B5EF4-FFF2-40B4-BE49-F238E27FC236}">
-                <a16:creationId xmlns:a16="http://schemas.microsoft.com/office/drawing/2014/main" id="{3A522145-18BA-5140-A361-D560AA713A83}"/>
+                <a16:creationId xmlns:a16="http://schemas.microsoft.com/office/drawing/2014/main" id="{A190339C-BAF6-8346-A016-3F811B4AF5C0}"/>
               </a:ext>
             </a:extLst>
           </p:cNvPr>
@@ -990,7 +990,7 @@
           <p:cNvPr id="3" name="Text Placeholder 2">
             <a:extLst>
               <a:ext uri="{FF2B5EF4-FFF2-40B4-BE49-F238E27FC236}">
-                <a16:creationId xmlns:a16="http://schemas.microsoft.com/office/drawing/2014/main" id="{E3E4FF2A-C6A7-4E4A-9599-EF3493302683}"/>
+                <a16:creationId xmlns:a16="http://schemas.microsoft.com/office/drawing/2014/main" id="{6AC9A544-E2A1-CC45-91A2-E20E079A02E9}"/>
               </a:ext>
             </a:extLst>
           </p:cNvPr>
@@ -1115,7 +1115,7 @@
           <p:cNvPr id="4" name="Date Placeholder 3">
             <a:extLst>
               <a:ext uri="{FF2B5EF4-FFF2-40B4-BE49-F238E27FC236}">
-                <a16:creationId xmlns:a16="http://schemas.microsoft.com/office/drawing/2014/main" id="{61440231-ED80-6942-8958-9DBF0FFE9F88}"/>
+                <a16:creationId xmlns:a16="http://schemas.microsoft.com/office/drawing/2014/main" id="{12445FAF-47CD-F04C-91C6-938B109E783F}"/>
               </a:ext>
             </a:extLst>
           </p:cNvPr>
@@ -1131,9 +1131,9 @@
           <a:bodyPr/>
           <a:lstStyle/>
           <a:p>
-            <a:fld id="{07EA0626-B10D-B044-807E-08AF683F2D7B}" type="datetimeFigureOut">
+            <a:fld id="{94AFAD6A-DEB2-7C40-8E44-F27A2F5A10FA}" type="datetimeFigureOut">
               <a:rPr lang="en-US" smtClean="0"/>
-              <a:t>6/24/22</a:t>
+              <a:t>7/6/22</a:t>
             </a:fld>
             <a:endParaRPr lang="en-US"/>
           </a:p>
@@ -1144,7 +1144,7 @@
           <p:cNvPr id="5" name="Footer Placeholder 4">
             <a:extLst>
               <a:ext uri="{FF2B5EF4-FFF2-40B4-BE49-F238E27FC236}">
-                <a16:creationId xmlns:a16="http://schemas.microsoft.com/office/drawing/2014/main" id="{EF13751D-B029-2049-A819-99CF1CA72014}"/>
+                <a16:creationId xmlns:a16="http://schemas.microsoft.com/office/drawing/2014/main" id="{EA8029C5-92CA-FD4B-9C54-09E6F0310226}"/>
               </a:ext>
             </a:extLst>
           </p:cNvPr>
@@ -1169,7 +1169,7 @@
           <p:cNvPr id="6" name="Slide Number Placeholder 5">
             <a:extLst>
               <a:ext uri="{FF2B5EF4-FFF2-40B4-BE49-F238E27FC236}">
-                <a16:creationId xmlns:a16="http://schemas.microsoft.com/office/drawing/2014/main" id="{B03913B1-84FC-EC46-9994-11040D510A1D}"/>
+                <a16:creationId xmlns:a16="http://schemas.microsoft.com/office/drawing/2014/main" id="{B960B9AA-2F55-3545-94E2-9DECCB2CF723}"/>
               </a:ext>
             </a:extLst>
           </p:cNvPr>
@@ -1185,7 +1185,7 @@
           <a:bodyPr/>
           <a:lstStyle/>
           <a:p>
-            <a:fld id="{04490DF9-4076-AF40-B7F5-2760FAA91B01}" type="slidenum">
+            <a:fld id="{B8221035-A41B-6B4B-BB1E-AFF560EC8105}" type="slidenum">
               <a:rPr lang="en-US" smtClean="0"/>
               <a:t>‹#›</a:t>
             </a:fld>
@@ -1196,7 +1196,7 @@
     </p:spTree>
     <p:extLst>
       <p:ext uri="{BB962C8B-B14F-4D97-AF65-F5344CB8AC3E}">
-        <p14:creationId xmlns:p14="http://schemas.microsoft.com/office/powerpoint/2010/main" val="599601841"/>
+        <p14:creationId xmlns:p14="http://schemas.microsoft.com/office/powerpoint/2010/main" val="3285395060"/>
       </p:ext>
     </p:extLst>
   </p:cSld>
@@ -1228,7 +1228,7 @@
           <p:cNvPr id="2" name="Title 1">
             <a:extLst>
               <a:ext uri="{FF2B5EF4-FFF2-40B4-BE49-F238E27FC236}">
-                <a16:creationId xmlns:a16="http://schemas.microsoft.com/office/drawing/2014/main" id="{DA8AC9F8-2F67-2640-ADE5-4B93E70719D6}"/>
+                <a16:creationId xmlns:a16="http://schemas.microsoft.com/office/drawing/2014/main" id="{D9B1C829-0CF3-9C46-A3EA-19696C20F1F3}"/>
               </a:ext>
             </a:extLst>
           </p:cNvPr>
@@ -1256,7 +1256,7 @@
           <p:cNvPr id="3" name="Content Placeholder 2">
             <a:extLst>
               <a:ext uri="{FF2B5EF4-FFF2-40B4-BE49-F238E27FC236}">
-                <a16:creationId xmlns:a16="http://schemas.microsoft.com/office/drawing/2014/main" id="{FD53A5A7-8847-A54B-964D-E5DA2759720F}"/>
+                <a16:creationId xmlns:a16="http://schemas.microsoft.com/office/drawing/2014/main" id="{170A8CB3-A605-8C47-A66B-11A936AB4B65}"/>
               </a:ext>
             </a:extLst>
           </p:cNvPr>
@@ -1318,7 +1318,7 @@
           <p:cNvPr id="4" name="Content Placeholder 3">
             <a:extLst>
               <a:ext uri="{FF2B5EF4-FFF2-40B4-BE49-F238E27FC236}">
-                <a16:creationId xmlns:a16="http://schemas.microsoft.com/office/drawing/2014/main" id="{F992B073-9CF4-334A-923B-99902D6986D0}"/>
+                <a16:creationId xmlns:a16="http://schemas.microsoft.com/office/drawing/2014/main" id="{DD204A3A-6B04-4247-AD0C-FC362051CADC}"/>
               </a:ext>
             </a:extLst>
           </p:cNvPr>
@@ -1380,7 +1380,7 @@
           <p:cNvPr id="5" name="Date Placeholder 4">
             <a:extLst>
               <a:ext uri="{FF2B5EF4-FFF2-40B4-BE49-F238E27FC236}">
-                <a16:creationId xmlns:a16="http://schemas.microsoft.com/office/drawing/2014/main" id="{B89953D7-0FCD-ED47-8115-5F43B1A19A0A}"/>
+                <a16:creationId xmlns:a16="http://schemas.microsoft.com/office/drawing/2014/main" id="{00385E47-7E5C-6C4C-88C8-CE7621283CAE}"/>
               </a:ext>
             </a:extLst>
           </p:cNvPr>
@@ -1396,9 +1396,9 @@
           <a:bodyPr/>
           <a:lstStyle/>
           <a:p>
-            <a:fld id="{07EA0626-B10D-B044-807E-08AF683F2D7B}" type="datetimeFigureOut">
+            <a:fld id="{94AFAD6A-DEB2-7C40-8E44-F27A2F5A10FA}" type="datetimeFigureOut">
               <a:rPr lang="en-US" smtClean="0"/>
-              <a:t>6/24/22</a:t>
+              <a:t>7/6/22</a:t>
             </a:fld>
             <a:endParaRPr lang="en-US"/>
           </a:p>
@@ -1409,7 +1409,7 @@
           <p:cNvPr id="6" name="Footer Placeholder 5">
             <a:extLst>
               <a:ext uri="{FF2B5EF4-FFF2-40B4-BE49-F238E27FC236}">
-                <a16:creationId xmlns:a16="http://schemas.microsoft.com/office/drawing/2014/main" id="{31646209-1BA2-2B48-8CD8-B42E9319A53E}"/>
+                <a16:creationId xmlns:a16="http://schemas.microsoft.com/office/drawing/2014/main" id="{4A6C7818-55A8-0442-88DF-B42169D81D5C}"/>
               </a:ext>
             </a:extLst>
           </p:cNvPr>
@@ -1434,7 +1434,7 @@
           <p:cNvPr id="7" name="Slide Number Placeholder 6">
             <a:extLst>
               <a:ext uri="{FF2B5EF4-FFF2-40B4-BE49-F238E27FC236}">
-                <a16:creationId xmlns:a16="http://schemas.microsoft.com/office/drawing/2014/main" id="{7A106E88-49BB-6444-A6E7-819930C44547}"/>
+                <a16:creationId xmlns:a16="http://schemas.microsoft.com/office/drawing/2014/main" id="{07924B8F-F84A-B846-83D5-BFDE0076E7EA}"/>
               </a:ext>
             </a:extLst>
           </p:cNvPr>
@@ -1450,7 +1450,7 @@
           <a:bodyPr/>
           <a:lstStyle/>
           <a:p>
-            <a:fld id="{04490DF9-4076-AF40-B7F5-2760FAA91B01}" type="slidenum">
+            <a:fld id="{B8221035-A41B-6B4B-BB1E-AFF560EC8105}" type="slidenum">
               <a:rPr lang="en-US" smtClean="0"/>
               <a:t>‹#›</a:t>
             </a:fld>
@@ -1461,7 +1461,7 @@
     </p:spTree>
     <p:extLst>
       <p:ext uri="{BB962C8B-B14F-4D97-AF65-F5344CB8AC3E}">
-        <p14:creationId xmlns:p14="http://schemas.microsoft.com/office/powerpoint/2010/main" val="12168086"/>
+        <p14:creationId xmlns:p14="http://schemas.microsoft.com/office/powerpoint/2010/main" val="3928709679"/>
       </p:ext>
     </p:extLst>
   </p:cSld>
@@ -1493,7 +1493,7 @@
           <p:cNvPr id="2" name="Title 1">
             <a:extLst>
               <a:ext uri="{FF2B5EF4-FFF2-40B4-BE49-F238E27FC236}">
-                <a16:creationId xmlns:a16="http://schemas.microsoft.com/office/drawing/2014/main" id="{B1B2A4D9-8D54-FB42-AEE4-94E31C178392}"/>
+                <a16:creationId xmlns:a16="http://schemas.microsoft.com/office/drawing/2014/main" id="{0913AE92-418B-C540-9878-D54BA2F30E0B}"/>
               </a:ext>
             </a:extLst>
           </p:cNvPr>
@@ -1526,7 +1526,7 @@
           <p:cNvPr id="3" name="Text Placeholder 2">
             <a:extLst>
               <a:ext uri="{FF2B5EF4-FFF2-40B4-BE49-F238E27FC236}">
-                <a16:creationId xmlns:a16="http://schemas.microsoft.com/office/drawing/2014/main" id="{2C33DE63-F3AD-7D40-89B1-260E25889221}"/>
+                <a16:creationId xmlns:a16="http://schemas.microsoft.com/office/drawing/2014/main" id="{F3864F80-D214-274E-A676-BA63C8307A03}"/>
               </a:ext>
             </a:extLst>
           </p:cNvPr>
@@ -1597,7 +1597,7 @@
           <p:cNvPr id="4" name="Content Placeholder 3">
             <a:extLst>
               <a:ext uri="{FF2B5EF4-FFF2-40B4-BE49-F238E27FC236}">
-                <a16:creationId xmlns:a16="http://schemas.microsoft.com/office/drawing/2014/main" id="{558C3CBF-3863-1546-A00B-C4B0C8ECF79A}"/>
+                <a16:creationId xmlns:a16="http://schemas.microsoft.com/office/drawing/2014/main" id="{C1FD0E37-1CE3-6747-95FB-EF723514E24B}"/>
               </a:ext>
             </a:extLst>
           </p:cNvPr>
@@ -1659,7 +1659,7 @@
           <p:cNvPr id="5" name="Text Placeholder 4">
             <a:extLst>
               <a:ext uri="{FF2B5EF4-FFF2-40B4-BE49-F238E27FC236}">
-                <a16:creationId xmlns:a16="http://schemas.microsoft.com/office/drawing/2014/main" id="{A98BB8F5-71B2-574C-A387-E443C0C8453E}"/>
+                <a16:creationId xmlns:a16="http://schemas.microsoft.com/office/drawing/2014/main" id="{2706AF51-BE7D-E047-B3BD-23638AB0AFA1}"/>
               </a:ext>
             </a:extLst>
           </p:cNvPr>
@@ -1730,7 +1730,7 @@
           <p:cNvPr id="6" name="Content Placeholder 5">
             <a:extLst>
               <a:ext uri="{FF2B5EF4-FFF2-40B4-BE49-F238E27FC236}">
-                <a16:creationId xmlns:a16="http://schemas.microsoft.com/office/drawing/2014/main" id="{2AFDCB81-EF0B-2B44-AFC0-D46C5C327D75}"/>
+                <a16:creationId xmlns:a16="http://schemas.microsoft.com/office/drawing/2014/main" id="{9306F97B-609B-DB43-86BF-F585616F555F}"/>
               </a:ext>
             </a:extLst>
           </p:cNvPr>
@@ -1792,7 +1792,7 @@
           <p:cNvPr id="7" name="Date Placeholder 6">
             <a:extLst>
               <a:ext uri="{FF2B5EF4-FFF2-40B4-BE49-F238E27FC236}">
-                <a16:creationId xmlns:a16="http://schemas.microsoft.com/office/drawing/2014/main" id="{86FF20E5-A7AF-5C49-9FA4-D02990CCCF87}"/>
+                <a16:creationId xmlns:a16="http://schemas.microsoft.com/office/drawing/2014/main" id="{9AC59C68-CB24-9143-AB42-A9DB9CD89046}"/>
               </a:ext>
             </a:extLst>
           </p:cNvPr>
@@ -1808,9 +1808,9 @@
           <a:bodyPr/>
           <a:lstStyle/>
           <a:p>
-            <a:fld id="{07EA0626-B10D-B044-807E-08AF683F2D7B}" type="datetimeFigureOut">
+            <a:fld id="{94AFAD6A-DEB2-7C40-8E44-F27A2F5A10FA}" type="datetimeFigureOut">
               <a:rPr lang="en-US" smtClean="0"/>
-              <a:t>6/24/22</a:t>
+              <a:t>7/6/22</a:t>
             </a:fld>
             <a:endParaRPr lang="en-US"/>
           </a:p>
@@ -1821,7 +1821,7 @@
           <p:cNvPr id="8" name="Footer Placeholder 7">
             <a:extLst>
               <a:ext uri="{FF2B5EF4-FFF2-40B4-BE49-F238E27FC236}">
-                <a16:creationId xmlns:a16="http://schemas.microsoft.com/office/drawing/2014/main" id="{50524DD7-310A-3245-8BA7-75E28700372B}"/>
+                <a16:creationId xmlns:a16="http://schemas.microsoft.com/office/drawing/2014/main" id="{4ADEE79A-9176-154F-8FDF-FF01EA5996F5}"/>
               </a:ext>
             </a:extLst>
           </p:cNvPr>
@@ -1846,7 +1846,7 @@
           <p:cNvPr id="9" name="Slide Number Placeholder 8">
             <a:extLst>
               <a:ext uri="{FF2B5EF4-FFF2-40B4-BE49-F238E27FC236}">
-                <a16:creationId xmlns:a16="http://schemas.microsoft.com/office/drawing/2014/main" id="{7E3DEC2B-CFC1-E94D-992A-9D1BB0649290}"/>
+                <a16:creationId xmlns:a16="http://schemas.microsoft.com/office/drawing/2014/main" id="{3D41FFE0-A9E6-0848-AF90-ADF334A5E954}"/>
               </a:ext>
             </a:extLst>
           </p:cNvPr>
@@ -1862,7 +1862,7 @@
           <a:bodyPr/>
           <a:lstStyle/>
           <a:p>
-            <a:fld id="{04490DF9-4076-AF40-B7F5-2760FAA91B01}" type="slidenum">
+            <a:fld id="{B8221035-A41B-6B4B-BB1E-AFF560EC8105}" type="slidenum">
               <a:rPr lang="en-US" smtClean="0"/>
               <a:t>‹#›</a:t>
             </a:fld>
@@ -1873,7 +1873,7 @@
     </p:spTree>
     <p:extLst>
       <p:ext uri="{BB962C8B-B14F-4D97-AF65-F5344CB8AC3E}">
-        <p14:creationId xmlns:p14="http://schemas.microsoft.com/office/powerpoint/2010/main" val="1440120021"/>
+        <p14:creationId xmlns:p14="http://schemas.microsoft.com/office/powerpoint/2010/main" val="714034316"/>
       </p:ext>
     </p:extLst>
   </p:cSld>
@@ -1905,7 +1905,7 @@
           <p:cNvPr id="2" name="Title 1">
             <a:extLst>
               <a:ext uri="{FF2B5EF4-FFF2-40B4-BE49-F238E27FC236}">
-                <a16:creationId xmlns:a16="http://schemas.microsoft.com/office/drawing/2014/main" id="{A1C356BC-6EA3-4E4E-8588-C98DBAC5A42E}"/>
+                <a16:creationId xmlns:a16="http://schemas.microsoft.com/office/drawing/2014/main" id="{62620612-3D83-8549-8628-13F8029491B3}"/>
               </a:ext>
             </a:extLst>
           </p:cNvPr>
@@ -1933,7 +1933,7 @@
           <p:cNvPr id="3" name="Date Placeholder 2">
             <a:extLst>
               <a:ext uri="{FF2B5EF4-FFF2-40B4-BE49-F238E27FC236}">
-                <a16:creationId xmlns:a16="http://schemas.microsoft.com/office/drawing/2014/main" id="{6C6940E2-B5D3-444E-9A8E-6F1FB045B05A}"/>
+                <a16:creationId xmlns:a16="http://schemas.microsoft.com/office/drawing/2014/main" id="{4869FFEE-0413-A94A-B082-361BFFB53923}"/>
               </a:ext>
             </a:extLst>
           </p:cNvPr>
@@ -1949,9 +1949,9 @@
           <a:bodyPr/>
           <a:lstStyle/>
           <a:p>
-            <a:fld id="{07EA0626-B10D-B044-807E-08AF683F2D7B}" type="datetimeFigureOut">
+            <a:fld id="{94AFAD6A-DEB2-7C40-8E44-F27A2F5A10FA}" type="datetimeFigureOut">
               <a:rPr lang="en-US" smtClean="0"/>
-              <a:t>6/24/22</a:t>
+              <a:t>7/6/22</a:t>
             </a:fld>
             <a:endParaRPr lang="en-US"/>
           </a:p>
@@ -1962,7 +1962,7 @@
           <p:cNvPr id="4" name="Footer Placeholder 3">
             <a:extLst>
               <a:ext uri="{FF2B5EF4-FFF2-40B4-BE49-F238E27FC236}">
-                <a16:creationId xmlns:a16="http://schemas.microsoft.com/office/drawing/2014/main" id="{EF402864-268F-A441-94D8-6EDFFEFA66B8}"/>
+                <a16:creationId xmlns:a16="http://schemas.microsoft.com/office/drawing/2014/main" id="{EFB47009-A2B4-9A42-A0D5-4EAE9597CDED}"/>
               </a:ext>
             </a:extLst>
           </p:cNvPr>
@@ -1987,7 +1987,7 @@
           <p:cNvPr id="5" name="Slide Number Placeholder 4">
             <a:extLst>
               <a:ext uri="{FF2B5EF4-FFF2-40B4-BE49-F238E27FC236}">
-                <a16:creationId xmlns:a16="http://schemas.microsoft.com/office/drawing/2014/main" id="{5719E1B3-85B9-404A-BC74-C21EA7B23169}"/>
+                <a16:creationId xmlns:a16="http://schemas.microsoft.com/office/drawing/2014/main" id="{0EE1CCA0-BE13-C74A-8179-54CC0D42F7DC}"/>
               </a:ext>
             </a:extLst>
           </p:cNvPr>
@@ -2003,7 +2003,7 @@
           <a:bodyPr/>
           <a:lstStyle/>
           <a:p>
-            <a:fld id="{04490DF9-4076-AF40-B7F5-2760FAA91B01}" type="slidenum">
+            <a:fld id="{B8221035-A41B-6B4B-BB1E-AFF560EC8105}" type="slidenum">
               <a:rPr lang="en-US" smtClean="0"/>
               <a:t>‹#›</a:t>
             </a:fld>
@@ -2014,7 +2014,7 @@
     </p:spTree>
     <p:extLst>
       <p:ext uri="{BB962C8B-B14F-4D97-AF65-F5344CB8AC3E}">
-        <p14:creationId xmlns:p14="http://schemas.microsoft.com/office/powerpoint/2010/main" val="1185741554"/>
+        <p14:creationId xmlns:p14="http://schemas.microsoft.com/office/powerpoint/2010/main" val="3026429293"/>
       </p:ext>
     </p:extLst>
   </p:cSld>
@@ -2046,7 +2046,7 @@
           <p:cNvPr id="2" name="Date Placeholder 1">
             <a:extLst>
               <a:ext uri="{FF2B5EF4-FFF2-40B4-BE49-F238E27FC236}">
-                <a16:creationId xmlns:a16="http://schemas.microsoft.com/office/drawing/2014/main" id="{9188F8AD-2531-234C-8D1F-7EA58D3FD157}"/>
+                <a16:creationId xmlns:a16="http://schemas.microsoft.com/office/drawing/2014/main" id="{F5FFA51C-7ED9-8A43-B86A-FD6ED2C8B80D}"/>
               </a:ext>
             </a:extLst>
           </p:cNvPr>
@@ -2062,9 +2062,9 @@
           <a:bodyPr/>
           <a:lstStyle/>
           <a:p>
-            <a:fld id="{07EA0626-B10D-B044-807E-08AF683F2D7B}" type="datetimeFigureOut">
+            <a:fld id="{94AFAD6A-DEB2-7C40-8E44-F27A2F5A10FA}" type="datetimeFigureOut">
               <a:rPr lang="en-US" smtClean="0"/>
-              <a:t>6/24/22</a:t>
+              <a:t>7/6/22</a:t>
             </a:fld>
             <a:endParaRPr lang="en-US"/>
           </a:p>
@@ -2075,7 +2075,7 @@
           <p:cNvPr id="3" name="Footer Placeholder 2">
             <a:extLst>
               <a:ext uri="{FF2B5EF4-FFF2-40B4-BE49-F238E27FC236}">
-                <a16:creationId xmlns:a16="http://schemas.microsoft.com/office/drawing/2014/main" id="{88DC8D30-EEB0-7B44-9092-F52DF2CAA19C}"/>
+                <a16:creationId xmlns:a16="http://schemas.microsoft.com/office/drawing/2014/main" id="{D6418033-4B71-8540-8D14-9E85C59118B0}"/>
               </a:ext>
             </a:extLst>
           </p:cNvPr>
@@ -2100,7 +2100,7 @@
           <p:cNvPr id="4" name="Slide Number Placeholder 3">
             <a:extLst>
               <a:ext uri="{FF2B5EF4-FFF2-40B4-BE49-F238E27FC236}">
-                <a16:creationId xmlns:a16="http://schemas.microsoft.com/office/drawing/2014/main" id="{70315199-09AF-C049-9523-F8C4827A692F}"/>
+                <a16:creationId xmlns:a16="http://schemas.microsoft.com/office/drawing/2014/main" id="{C4AA8E2A-966A-FB46-8560-BB52D7A2CF83}"/>
               </a:ext>
             </a:extLst>
           </p:cNvPr>
@@ -2116,7 +2116,7 @@
           <a:bodyPr/>
           <a:lstStyle/>
           <a:p>
-            <a:fld id="{04490DF9-4076-AF40-B7F5-2760FAA91B01}" type="slidenum">
+            <a:fld id="{B8221035-A41B-6B4B-BB1E-AFF560EC8105}" type="slidenum">
               <a:rPr lang="en-US" smtClean="0"/>
               <a:t>‹#›</a:t>
             </a:fld>
@@ -2127,7 +2127,7 @@
     </p:spTree>
     <p:extLst>
       <p:ext uri="{BB962C8B-B14F-4D97-AF65-F5344CB8AC3E}">
-        <p14:creationId xmlns:p14="http://schemas.microsoft.com/office/powerpoint/2010/main" val="3922801777"/>
+        <p14:creationId xmlns:p14="http://schemas.microsoft.com/office/powerpoint/2010/main" val="3310017076"/>
       </p:ext>
     </p:extLst>
   </p:cSld>
@@ -2159,7 +2159,7 @@
           <p:cNvPr id="2" name="Title 1">
             <a:extLst>
               <a:ext uri="{FF2B5EF4-FFF2-40B4-BE49-F238E27FC236}">
-                <a16:creationId xmlns:a16="http://schemas.microsoft.com/office/drawing/2014/main" id="{BA8DFD7B-D6B1-744B-A2CA-50560E35C25B}"/>
+                <a16:creationId xmlns:a16="http://schemas.microsoft.com/office/drawing/2014/main" id="{0A2591D6-CF01-F342-8345-E41F59FF5EE9}"/>
               </a:ext>
             </a:extLst>
           </p:cNvPr>
@@ -2196,7 +2196,7 @@
           <p:cNvPr id="3" name="Content Placeholder 2">
             <a:extLst>
               <a:ext uri="{FF2B5EF4-FFF2-40B4-BE49-F238E27FC236}">
-                <a16:creationId xmlns:a16="http://schemas.microsoft.com/office/drawing/2014/main" id="{A4CD8477-45AB-6A47-8BB0-EBA5616C5378}"/>
+                <a16:creationId xmlns:a16="http://schemas.microsoft.com/office/drawing/2014/main" id="{BB15A087-4C8D-8941-9072-50AE154E7362}"/>
               </a:ext>
             </a:extLst>
           </p:cNvPr>
@@ -2286,7 +2286,7 @@
           <p:cNvPr id="4" name="Text Placeholder 3">
             <a:extLst>
               <a:ext uri="{FF2B5EF4-FFF2-40B4-BE49-F238E27FC236}">
-                <a16:creationId xmlns:a16="http://schemas.microsoft.com/office/drawing/2014/main" id="{BA4F0C24-A075-524D-8ABA-013F57AD02B7}"/>
+                <a16:creationId xmlns:a16="http://schemas.microsoft.com/office/drawing/2014/main" id="{BFDC4FCF-896E-C644-83A9-EDD3B7DE24B4}"/>
               </a:ext>
             </a:extLst>
           </p:cNvPr>
@@ -2357,7 +2357,7 @@
           <p:cNvPr id="5" name="Date Placeholder 4">
             <a:extLst>
               <a:ext uri="{FF2B5EF4-FFF2-40B4-BE49-F238E27FC236}">
-                <a16:creationId xmlns:a16="http://schemas.microsoft.com/office/drawing/2014/main" id="{9E9F1EFF-3717-E640-BF64-6616A0DB02E5}"/>
+                <a16:creationId xmlns:a16="http://schemas.microsoft.com/office/drawing/2014/main" id="{639A40AD-568E-2F42-AC37-1E412A1AFD9A}"/>
               </a:ext>
             </a:extLst>
           </p:cNvPr>
@@ -2373,9 +2373,9 @@
           <a:bodyPr/>
           <a:lstStyle/>
           <a:p>
-            <a:fld id="{07EA0626-B10D-B044-807E-08AF683F2D7B}" type="datetimeFigureOut">
+            <a:fld id="{94AFAD6A-DEB2-7C40-8E44-F27A2F5A10FA}" type="datetimeFigureOut">
               <a:rPr lang="en-US" smtClean="0"/>
-              <a:t>6/24/22</a:t>
+              <a:t>7/6/22</a:t>
             </a:fld>
             <a:endParaRPr lang="en-US"/>
           </a:p>
@@ -2386,7 +2386,7 @@
           <p:cNvPr id="6" name="Footer Placeholder 5">
             <a:extLst>
               <a:ext uri="{FF2B5EF4-FFF2-40B4-BE49-F238E27FC236}">
-                <a16:creationId xmlns:a16="http://schemas.microsoft.com/office/drawing/2014/main" id="{EF8E4A98-9E5A-CA44-96F4-6AD21465E699}"/>
+                <a16:creationId xmlns:a16="http://schemas.microsoft.com/office/drawing/2014/main" id="{DC28BD1F-FEF8-3D48-B38F-7D9723F861A6}"/>
               </a:ext>
             </a:extLst>
           </p:cNvPr>
@@ -2411,7 +2411,7 @@
           <p:cNvPr id="7" name="Slide Number Placeholder 6">
             <a:extLst>
               <a:ext uri="{FF2B5EF4-FFF2-40B4-BE49-F238E27FC236}">
-                <a16:creationId xmlns:a16="http://schemas.microsoft.com/office/drawing/2014/main" id="{A85D912F-04F8-C842-B131-56A46AF0FC03}"/>
+                <a16:creationId xmlns:a16="http://schemas.microsoft.com/office/drawing/2014/main" id="{2210D0A4-90AD-3A4E-9D24-992D5FB0FC1C}"/>
               </a:ext>
             </a:extLst>
           </p:cNvPr>
@@ -2427,7 +2427,7 @@
           <a:bodyPr/>
           <a:lstStyle/>
           <a:p>
-            <a:fld id="{04490DF9-4076-AF40-B7F5-2760FAA91B01}" type="slidenum">
+            <a:fld id="{B8221035-A41B-6B4B-BB1E-AFF560EC8105}" type="slidenum">
               <a:rPr lang="en-US" smtClean="0"/>
               <a:t>‹#›</a:t>
             </a:fld>
@@ -2438,7 +2438,7 @@
     </p:spTree>
     <p:extLst>
       <p:ext uri="{BB962C8B-B14F-4D97-AF65-F5344CB8AC3E}">
-        <p14:creationId xmlns:p14="http://schemas.microsoft.com/office/powerpoint/2010/main" val="3823365559"/>
+        <p14:creationId xmlns:p14="http://schemas.microsoft.com/office/powerpoint/2010/main" val="136270901"/>
       </p:ext>
     </p:extLst>
   </p:cSld>
@@ -2470,7 +2470,7 @@
           <p:cNvPr id="2" name="Title 1">
             <a:extLst>
               <a:ext uri="{FF2B5EF4-FFF2-40B4-BE49-F238E27FC236}">
-                <a16:creationId xmlns:a16="http://schemas.microsoft.com/office/drawing/2014/main" id="{B593ECC0-FC12-EF44-B24B-BDFD6031A49D}"/>
+                <a16:creationId xmlns:a16="http://schemas.microsoft.com/office/drawing/2014/main" id="{D6E2BB5D-6B9C-F049-8AE4-19B7E8EA27D1}"/>
               </a:ext>
             </a:extLst>
           </p:cNvPr>
@@ -2507,7 +2507,7 @@
           <p:cNvPr id="3" name="Picture Placeholder 2">
             <a:extLst>
               <a:ext uri="{FF2B5EF4-FFF2-40B4-BE49-F238E27FC236}">
-                <a16:creationId xmlns:a16="http://schemas.microsoft.com/office/drawing/2014/main" id="{941BBB35-D597-274D-9929-569C4C9EC264}"/>
+                <a16:creationId xmlns:a16="http://schemas.microsoft.com/office/drawing/2014/main" id="{DBF73FA0-33BD-5F4E-A0A2-1037BD802518}"/>
               </a:ext>
             </a:extLst>
           </p:cNvPr>
@@ -2574,7 +2574,7 @@
           <p:cNvPr id="4" name="Text Placeholder 3">
             <a:extLst>
               <a:ext uri="{FF2B5EF4-FFF2-40B4-BE49-F238E27FC236}">
-                <a16:creationId xmlns:a16="http://schemas.microsoft.com/office/drawing/2014/main" id="{3550C820-463C-A342-8412-7C01A823F54C}"/>
+                <a16:creationId xmlns:a16="http://schemas.microsoft.com/office/drawing/2014/main" id="{9F6C1AED-772E-414A-986D-ECC498F5DAC6}"/>
               </a:ext>
             </a:extLst>
           </p:cNvPr>
@@ -2645,7 +2645,7 @@
           <p:cNvPr id="5" name="Date Placeholder 4">
             <a:extLst>
               <a:ext uri="{FF2B5EF4-FFF2-40B4-BE49-F238E27FC236}">
-                <a16:creationId xmlns:a16="http://schemas.microsoft.com/office/drawing/2014/main" id="{17DD1BE7-741C-C14A-802C-4BC254CE0077}"/>
+                <a16:creationId xmlns:a16="http://schemas.microsoft.com/office/drawing/2014/main" id="{91360A43-7546-0B47-B147-A372E8313242}"/>
               </a:ext>
             </a:extLst>
           </p:cNvPr>
@@ -2661,9 +2661,9 @@
           <a:bodyPr/>
           <a:lstStyle/>
           <a:p>
-            <a:fld id="{07EA0626-B10D-B044-807E-08AF683F2D7B}" type="datetimeFigureOut">
+            <a:fld id="{94AFAD6A-DEB2-7C40-8E44-F27A2F5A10FA}" type="datetimeFigureOut">
               <a:rPr lang="en-US" smtClean="0"/>
-              <a:t>6/24/22</a:t>
+              <a:t>7/6/22</a:t>
             </a:fld>
             <a:endParaRPr lang="en-US"/>
           </a:p>
@@ -2674,7 +2674,7 @@
           <p:cNvPr id="6" name="Footer Placeholder 5">
             <a:extLst>
               <a:ext uri="{FF2B5EF4-FFF2-40B4-BE49-F238E27FC236}">
-                <a16:creationId xmlns:a16="http://schemas.microsoft.com/office/drawing/2014/main" id="{248BC7FA-8284-EC45-8F4A-D34C25682DFD}"/>
+                <a16:creationId xmlns:a16="http://schemas.microsoft.com/office/drawing/2014/main" id="{2B4808B4-7C7F-364D-9BFB-C4A33F069A90}"/>
               </a:ext>
             </a:extLst>
           </p:cNvPr>
@@ -2699,7 +2699,7 @@
           <p:cNvPr id="7" name="Slide Number Placeholder 6">
             <a:extLst>
               <a:ext uri="{FF2B5EF4-FFF2-40B4-BE49-F238E27FC236}">
-                <a16:creationId xmlns:a16="http://schemas.microsoft.com/office/drawing/2014/main" id="{ED48547B-001E-7E49-8BD5-026A35C6351A}"/>
+                <a16:creationId xmlns:a16="http://schemas.microsoft.com/office/drawing/2014/main" id="{C3B19D57-58A6-7B4D-9748-7B0AFA7A959A}"/>
               </a:ext>
             </a:extLst>
           </p:cNvPr>
@@ -2715,7 +2715,7 @@
           <a:bodyPr/>
           <a:lstStyle/>
           <a:p>
-            <a:fld id="{04490DF9-4076-AF40-B7F5-2760FAA91B01}" type="slidenum">
+            <a:fld id="{B8221035-A41B-6B4B-BB1E-AFF560EC8105}" type="slidenum">
               <a:rPr lang="en-US" smtClean="0"/>
               <a:t>‹#›</a:t>
             </a:fld>
@@ -2726,7 +2726,7 @@
     </p:spTree>
     <p:extLst>
       <p:ext uri="{BB962C8B-B14F-4D97-AF65-F5344CB8AC3E}">
-        <p14:creationId xmlns:p14="http://schemas.microsoft.com/office/powerpoint/2010/main" val="2803205925"/>
+        <p14:creationId xmlns:p14="http://schemas.microsoft.com/office/powerpoint/2010/main" val="3484660753"/>
       </p:ext>
     </p:extLst>
   </p:cSld>
@@ -2763,7 +2763,7 @@
           <p:cNvPr id="2" name="Title Placeholder 1">
             <a:extLst>
               <a:ext uri="{FF2B5EF4-FFF2-40B4-BE49-F238E27FC236}">
-                <a16:creationId xmlns:a16="http://schemas.microsoft.com/office/drawing/2014/main" id="{A7378515-4EDF-304B-A4E4-A04C9ECDA422}"/>
+                <a16:creationId xmlns:a16="http://schemas.microsoft.com/office/drawing/2014/main" id="{46963B9F-3B76-DA4B-BB97-12C673AF35CA}"/>
               </a:ext>
             </a:extLst>
           </p:cNvPr>
@@ -2801,7 +2801,7 @@
           <p:cNvPr id="3" name="Text Placeholder 2">
             <a:extLst>
               <a:ext uri="{FF2B5EF4-FFF2-40B4-BE49-F238E27FC236}">
-                <a16:creationId xmlns:a16="http://schemas.microsoft.com/office/drawing/2014/main" id="{D8DE77A4-A13D-7540-A09B-EC87494C65AE}"/>
+                <a16:creationId xmlns:a16="http://schemas.microsoft.com/office/drawing/2014/main" id="{9F7EEDE4-FC21-3C4B-B28E-CEF74CCB303C}"/>
               </a:ext>
             </a:extLst>
           </p:cNvPr>
@@ -2868,7 +2868,7 @@
           <p:cNvPr id="4" name="Date Placeholder 3">
             <a:extLst>
               <a:ext uri="{FF2B5EF4-FFF2-40B4-BE49-F238E27FC236}">
-                <a16:creationId xmlns:a16="http://schemas.microsoft.com/office/drawing/2014/main" id="{6D1837C8-26F8-044C-8EAE-804BCA5FD020}"/>
+                <a16:creationId xmlns:a16="http://schemas.microsoft.com/office/drawing/2014/main" id="{2718AC8F-F24D-E74F-B7A3-3D79E06F48BA}"/>
               </a:ext>
             </a:extLst>
           </p:cNvPr>
@@ -2902,9 +2902,9 @@
             </a:lvl1pPr>
           </a:lstStyle>
           <a:p>
-            <a:fld id="{07EA0626-B10D-B044-807E-08AF683F2D7B}" type="datetimeFigureOut">
+            <a:fld id="{94AFAD6A-DEB2-7C40-8E44-F27A2F5A10FA}" type="datetimeFigureOut">
               <a:rPr lang="en-US" smtClean="0"/>
-              <a:t>6/24/22</a:t>
+              <a:t>7/6/22</a:t>
             </a:fld>
             <a:endParaRPr lang="en-US"/>
           </a:p>
@@ -2915,7 +2915,7 @@
           <p:cNvPr id="5" name="Footer Placeholder 4">
             <a:extLst>
               <a:ext uri="{FF2B5EF4-FFF2-40B4-BE49-F238E27FC236}">
-                <a16:creationId xmlns:a16="http://schemas.microsoft.com/office/drawing/2014/main" id="{7DFA1D68-39C6-884C-9D4D-E2913181A853}"/>
+                <a16:creationId xmlns:a16="http://schemas.microsoft.com/office/drawing/2014/main" id="{FCC9E5C0-1A2F-9443-9DDF-AB366A164862}"/>
               </a:ext>
             </a:extLst>
           </p:cNvPr>
@@ -2958,7 +2958,7 @@
           <p:cNvPr id="6" name="Slide Number Placeholder 5">
             <a:extLst>
               <a:ext uri="{FF2B5EF4-FFF2-40B4-BE49-F238E27FC236}">
-                <a16:creationId xmlns:a16="http://schemas.microsoft.com/office/drawing/2014/main" id="{6B594050-6A22-AB44-96CB-119227574D8A}"/>
+                <a16:creationId xmlns:a16="http://schemas.microsoft.com/office/drawing/2014/main" id="{EDC0CA32-52AB-E345-A818-087741A9604E}"/>
               </a:ext>
             </a:extLst>
           </p:cNvPr>
@@ -2992,7 +2992,7 @@
             </a:lvl1pPr>
           </a:lstStyle>
           <a:p>
-            <a:fld id="{04490DF9-4076-AF40-B7F5-2760FAA91B01}" type="slidenum">
+            <a:fld id="{B8221035-A41B-6B4B-BB1E-AFF560EC8105}" type="slidenum">
               <a:rPr lang="en-US" smtClean="0"/>
               <a:t>‹#›</a:t>
             </a:fld>
@@ -3003,7 +3003,7 @@
     </p:spTree>
     <p:extLst>
       <p:ext uri="{BB962C8B-B14F-4D97-AF65-F5344CB8AC3E}">
-        <p14:creationId xmlns:p14="http://schemas.microsoft.com/office/powerpoint/2010/main" val="1205383713"/>
+        <p14:creationId xmlns:p14="http://schemas.microsoft.com/office/powerpoint/2010/main" val="413965835"/>
       </p:ext>
     </p:extLst>
   </p:cSld>
@@ -3321,81 +3321,59 @@
           <a:chExt cx="0" cy="0"/>
         </a:xfrm>
       </p:grpSpPr>
-      <p:sp>
-        <p:nvSpPr>
-          <p:cNvPr id="43" name="Rectangle 42">
-            <a:extLst>
-              <a:ext uri="{FF2B5EF4-FFF2-40B4-BE49-F238E27FC236}">
-                <a16:creationId xmlns:a16="http://schemas.microsoft.com/office/drawing/2014/main" id="{B42DE077-BDF5-3844-8BC9-15A341778D3A}"/>
-              </a:ext>
-            </a:extLst>
-          </p:cNvPr>
-          <p:cNvSpPr/>
+      <p:cxnSp>
+        <p:nvCxnSpPr>
+          <p:cNvPr id="4" name="Straight Arrow Connector 3">
+            <a:extLst>
+              <a:ext uri="{FF2B5EF4-FFF2-40B4-BE49-F238E27FC236}">
+                <a16:creationId xmlns:a16="http://schemas.microsoft.com/office/drawing/2014/main" id="{90CFB14B-9CB3-7445-B56A-C5CB243104BA}"/>
+              </a:ext>
+            </a:extLst>
+          </p:cNvPr>
+          <p:cNvCxnSpPr>
+            <a:cxnSpLocks/>
+            <a:stCxn id="25" idx="3"/>
+            <a:endCxn id="21" idx="1"/>
+          </p:cNvCxnSpPr>
           <p:nvPr/>
-        </p:nvSpPr>
+        </p:nvCxnSpPr>
         <p:spPr>
           <a:xfrm>
-            <a:off x="841399" y="1263933"/>
-            <a:ext cx="8172720" cy="4283948"/>
+            <a:off x="2900680" y="4005551"/>
+            <a:ext cx="1508801" cy="0"/>
           </a:xfrm>
-          <a:prstGeom prst="rect">
+          <a:prstGeom prst="straightConnector1">
             <a:avLst/>
           </a:prstGeom>
-          <a:solidFill>
-            <a:schemeClr val="bg1"/>
-          </a:solidFill>
           <a:ln w="12700">
             <a:solidFill>
-              <a:srgbClr val="5B9CD5"/>
+              <a:srgbClr val="545B64"/>
             </a:solidFill>
-            <a:prstDash val="dash"/>
+            <a:headEnd type="none" w="med" len="sm"/>
+            <a:tailEnd type="arrow" w="med" len="sm"/>
           </a:ln>
         </p:spPr>
         <p:style>
-          <a:lnRef idx="2">
-            <a:schemeClr val="accent1">
-              <a:shade val="50000"/>
-            </a:schemeClr>
+          <a:lnRef idx="1">
+            <a:schemeClr val="accent1"/>
           </a:lnRef>
-          <a:fillRef idx="1">
+          <a:fillRef idx="0">
             <a:schemeClr val="accent1"/>
           </a:fillRef>
           <a:effectRef idx="0">
             <a:schemeClr val="accent1"/>
           </a:effectRef>
           <a:fontRef idx="minor">
-            <a:schemeClr val="lt1"/>
+            <a:schemeClr val="tx1"/>
           </a:fontRef>
         </p:style>
-        <p:txBody>
-          <a:bodyPr tIns="91440"/>
-          <a:lstStyle/>
-          <a:p>
-            <a:pPr algn="ctr" eaLnBrk="1" fontAlgn="auto" hangingPunct="1">
-              <a:spcBef>
-                <a:spcPts val="0"/>
-              </a:spcBef>
-              <a:spcAft>
-                <a:spcPts val="0"/>
-              </a:spcAft>
-              <a:defRPr/>
-            </a:pPr>
-            <a:endParaRPr lang="en-US" sz="1200" dirty="0">
-              <a:solidFill>
-                <a:srgbClr val="5B9CD5"/>
-              </a:solidFill>
-              <a:latin typeface="Arial" panose="020B0604020202020204" pitchFamily="34" charset="0"/>
-              <a:cs typeface="Arial" panose="020B0604020202020204" pitchFamily="34" charset="0"/>
-            </a:endParaRPr>
-          </a:p>
-        </p:txBody>
-      </p:sp>
-      <p:sp>
-        <p:nvSpPr>
-          <p:cNvPr id="7" name="Rectangle 6">
-            <a:extLst>
-              <a:ext uri="{FF2B5EF4-FFF2-40B4-BE49-F238E27FC236}">
-                <a16:creationId xmlns:a16="http://schemas.microsoft.com/office/drawing/2014/main" id="{BA714D30-46A1-8349-93C0-36980FB30A76}"/>
+      </p:cxnSp>
+      <p:sp>
+        <p:nvSpPr>
+          <p:cNvPr id="5" name="Rectangle 4">
+            <a:extLst>
+              <a:ext uri="{FF2B5EF4-FFF2-40B4-BE49-F238E27FC236}">
+                <a16:creationId xmlns:a16="http://schemas.microsoft.com/office/drawing/2014/main" id="{BC9D3815-7A97-834D-AFC6-8BC0536D9ED0}"/>
               </a:ext>
             </a:extLst>
           </p:cNvPr>
@@ -3404,8 +3382,8 @@
         </p:nvSpPr>
         <p:spPr>
           <a:xfrm>
-            <a:off x="276099" y="545123"/>
-            <a:ext cx="9401301" cy="5485563"/>
+            <a:off x="2260600" y="1605332"/>
+            <a:ext cx="7406640" cy="4572000"/>
           </a:xfrm>
           <a:prstGeom prst="rect">
             <a:avLst/>
@@ -3462,10 +3440,10 @@
       </p:sp>
       <p:sp>
         <p:nvSpPr>
-          <p:cNvPr id="9" name="Rectangle 8">
-            <a:extLst>
-              <a:ext uri="{FF2B5EF4-FFF2-40B4-BE49-F238E27FC236}">
-                <a16:creationId xmlns:a16="http://schemas.microsoft.com/office/drawing/2014/main" id="{9841A159-1B7F-C84B-9B5F-F530EA1CFA21}"/>
+          <p:cNvPr id="6" name="Rectangle 5">
+            <a:extLst>
+              <a:ext uri="{FF2B5EF4-FFF2-40B4-BE49-F238E27FC236}">
+                <a16:creationId xmlns:a16="http://schemas.microsoft.com/office/drawing/2014/main" id="{934ED138-AE22-6A4F-AD4F-9C5F3035880C}"/>
               </a:ext>
             </a:extLst>
           </p:cNvPr>
@@ -3474,15 +3452,261 @@
         </p:nvSpPr>
         <p:spPr>
           <a:xfrm>
-            <a:off x="650899" y="1416313"/>
-            <a:ext cx="8172720" cy="4283948"/>
+            <a:off x="1757680" y="690942"/>
+            <a:ext cx="8321040" cy="5943600"/>
+          </a:xfrm>
+          <a:prstGeom prst="rect">
+            <a:avLst/>
+          </a:prstGeom>
+          <a:noFill/>
+          <a:ln w="12700">
+            <a:solidFill>
+              <a:schemeClr val="tx1"/>
+            </a:solidFill>
+          </a:ln>
+        </p:spPr>
+        <p:style>
+          <a:lnRef idx="2">
+            <a:schemeClr val="accent1">
+              <a:shade val="50000"/>
+            </a:schemeClr>
+          </a:lnRef>
+          <a:fillRef idx="1">
+            <a:schemeClr val="accent1"/>
+          </a:fillRef>
+          <a:effectRef idx="0">
+            <a:schemeClr val="accent1"/>
+          </a:effectRef>
+          <a:fontRef idx="minor">
+            <a:schemeClr val="lt1"/>
+          </a:fontRef>
+        </p:style>
+        <p:txBody>
+          <a:bodyPr lIns="502920" tIns="91440"/>
+          <a:lstStyle/>
+          <a:p>
+            <a:pPr eaLnBrk="1" fontAlgn="auto" hangingPunct="1">
+              <a:spcBef>
+                <a:spcPts val="0"/>
+              </a:spcBef>
+              <a:spcAft>
+                <a:spcPts val="0"/>
+              </a:spcAft>
+              <a:defRPr/>
+            </a:pPr>
+            <a:r>
+              <a:rPr lang="en-US" sz="1200" dirty="0">
+                <a:solidFill>
+                  <a:sysClr val="windowText" lastClr="000000"/>
+                </a:solidFill>
+                <a:latin typeface="Arial" panose="020B0604020202020204" pitchFamily="34" charset="0"/>
+                <a:cs typeface="Arial" panose="020B0604020202020204" pitchFamily="34" charset="0"/>
+              </a:rPr>
+              <a:t>AWS Cloud</a:t>
+            </a:r>
+          </a:p>
+        </p:txBody>
+      </p:sp>
+      <p:sp>
+        <p:nvSpPr>
+          <p:cNvPr id="7" name="Rectangle 6">
+            <a:extLst>
+              <a:ext uri="{FF2B5EF4-FFF2-40B4-BE49-F238E27FC236}">
+                <a16:creationId xmlns:a16="http://schemas.microsoft.com/office/drawing/2014/main" id="{24766F74-E28E-FF4D-BEEC-CE2D24301D38}"/>
+              </a:ext>
+            </a:extLst>
+          </p:cNvPr>
+          <p:cNvSpPr/>
+          <p:nvPr/>
+        </p:nvSpPr>
+        <p:spPr>
+          <a:xfrm>
+            <a:off x="3586504" y="1972315"/>
+            <a:ext cx="2011680" cy="1371600"/>
           </a:xfrm>
           <a:prstGeom prst="rect">
             <a:avLst/>
           </a:prstGeom>
           <a:solidFill>
-            <a:schemeClr val="bg1"/>
+            <a:srgbClr val="1D8900">
+              <a:alpha val="9804"/>
+            </a:srgbClr>
           </a:solidFill>
+          <a:ln w="12700">
+            <a:noFill/>
+            <a:prstDash val="dash"/>
+          </a:ln>
+        </p:spPr>
+        <p:style>
+          <a:lnRef idx="2">
+            <a:schemeClr val="accent1">
+              <a:shade val="50000"/>
+            </a:schemeClr>
+          </a:lnRef>
+          <a:fillRef idx="1">
+            <a:schemeClr val="accent1"/>
+          </a:fillRef>
+          <a:effectRef idx="0">
+            <a:schemeClr val="accent1"/>
+          </a:effectRef>
+          <a:fontRef idx="minor">
+            <a:schemeClr val="lt1"/>
+          </a:fontRef>
+        </p:style>
+        <p:txBody>
+          <a:bodyPr lIns="502920"/>
+          <a:lstStyle/>
+          <a:p>
+            <a:pPr eaLnBrk="1" fontAlgn="auto" hangingPunct="1">
+              <a:spcBef>
+                <a:spcPts val="0"/>
+              </a:spcBef>
+              <a:spcAft>
+                <a:spcPts val="0"/>
+              </a:spcAft>
+              <a:defRPr/>
+            </a:pPr>
+            <a:r>
+              <a:rPr lang="en-US" sz="1200" dirty="0">
+                <a:solidFill>
+                  <a:srgbClr val="1E8900"/>
+                </a:solidFill>
+                <a:latin typeface="Arial" panose="020B0604020202020204" pitchFamily="34" charset="0"/>
+                <a:cs typeface="Arial" panose="020B0604020202020204" pitchFamily="34" charset="0"/>
+              </a:rPr>
+              <a:t>Public subnet</a:t>
+            </a:r>
+          </a:p>
+        </p:txBody>
+      </p:sp>
+      <p:pic>
+        <p:nvPicPr>
+          <p:cNvPr id="8" name="Graphic 7">
+            <a:extLst>
+              <a:ext uri="{FF2B5EF4-FFF2-40B4-BE49-F238E27FC236}">
+                <a16:creationId xmlns:a16="http://schemas.microsoft.com/office/drawing/2014/main" id="{50A57500-DBAC-A941-843C-A97ADA48D723}"/>
+              </a:ext>
+            </a:extLst>
+          </p:cNvPr>
+          <p:cNvPicPr>
+            <a:picLocks noChangeAspect="1"/>
+          </p:cNvPicPr>
+          <p:nvPr/>
+        </p:nvPicPr>
+        <p:blipFill>
+          <a:blip r:embed="rId2">
+            <a:extLst>
+              <a:ext uri="{96DAC541-7B7A-43D3-8B79-37D633B846F1}">
+                <asvg:svgBlip xmlns:asvg="http://schemas.microsoft.com/office/drawing/2016/SVG/main" r:embed="rId3"/>
+              </a:ext>
+            </a:extLst>
+          </a:blip>
+          <a:srcRect/>
+          <a:stretch/>
+        </p:blipFill>
+        <p:spPr>
+          <a:xfrm>
+            <a:off x="1757680" y="690942"/>
+            <a:ext cx="381000" cy="381000"/>
+          </a:xfrm>
+          <a:prstGeom prst="rect">
+            <a:avLst/>
+          </a:prstGeom>
+        </p:spPr>
+      </p:pic>
+      <p:pic>
+        <p:nvPicPr>
+          <p:cNvPr id="9" name="Graphic 8">
+            <a:extLst>
+              <a:ext uri="{FF2B5EF4-FFF2-40B4-BE49-F238E27FC236}">
+                <a16:creationId xmlns:a16="http://schemas.microsoft.com/office/drawing/2014/main" id="{082CC56B-FB95-1F42-BB54-83711694E03A}"/>
+              </a:ext>
+            </a:extLst>
+          </p:cNvPr>
+          <p:cNvPicPr>
+            <a:picLocks noChangeAspect="1"/>
+          </p:cNvPicPr>
+          <p:nvPr/>
+        </p:nvPicPr>
+        <p:blipFill>
+          <a:blip r:embed="rId4">
+            <a:extLst>
+              <a:ext uri="{96DAC541-7B7A-43D3-8B79-37D633B846F1}">
+                <asvg:svgBlip xmlns:asvg="http://schemas.microsoft.com/office/drawing/2016/SVG/main" r:embed="rId5"/>
+              </a:ext>
+            </a:extLst>
+          </a:blip>
+          <a:stretch>
+            <a:fillRect/>
+          </a:stretch>
+        </p:blipFill>
+        <p:spPr>
+          <a:xfrm>
+            <a:off x="2260600" y="1605332"/>
+            <a:ext cx="381000" cy="381000"/>
+          </a:xfrm>
+          <a:prstGeom prst="rect">
+            <a:avLst/>
+          </a:prstGeom>
+        </p:spPr>
+      </p:pic>
+      <p:pic>
+        <p:nvPicPr>
+          <p:cNvPr id="10" name="Graphic 9">
+            <a:extLst>
+              <a:ext uri="{FF2B5EF4-FFF2-40B4-BE49-F238E27FC236}">
+                <a16:creationId xmlns:a16="http://schemas.microsoft.com/office/drawing/2014/main" id="{3CEB0E0C-60D3-9F46-BFE2-9FA26C68E528}"/>
+              </a:ext>
+            </a:extLst>
+          </p:cNvPr>
+          <p:cNvPicPr>
+            <a:picLocks noChangeAspect="1"/>
+          </p:cNvPicPr>
+          <p:nvPr/>
+        </p:nvPicPr>
+        <p:blipFill>
+          <a:blip r:embed="rId6">
+            <a:extLst>
+              <a:ext uri="{96DAC541-7B7A-43D3-8B79-37D633B846F1}">
+                <asvg:svgBlip xmlns:asvg="http://schemas.microsoft.com/office/drawing/2016/SVG/main" r:embed="rId7"/>
+              </a:ext>
+            </a:extLst>
+          </a:blip>
+          <a:stretch>
+            <a:fillRect/>
+          </a:stretch>
+        </p:blipFill>
+        <p:spPr>
+          <a:xfrm>
+            <a:off x="3586541" y="1972363"/>
+            <a:ext cx="381000" cy="381000"/>
+          </a:xfrm>
+          <a:prstGeom prst="rect">
+            <a:avLst/>
+          </a:prstGeom>
+        </p:spPr>
+      </p:pic>
+      <p:sp>
+        <p:nvSpPr>
+          <p:cNvPr id="11" name="Rectangle 10">
+            <a:extLst>
+              <a:ext uri="{FF2B5EF4-FFF2-40B4-BE49-F238E27FC236}">
+                <a16:creationId xmlns:a16="http://schemas.microsoft.com/office/drawing/2014/main" id="{BCEF48D9-A3B9-3247-B2B0-410BB69F7951}"/>
+              </a:ext>
+            </a:extLst>
+          </p:cNvPr>
+          <p:cNvSpPr/>
+          <p:nvPr/>
+        </p:nvSpPr>
+        <p:spPr>
+          <a:xfrm>
+            <a:off x="3434902" y="1239576"/>
+            <a:ext cx="2286000" cy="5120640"/>
+          </a:xfrm>
+          <a:prstGeom prst="rect">
+            <a:avLst/>
+          </a:prstGeom>
+          <a:noFill/>
           <a:ln w="12700">
             <a:solidFill>
               <a:srgbClr val="5B9CD5"/>
@@ -3527,17 +3751,221 @@
                 <a:latin typeface="Arial" panose="020B0604020202020204" pitchFamily="34" charset="0"/>
                 <a:cs typeface="Arial" panose="020B0604020202020204" pitchFamily="34" charset="0"/>
               </a:rPr>
-              <a:t>Availability Zone</a:t>
-            </a:r>
-          </a:p>
-        </p:txBody>
-      </p:sp>
-      <p:sp>
-        <p:nvSpPr>
-          <p:cNvPr id="12" name="Rectangle 11">
-            <a:extLst>
-              <a:ext uri="{FF2B5EF4-FFF2-40B4-BE49-F238E27FC236}">
-                <a16:creationId xmlns:a16="http://schemas.microsoft.com/office/drawing/2014/main" id="{A38210BF-8BB2-514F-9CC1-E468A5AE1210}"/>
+              <a:t>Availability Zone 1</a:t>
+            </a:r>
+          </a:p>
+        </p:txBody>
+      </p:sp>
+      <p:sp>
+        <p:nvSpPr>
+          <p:cNvPr id="12" name="TextBox 12">
+            <a:extLst>
+              <a:ext uri="{FF2B5EF4-FFF2-40B4-BE49-F238E27FC236}">
+                <a16:creationId xmlns:a16="http://schemas.microsoft.com/office/drawing/2014/main" id="{4DE8BEB8-D3D7-324A-A58A-86A2DC7B7076}"/>
+              </a:ext>
+            </a:extLst>
+          </p:cNvPr>
+          <p:cNvSpPr txBox="1">
+            <a:spLocks noChangeArrowheads="1"/>
+          </p:cNvSpPr>
+          <p:nvPr/>
+        </p:nvSpPr>
+        <p:spPr bwMode="auto">
+          <a:xfrm>
+            <a:off x="5703570" y="1840283"/>
+            <a:ext cx="1403350" cy="261610"/>
+          </a:xfrm>
+          <a:prstGeom prst="rect">
+            <a:avLst/>
+          </a:prstGeom>
+          <a:noFill/>
+          <a:ln>
+            <a:noFill/>
+          </a:ln>
+          <a:extLst>
+            <a:ext uri="{909E8E84-426E-40DD-AFC4-6F175D3DCCD1}">
+              <a14:hiddenFill xmlns:a14="http://schemas.microsoft.com/office/drawing/2010/main">
+                <a:solidFill>
+                  <a:srgbClr val="FFFFFF"/>
+                </a:solidFill>
+              </a14:hiddenFill>
+            </a:ext>
+            <a:ext uri="{91240B29-F687-4F45-9708-019B960494DF}">
+              <a14:hiddenLine xmlns:a14="http://schemas.microsoft.com/office/drawing/2010/main" w="9525">
+                <a:solidFill>
+                  <a:srgbClr val="000000"/>
+                </a:solidFill>
+                <a:miter lim="800000"/>
+                <a:headEnd/>
+                <a:tailEnd/>
+              </a14:hiddenLine>
+            </a:ext>
+          </a:extLst>
+        </p:spPr>
+        <p:txBody>
+          <a:bodyPr>
+            <a:spAutoFit/>
+          </a:bodyPr>
+          <a:lstStyle>
+            <a:lvl1pPr>
+              <a:defRPr>
+                <a:solidFill>
+                  <a:schemeClr val="tx1"/>
+                </a:solidFill>
+                <a:latin typeface="Calibri" panose="020F0502020204030204" pitchFamily="34" charset="0"/>
+              </a:defRPr>
+            </a:lvl1pPr>
+            <a:lvl2pPr marL="742950" indent="-285750">
+              <a:defRPr>
+                <a:solidFill>
+                  <a:schemeClr val="tx1"/>
+                </a:solidFill>
+                <a:latin typeface="Calibri" panose="020F0502020204030204" pitchFamily="34" charset="0"/>
+              </a:defRPr>
+            </a:lvl2pPr>
+            <a:lvl3pPr marL="1143000" indent="-228600">
+              <a:defRPr>
+                <a:solidFill>
+                  <a:schemeClr val="tx1"/>
+                </a:solidFill>
+                <a:latin typeface="Calibri" panose="020F0502020204030204" pitchFamily="34" charset="0"/>
+              </a:defRPr>
+            </a:lvl3pPr>
+            <a:lvl4pPr marL="1600200" indent="-228600">
+              <a:defRPr>
+                <a:solidFill>
+                  <a:schemeClr val="tx1"/>
+                </a:solidFill>
+                <a:latin typeface="Calibri" panose="020F0502020204030204" pitchFamily="34" charset="0"/>
+              </a:defRPr>
+            </a:lvl4pPr>
+            <a:lvl5pPr marL="2057400" indent="-228600">
+              <a:defRPr>
+                <a:solidFill>
+                  <a:schemeClr val="tx1"/>
+                </a:solidFill>
+                <a:latin typeface="Calibri" panose="020F0502020204030204" pitchFamily="34" charset="0"/>
+              </a:defRPr>
+            </a:lvl5pPr>
+            <a:lvl6pPr marL="2514600" indent="-228600" eaLnBrk="0" fontAlgn="base" hangingPunct="0">
+              <a:spcBef>
+                <a:spcPct val="0"/>
+              </a:spcBef>
+              <a:spcAft>
+                <a:spcPct val="0"/>
+              </a:spcAft>
+              <a:defRPr>
+                <a:solidFill>
+                  <a:schemeClr val="tx1"/>
+                </a:solidFill>
+                <a:latin typeface="Calibri" panose="020F0502020204030204" pitchFamily="34" charset="0"/>
+              </a:defRPr>
+            </a:lvl6pPr>
+            <a:lvl7pPr marL="2971800" indent="-228600" eaLnBrk="0" fontAlgn="base" hangingPunct="0">
+              <a:spcBef>
+                <a:spcPct val="0"/>
+              </a:spcBef>
+              <a:spcAft>
+                <a:spcPct val="0"/>
+              </a:spcAft>
+              <a:defRPr>
+                <a:solidFill>
+                  <a:schemeClr val="tx1"/>
+                </a:solidFill>
+                <a:latin typeface="Calibri" panose="020F0502020204030204" pitchFamily="34" charset="0"/>
+              </a:defRPr>
+            </a:lvl7pPr>
+            <a:lvl8pPr marL="3429000" indent="-228600" eaLnBrk="0" fontAlgn="base" hangingPunct="0">
+              <a:spcBef>
+                <a:spcPct val="0"/>
+              </a:spcBef>
+              <a:spcAft>
+                <a:spcPct val="0"/>
+              </a:spcAft>
+              <a:defRPr>
+                <a:solidFill>
+                  <a:schemeClr val="tx1"/>
+                </a:solidFill>
+                <a:latin typeface="Calibri" panose="020F0502020204030204" pitchFamily="34" charset="0"/>
+              </a:defRPr>
+            </a:lvl8pPr>
+            <a:lvl9pPr marL="3886200" indent="-228600" eaLnBrk="0" fontAlgn="base" hangingPunct="0">
+              <a:spcBef>
+                <a:spcPct val="0"/>
+              </a:spcBef>
+              <a:spcAft>
+                <a:spcPct val="0"/>
+              </a:spcAft>
+              <a:defRPr>
+                <a:solidFill>
+                  <a:schemeClr val="tx1"/>
+                </a:solidFill>
+                <a:latin typeface="Calibri" panose="020F0502020204030204" pitchFamily="34" charset="0"/>
+              </a:defRPr>
+            </a:lvl9pPr>
+          </a:lstStyle>
+          <a:p>
+            <a:pPr algn="ctr" eaLnBrk="1" hangingPunct="1"/>
+            <a:r>
+              <a:rPr lang="en-US" altLang="en-US" sz="1100" dirty="0">
+                <a:latin typeface="Arial" panose="020B0604020202020204" pitchFamily="34" charset="0"/>
+                <a:ea typeface="Amazon Ember" panose="020B0603020204020204" pitchFamily="34" charset="0"/>
+                <a:cs typeface="Arial" panose="020B0604020202020204" pitchFamily="34" charset="0"/>
+              </a:rPr>
+              <a:t>Internet gateway</a:t>
+            </a:r>
+          </a:p>
+        </p:txBody>
+      </p:sp>
+      <p:pic>
+        <p:nvPicPr>
+          <p:cNvPr id="13" name="Graphic 10">
+            <a:extLst>
+              <a:ext uri="{FF2B5EF4-FFF2-40B4-BE49-F238E27FC236}">
+                <a16:creationId xmlns:a16="http://schemas.microsoft.com/office/drawing/2014/main" id="{D9279CFE-8B91-F949-AC4C-08F1BD77083A}"/>
+              </a:ext>
+            </a:extLst>
+          </p:cNvPr>
+          <p:cNvPicPr>
+            <a:picLocks noChangeAspect="1" noChangeArrowheads="1"/>
+          </p:cNvPicPr>
+          <p:nvPr/>
+        </p:nvPicPr>
+        <p:blipFill>
+          <a:blip r:embed="rId8">
+            <a:extLst>
+              <a:ext uri="{28A0092B-C50C-407E-A947-70E740481C1C}">
+                <a14:useLocalDpi xmlns:a14="http://schemas.microsoft.com/office/drawing/2010/main" val="0"/>
+              </a:ext>
+            </a:extLst>
+          </a:blip>
+          <a:srcRect/>
+          <a:stretch>
+            <a:fillRect/>
+          </a:stretch>
+        </p:blipFill>
+        <p:spPr bwMode="auto">
+          <a:xfrm>
+            <a:off x="6176645" y="1370381"/>
+            <a:ext cx="457200" cy="457200"/>
+          </a:xfrm>
+          <a:prstGeom prst="rect">
+            <a:avLst/>
+          </a:prstGeom>
+          <a:solidFill>
+            <a:schemeClr val="bg1"/>
+          </a:solidFill>
+          <a:ln>
+            <a:noFill/>
+          </a:ln>
+        </p:spPr>
+      </p:pic>
+      <p:sp>
+        <p:nvSpPr>
+          <p:cNvPr id="14" name="Rectangle 13">
+            <a:extLst>
+              <a:ext uri="{FF2B5EF4-FFF2-40B4-BE49-F238E27FC236}">
+                <a16:creationId xmlns:a16="http://schemas.microsoft.com/office/drawing/2014/main" id="{A7C8551C-7998-F94E-8FEC-8E32BAA21AA8}"/>
               </a:ext>
             </a:extLst>
           </p:cNvPr>
@@ -3546,8 +3974,8 @@
         </p:nvSpPr>
         <p:spPr>
           <a:xfrm>
-            <a:off x="827485" y="2102237"/>
-            <a:ext cx="2435877" cy="1549157"/>
+            <a:off x="3586519" y="3434083"/>
+            <a:ext cx="2011680" cy="1280160"/>
           </a:xfrm>
           <a:prstGeom prst="rect">
             <a:avLst/>
@@ -3599,9 +4027,96 @@
                 <a:latin typeface="Arial" panose="020B0604020202020204" pitchFamily="34" charset="0"/>
                 <a:cs typeface="Arial" panose="020B0604020202020204" pitchFamily="34" charset="0"/>
               </a:rPr>
-              <a:t>Private 10.100.2.0/24</a:t>
-            </a:r>
-          </a:p>
+              <a:t>Private subnet</a:t>
+            </a:r>
+          </a:p>
+        </p:txBody>
+      </p:sp>
+      <p:pic>
+        <p:nvPicPr>
+          <p:cNvPr id="15" name="Graphic 14">
+            <a:extLst>
+              <a:ext uri="{FF2B5EF4-FFF2-40B4-BE49-F238E27FC236}">
+                <a16:creationId xmlns:a16="http://schemas.microsoft.com/office/drawing/2014/main" id="{5B894BCC-3356-694D-B6D1-B02DFD096801}"/>
+              </a:ext>
+            </a:extLst>
+          </p:cNvPr>
+          <p:cNvPicPr>
+            <a:picLocks noChangeAspect="1"/>
+          </p:cNvPicPr>
+          <p:nvPr/>
+        </p:nvPicPr>
+        <p:blipFill>
+          <a:blip r:embed="rId9">
+            <a:extLst>
+              <a:ext uri="{96DAC541-7B7A-43D3-8B79-37D633B846F1}">
+                <asvg:svgBlip xmlns:asvg="http://schemas.microsoft.com/office/drawing/2016/SVG/main" r:embed="rId10"/>
+              </a:ext>
+            </a:extLst>
+          </a:blip>
+          <a:stretch>
+            <a:fillRect/>
+          </a:stretch>
+        </p:blipFill>
+        <p:spPr>
+          <a:xfrm>
+            <a:off x="3586541" y="3434080"/>
+            <a:ext cx="381000" cy="381000"/>
+          </a:xfrm>
+          <a:prstGeom prst="rect">
+            <a:avLst/>
+          </a:prstGeom>
+        </p:spPr>
+      </p:pic>
+      <p:sp>
+        <p:nvSpPr>
+          <p:cNvPr id="16" name="Rectangle 15">
+            <a:extLst>
+              <a:ext uri="{FF2B5EF4-FFF2-40B4-BE49-F238E27FC236}">
+                <a16:creationId xmlns:a16="http://schemas.microsoft.com/office/drawing/2014/main" id="{21BA8DC4-F2A7-E44B-B0FF-78662501B1D9}"/>
+              </a:ext>
+            </a:extLst>
+          </p:cNvPr>
+          <p:cNvSpPr/>
+          <p:nvPr/>
+        </p:nvSpPr>
+        <p:spPr>
+          <a:xfrm>
+            <a:off x="3586519" y="4805683"/>
+            <a:ext cx="2011680" cy="1280160"/>
+          </a:xfrm>
+          <a:prstGeom prst="rect">
+            <a:avLst/>
+          </a:prstGeom>
+          <a:solidFill>
+            <a:srgbClr val="007CBC">
+              <a:alpha val="9804"/>
+            </a:srgbClr>
+          </a:solidFill>
+          <a:ln w="12700">
+            <a:noFill/>
+            <a:prstDash val="dash"/>
+          </a:ln>
+        </p:spPr>
+        <p:style>
+          <a:lnRef idx="2">
+            <a:schemeClr val="accent1">
+              <a:shade val="50000"/>
+            </a:schemeClr>
+          </a:lnRef>
+          <a:fillRef idx="1">
+            <a:schemeClr val="accent1"/>
+          </a:fillRef>
+          <a:effectRef idx="0">
+            <a:schemeClr val="accent1"/>
+          </a:effectRef>
+          <a:fontRef idx="minor">
+            <a:schemeClr val="lt1"/>
+          </a:fontRef>
+        </p:style>
+        <p:txBody>
+          <a:bodyPr lIns="502920"/>
+          <a:lstStyle/>
           <a:p>
             <a:pPr eaLnBrk="1" fontAlgn="auto" hangingPunct="1">
               <a:spcBef>
@@ -3612,22 +4127,25 @@
               </a:spcAft>
               <a:defRPr/>
             </a:pPr>
-            <a:endParaRPr lang="en-US" sz="1200" dirty="0">
-              <a:solidFill>
-                <a:srgbClr val="5B9CD5"/>
-              </a:solidFill>
-              <a:latin typeface="Arial" panose="020B0604020202020204" pitchFamily="34" charset="0"/>
-              <a:cs typeface="Arial" panose="020B0604020202020204" pitchFamily="34" charset="0"/>
-            </a:endParaRPr>
+            <a:r>
+              <a:rPr lang="en-US" sz="1200" dirty="0">
+                <a:solidFill>
+                  <a:srgbClr val="5B9CD5"/>
+                </a:solidFill>
+                <a:latin typeface="Arial" panose="020B0604020202020204" pitchFamily="34" charset="0"/>
+                <a:cs typeface="Arial" panose="020B0604020202020204" pitchFamily="34" charset="0"/>
+              </a:rPr>
+              <a:t>Management subnet</a:t>
+            </a:r>
           </a:p>
         </p:txBody>
       </p:sp>
       <p:pic>
         <p:nvPicPr>
-          <p:cNvPr id="15" name="Graphic 14">
-            <a:extLst>
-              <a:ext uri="{FF2B5EF4-FFF2-40B4-BE49-F238E27FC236}">
-                <a16:creationId xmlns:a16="http://schemas.microsoft.com/office/drawing/2014/main" id="{AF53C535-A1F9-104E-9C04-291B3E539CFA}"/>
+          <p:cNvPr id="17" name="Graphic 16">
+            <a:extLst>
+              <a:ext uri="{FF2B5EF4-FFF2-40B4-BE49-F238E27FC236}">
+                <a16:creationId xmlns:a16="http://schemas.microsoft.com/office/drawing/2014/main" id="{6A14394C-AE9D-4E43-9CEB-47D690BA7CB2}"/>
               </a:ext>
             </a:extLst>
           </p:cNvPr>
@@ -3637,10 +4155,10 @@
           <p:nvPr/>
         </p:nvPicPr>
         <p:blipFill>
-          <a:blip r:embed="rId2">
+          <a:blip r:embed="rId9">
             <a:extLst>
               <a:ext uri="{96DAC541-7B7A-43D3-8B79-37D633B846F1}">
-                <asvg:svgBlip xmlns:asvg="http://schemas.microsoft.com/office/drawing/2016/SVG/main" r:embed="rId3"/>
+                <asvg:svgBlip xmlns:asvg="http://schemas.microsoft.com/office/drawing/2016/SVG/main" r:embed="rId10"/>
               </a:ext>
             </a:extLst>
           </a:blip>
@@ -3650,7 +4168,7 @@
         </p:blipFill>
         <p:spPr>
           <a:xfrm>
-            <a:off x="841399" y="2102237"/>
+            <a:off x="3586505" y="4805697"/>
             <a:ext cx="381000" cy="381000"/>
           </a:xfrm>
           <a:prstGeom prst="rect">
@@ -3660,20 +4178,1065 @@
       </p:pic>
       <p:sp>
         <p:nvSpPr>
-          <p:cNvPr id="20" name="Rectangle 19">
-            <a:extLst>
-              <a:ext uri="{FF2B5EF4-FFF2-40B4-BE49-F238E27FC236}">
-                <a16:creationId xmlns:a16="http://schemas.microsoft.com/office/drawing/2014/main" id="{5F3C84A7-3290-DB47-8D3B-6352D23D0B64}"/>
+          <p:cNvPr id="18" name="TextBox 18">
+            <a:extLst>
+              <a:ext uri="{FF2B5EF4-FFF2-40B4-BE49-F238E27FC236}">
+                <a16:creationId xmlns:a16="http://schemas.microsoft.com/office/drawing/2014/main" id="{2089CD36-6359-A940-AD15-BE9FE467CD3B}"/>
+              </a:ext>
+            </a:extLst>
+          </p:cNvPr>
+          <p:cNvSpPr txBox="1">
+            <a:spLocks noChangeArrowheads="1"/>
+          </p:cNvSpPr>
+          <p:nvPr/>
+        </p:nvSpPr>
+        <p:spPr bwMode="auto">
+          <a:xfrm>
+            <a:off x="3966655" y="2820347"/>
+            <a:ext cx="1342852" cy="430887"/>
+          </a:xfrm>
+          <a:prstGeom prst="rect">
+            <a:avLst/>
+          </a:prstGeom>
+          <a:noFill/>
+          <a:ln>
+            <a:noFill/>
+          </a:ln>
+          <a:extLst>
+            <a:ext uri="{909E8E84-426E-40DD-AFC4-6F175D3DCCD1}">
+              <a14:hiddenFill xmlns:a14="http://schemas.microsoft.com/office/drawing/2010/main">
+                <a:solidFill>
+                  <a:srgbClr val="FFFFFF"/>
+                </a:solidFill>
+              </a14:hiddenFill>
+            </a:ext>
+            <a:ext uri="{91240B29-F687-4F45-9708-019B960494DF}">
+              <a14:hiddenLine xmlns:a14="http://schemas.microsoft.com/office/drawing/2010/main" w="9525">
+                <a:solidFill>
+                  <a:srgbClr val="000000"/>
+                </a:solidFill>
+                <a:miter lim="800000"/>
+                <a:headEnd/>
+                <a:tailEnd/>
+              </a14:hiddenLine>
+            </a:ext>
+          </a:extLst>
+        </p:spPr>
+        <p:txBody>
+          <a:bodyPr wrap="square">
+            <a:spAutoFit/>
+          </a:bodyPr>
+          <a:lstStyle>
+            <a:lvl1pPr>
+              <a:defRPr>
+                <a:solidFill>
+                  <a:schemeClr val="tx1"/>
+                </a:solidFill>
+                <a:latin typeface="Calibri" panose="020F0502020204030204" pitchFamily="34" charset="0"/>
+              </a:defRPr>
+            </a:lvl1pPr>
+            <a:lvl2pPr marL="742950" indent="-285750">
+              <a:defRPr>
+                <a:solidFill>
+                  <a:schemeClr val="tx1"/>
+                </a:solidFill>
+                <a:latin typeface="Calibri" panose="020F0502020204030204" pitchFamily="34" charset="0"/>
+              </a:defRPr>
+            </a:lvl2pPr>
+            <a:lvl3pPr marL="1143000" indent="-228600">
+              <a:defRPr>
+                <a:solidFill>
+                  <a:schemeClr val="tx1"/>
+                </a:solidFill>
+                <a:latin typeface="Calibri" panose="020F0502020204030204" pitchFamily="34" charset="0"/>
+              </a:defRPr>
+            </a:lvl3pPr>
+            <a:lvl4pPr marL="1600200" indent="-228600">
+              <a:defRPr>
+                <a:solidFill>
+                  <a:schemeClr val="tx1"/>
+                </a:solidFill>
+                <a:latin typeface="Calibri" panose="020F0502020204030204" pitchFamily="34" charset="0"/>
+              </a:defRPr>
+            </a:lvl4pPr>
+            <a:lvl5pPr marL="2057400" indent="-228600">
+              <a:defRPr>
+                <a:solidFill>
+                  <a:schemeClr val="tx1"/>
+                </a:solidFill>
+                <a:latin typeface="Calibri" panose="020F0502020204030204" pitchFamily="34" charset="0"/>
+              </a:defRPr>
+            </a:lvl5pPr>
+            <a:lvl6pPr marL="2514600" indent="-228600" eaLnBrk="0" fontAlgn="base" hangingPunct="0">
+              <a:spcBef>
+                <a:spcPct val="0"/>
+              </a:spcBef>
+              <a:spcAft>
+                <a:spcPct val="0"/>
+              </a:spcAft>
+              <a:defRPr>
+                <a:solidFill>
+                  <a:schemeClr val="tx1"/>
+                </a:solidFill>
+                <a:latin typeface="Calibri" panose="020F0502020204030204" pitchFamily="34" charset="0"/>
+              </a:defRPr>
+            </a:lvl6pPr>
+            <a:lvl7pPr marL="2971800" indent="-228600" eaLnBrk="0" fontAlgn="base" hangingPunct="0">
+              <a:spcBef>
+                <a:spcPct val="0"/>
+              </a:spcBef>
+              <a:spcAft>
+                <a:spcPct val="0"/>
+              </a:spcAft>
+              <a:defRPr>
+                <a:solidFill>
+                  <a:schemeClr val="tx1"/>
+                </a:solidFill>
+                <a:latin typeface="Calibri" panose="020F0502020204030204" pitchFamily="34" charset="0"/>
+              </a:defRPr>
+            </a:lvl7pPr>
+            <a:lvl8pPr marL="3429000" indent="-228600" eaLnBrk="0" fontAlgn="base" hangingPunct="0">
+              <a:spcBef>
+                <a:spcPct val="0"/>
+              </a:spcBef>
+              <a:spcAft>
+                <a:spcPct val="0"/>
+              </a:spcAft>
+              <a:defRPr>
+                <a:solidFill>
+                  <a:schemeClr val="tx1"/>
+                </a:solidFill>
+                <a:latin typeface="Calibri" panose="020F0502020204030204" pitchFamily="34" charset="0"/>
+              </a:defRPr>
+            </a:lvl8pPr>
+            <a:lvl9pPr marL="3886200" indent="-228600" eaLnBrk="0" fontAlgn="base" hangingPunct="0">
+              <a:spcBef>
+                <a:spcPct val="0"/>
+              </a:spcBef>
+              <a:spcAft>
+                <a:spcPct val="0"/>
+              </a:spcAft>
+              <a:defRPr>
+                <a:solidFill>
+                  <a:schemeClr val="tx1"/>
+                </a:solidFill>
+                <a:latin typeface="Calibri" panose="020F0502020204030204" pitchFamily="34" charset="0"/>
+              </a:defRPr>
+            </a:lvl9pPr>
+          </a:lstStyle>
+          <a:p>
+            <a:pPr algn="ctr" eaLnBrk="1" hangingPunct="1"/>
+            <a:r>
+              <a:rPr lang="en-US" altLang="en-US" sz="1100" dirty="0">
+                <a:latin typeface="Arial" panose="020B0604020202020204" pitchFamily="34" charset="0"/>
+                <a:ea typeface="Amazon Ember" panose="020B0603020204020204" pitchFamily="34" charset="0"/>
+                <a:cs typeface="Arial" panose="020B0604020202020204" pitchFamily="34" charset="0"/>
+              </a:rPr>
+              <a:t>Elastic network interface</a:t>
+            </a:r>
+          </a:p>
+        </p:txBody>
+      </p:sp>
+      <p:pic>
+        <p:nvPicPr>
+          <p:cNvPr id="19" name="Graphic 37">
+            <a:extLst>
+              <a:ext uri="{FF2B5EF4-FFF2-40B4-BE49-F238E27FC236}">
+                <a16:creationId xmlns:a16="http://schemas.microsoft.com/office/drawing/2014/main" id="{1D253B41-B141-BE42-BD04-C7958F125C36}"/>
+              </a:ext>
+            </a:extLst>
+          </p:cNvPr>
+          <p:cNvPicPr>
+            <a:picLocks noChangeAspect="1" noChangeArrowheads="1"/>
+          </p:cNvPicPr>
+          <p:nvPr/>
+        </p:nvPicPr>
+        <p:blipFill>
+          <a:blip r:embed="rId11">
+            <a:extLst>
+              <a:ext uri="{28A0092B-C50C-407E-A947-70E740481C1C}">
+                <a14:useLocalDpi xmlns:a14="http://schemas.microsoft.com/office/drawing/2010/main" val="0"/>
+              </a:ext>
+            </a:extLst>
+          </a:blip>
+          <a:srcRect/>
+          <a:stretch>
+            <a:fillRect/>
+          </a:stretch>
+        </p:blipFill>
+        <p:spPr bwMode="auto">
+          <a:xfrm>
+            <a:off x="4409481" y="2361560"/>
+            <a:ext cx="457200" cy="457200"/>
+          </a:xfrm>
+          <a:prstGeom prst="rect">
+            <a:avLst/>
+          </a:prstGeom>
+          <a:noFill/>
+          <a:ln>
+            <a:noFill/>
+          </a:ln>
+          <a:extLst>
+            <a:ext uri="{909E8E84-426E-40DD-AFC4-6F175D3DCCD1}">
+              <a14:hiddenFill xmlns:a14="http://schemas.microsoft.com/office/drawing/2010/main">
+                <a:solidFill>
+                  <a:srgbClr val="FFFFFF"/>
+                </a:solidFill>
+              </a14:hiddenFill>
+            </a:ext>
+            <a:ext uri="{91240B29-F687-4F45-9708-019B960494DF}">
+              <a14:hiddenLine xmlns:a14="http://schemas.microsoft.com/office/drawing/2010/main" w="9525">
+                <a:solidFill>
+                  <a:srgbClr val="000000"/>
+                </a:solidFill>
+                <a:miter lim="800000"/>
+                <a:headEnd/>
+                <a:tailEnd/>
+              </a14:hiddenLine>
+            </a:ext>
+          </a:extLst>
+        </p:spPr>
+      </p:pic>
+      <p:sp>
+        <p:nvSpPr>
+          <p:cNvPr id="20" name="TextBox 18">
+            <a:extLst>
+              <a:ext uri="{FF2B5EF4-FFF2-40B4-BE49-F238E27FC236}">
+                <a16:creationId xmlns:a16="http://schemas.microsoft.com/office/drawing/2014/main" id="{5522AE0B-1D15-B14D-B8D7-34F1109E5D27}"/>
+              </a:ext>
+            </a:extLst>
+          </p:cNvPr>
+          <p:cNvSpPr txBox="1">
+            <a:spLocks noChangeArrowheads="1"/>
+          </p:cNvSpPr>
+          <p:nvPr/>
+        </p:nvSpPr>
+        <p:spPr bwMode="auto">
+          <a:xfrm>
+            <a:off x="3966655" y="4230658"/>
+            <a:ext cx="1342852" cy="430887"/>
+          </a:xfrm>
+          <a:prstGeom prst="rect">
+            <a:avLst/>
+          </a:prstGeom>
+          <a:noFill/>
+          <a:ln>
+            <a:noFill/>
+          </a:ln>
+          <a:extLst>
+            <a:ext uri="{909E8E84-426E-40DD-AFC4-6F175D3DCCD1}">
+              <a14:hiddenFill xmlns:a14="http://schemas.microsoft.com/office/drawing/2010/main">
+                <a:solidFill>
+                  <a:srgbClr val="FFFFFF"/>
+                </a:solidFill>
+              </a14:hiddenFill>
+            </a:ext>
+            <a:ext uri="{91240B29-F687-4F45-9708-019B960494DF}">
+              <a14:hiddenLine xmlns:a14="http://schemas.microsoft.com/office/drawing/2010/main" w="9525">
+                <a:solidFill>
+                  <a:srgbClr val="000000"/>
+                </a:solidFill>
+                <a:miter lim="800000"/>
+                <a:headEnd/>
+                <a:tailEnd/>
+              </a14:hiddenLine>
+            </a:ext>
+          </a:extLst>
+        </p:spPr>
+        <p:txBody>
+          <a:bodyPr wrap="square">
+            <a:spAutoFit/>
+          </a:bodyPr>
+          <a:lstStyle>
+            <a:lvl1pPr>
+              <a:defRPr>
+                <a:solidFill>
+                  <a:schemeClr val="tx1"/>
+                </a:solidFill>
+                <a:latin typeface="Calibri" panose="020F0502020204030204" pitchFamily="34" charset="0"/>
+              </a:defRPr>
+            </a:lvl1pPr>
+            <a:lvl2pPr marL="742950" indent="-285750">
+              <a:defRPr>
+                <a:solidFill>
+                  <a:schemeClr val="tx1"/>
+                </a:solidFill>
+                <a:latin typeface="Calibri" panose="020F0502020204030204" pitchFamily="34" charset="0"/>
+              </a:defRPr>
+            </a:lvl2pPr>
+            <a:lvl3pPr marL="1143000" indent="-228600">
+              <a:defRPr>
+                <a:solidFill>
+                  <a:schemeClr val="tx1"/>
+                </a:solidFill>
+                <a:latin typeface="Calibri" panose="020F0502020204030204" pitchFamily="34" charset="0"/>
+              </a:defRPr>
+            </a:lvl3pPr>
+            <a:lvl4pPr marL="1600200" indent="-228600">
+              <a:defRPr>
+                <a:solidFill>
+                  <a:schemeClr val="tx1"/>
+                </a:solidFill>
+                <a:latin typeface="Calibri" panose="020F0502020204030204" pitchFamily="34" charset="0"/>
+              </a:defRPr>
+            </a:lvl4pPr>
+            <a:lvl5pPr marL="2057400" indent="-228600">
+              <a:defRPr>
+                <a:solidFill>
+                  <a:schemeClr val="tx1"/>
+                </a:solidFill>
+                <a:latin typeface="Calibri" panose="020F0502020204030204" pitchFamily="34" charset="0"/>
+              </a:defRPr>
+            </a:lvl5pPr>
+            <a:lvl6pPr marL="2514600" indent="-228600" eaLnBrk="0" fontAlgn="base" hangingPunct="0">
+              <a:spcBef>
+                <a:spcPct val="0"/>
+              </a:spcBef>
+              <a:spcAft>
+                <a:spcPct val="0"/>
+              </a:spcAft>
+              <a:defRPr>
+                <a:solidFill>
+                  <a:schemeClr val="tx1"/>
+                </a:solidFill>
+                <a:latin typeface="Calibri" panose="020F0502020204030204" pitchFamily="34" charset="0"/>
+              </a:defRPr>
+            </a:lvl6pPr>
+            <a:lvl7pPr marL="2971800" indent="-228600" eaLnBrk="0" fontAlgn="base" hangingPunct="0">
+              <a:spcBef>
+                <a:spcPct val="0"/>
+              </a:spcBef>
+              <a:spcAft>
+                <a:spcPct val="0"/>
+              </a:spcAft>
+              <a:defRPr>
+                <a:solidFill>
+                  <a:schemeClr val="tx1"/>
+                </a:solidFill>
+                <a:latin typeface="Calibri" panose="020F0502020204030204" pitchFamily="34" charset="0"/>
+              </a:defRPr>
+            </a:lvl7pPr>
+            <a:lvl8pPr marL="3429000" indent="-228600" eaLnBrk="0" fontAlgn="base" hangingPunct="0">
+              <a:spcBef>
+                <a:spcPct val="0"/>
+              </a:spcBef>
+              <a:spcAft>
+                <a:spcPct val="0"/>
+              </a:spcAft>
+              <a:defRPr>
+                <a:solidFill>
+                  <a:schemeClr val="tx1"/>
+                </a:solidFill>
+                <a:latin typeface="Calibri" panose="020F0502020204030204" pitchFamily="34" charset="0"/>
+              </a:defRPr>
+            </a:lvl8pPr>
+            <a:lvl9pPr marL="3886200" indent="-228600" eaLnBrk="0" fontAlgn="base" hangingPunct="0">
+              <a:spcBef>
+                <a:spcPct val="0"/>
+              </a:spcBef>
+              <a:spcAft>
+                <a:spcPct val="0"/>
+              </a:spcAft>
+              <a:defRPr>
+                <a:solidFill>
+                  <a:schemeClr val="tx1"/>
+                </a:solidFill>
+                <a:latin typeface="Calibri" panose="020F0502020204030204" pitchFamily="34" charset="0"/>
+              </a:defRPr>
+            </a:lvl9pPr>
+          </a:lstStyle>
+          <a:p>
+            <a:pPr algn="ctr" eaLnBrk="1" hangingPunct="1"/>
+            <a:r>
+              <a:rPr lang="en-US" altLang="en-US" sz="1100" dirty="0">
+                <a:latin typeface="Arial" panose="020B0604020202020204" pitchFamily="34" charset="0"/>
+                <a:ea typeface="Amazon Ember" panose="020B0603020204020204" pitchFamily="34" charset="0"/>
+                <a:cs typeface="Arial" panose="020B0604020202020204" pitchFamily="34" charset="0"/>
+              </a:rPr>
+              <a:t>Elastic network interface</a:t>
+            </a:r>
+          </a:p>
+        </p:txBody>
+      </p:sp>
+      <p:pic>
+        <p:nvPicPr>
+          <p:cNvPr id="21" name="Graphic 37">
+            <a:extLst>
+              <a:ext uri="{FF2B5EF4-FFF2-40B4-BE49-F238E27FC236}">
+                <a16:creationId xmlns:a16="http://schemas.microsoft.com/office/drawing/2014/main" id="{B34BA937-A45C-FB47-9394-2BFADB2D62B9}"/>
+              </a:ext>
+            </a:extLst>
+          </p:cNvPr>
+          <p:cNvPicPr>
+            <a:picLocks noChangeAspect="1" noChangeArrowheads="1"/>
+          </p:cNvPicPr>
+          <p:nvPr/>
+        </p:nvPicPr>
+        <p:blipFill>
+          <a:blip r:embed="rId11">
+            <a:extLst>
+              <a:ext uri="{28A0092B-C50C-407E-A947-70E740481C1C}">
+                <a14:useLocalDpi xmlns:a14="http://schemas.microsoft.com/office/drawing/2010/main" val="0"/>
+              </a:ext>
+            </a:extLst>
+          </a:blip>
+          <a:srcRect/>
+          <a:stretch>
+            <a:fillRect/>
+          </a:stretch>
+        </p:blipFill>
+        <p:spPr bwMode="auto">
+          <a:xfrm>
+            <a:off x="4409481" y="3776951"/>
+            <a:ext cx="457200" cy="457200"/>
+          </a:xfrm>
+          <a:prstGeom prst="rect">
+            <a:avLst/>
+          </a:prstGeom>
+          <a:noFill/>
+          <a:ln>
+            <a:noFill/>
+          </a:ln>
+          <a:extLst>
+            <a:ext uri="{909E8E84-426E-40DD-AFC4-6F175D3DCCD1}">
+              <a14:hiddenFill xmlns:a14="http://schemas.microsoft.com/office/drawing/2010/main">
+                <a:solidFill>
+                  <a:srgbClr val="FFFFFF"/>
+                </a:solidFill>
+              </a14:hiddenFill>
+            </a:ext>
+            <a:ext uri="{91240B29-F687-4F45-9708-019B960494DF}">
+              <a14:hiddenLine xmlns:a14="http://schemas.microsoft.com/office/drawing/2010/main" w="9525">
+                <a:solidFill>
+                  <a:srgbClr val="000000"/>
+                </a:solidFill>
+                <a:miter lim="800000"/>
+                <a:headEnd/>
+                <a:tailEnd/>
+              </a14:hiddenLine>
+            </a:ext>
+          </a:extLst>
+        </p:spPr>
+      </p:pic>
+      <p:sp>
+        <p:nvSpPr>
+          <p:cNvPr id="22" name="TextBox 18">
+            <a:extLst>
+              <a:ext uri="{FF2B5EF4-FFF2-40B4-BE49-F238E27FC236}">
+                <a16:creationId xmlns:a16="http://schemas.microsoft.com/office/drawing/2014/main" id="{B9828514-D8AC-814C-BB69-F32C921EB9D4}"/>
+              </a:ext>
+            </a:extLst>
+          </p:cNvPr>
+          <p:cNvSpPr txBox="1">
+            <a:spLocks noChangeArrowheads="1"/>
+          </p:cNvSpPr>
+          <p:nvPr/>
+        </p:nvSpPr>
+        <p:spPr bwMode="auto">
+          <a:xfrm>
+            <a:off x="3966655" y="5580146"/>
+            <a:ext cx="1342852" cy="430887"/>
+          </a:xfrm>
+          <a:prstGeom prst="rect">
+            <a:avLst/>
+          </a:prstGeom>
+          <a:noFill/>
+          <a:ln>
+            <a:noFill/>
+          </a:ln>
+          <a:extLst>
+            <a:ext uri="{909E8E84-426E-40DD-AFC4-6F175D3DCCD1}">
+              <a14:hiddenFill xmlns:a14="http://schemas.microsoft.com/office/drawing/2010/main">
+                <a:solidFill>
+                  <a:srgbClr val="FFFFFF"/>
+                </a:solidFill>
+              </a14:hiddenFill>
+            </a:ext>
+            <a:ext uri="{91240B29-F687-4F45-9708-019B960494DF}">
+              <a14:hiddenLine xmlns:a14="http://schemas.microsoft.com/office/drawing/2010/main" w="9525">
+                <a:solidFill>
+                  <a:srgbClr val="000000"/>
+                </a:solidFill>
+                <a:miter lim="800000"/>
+                <a:headEnd/>
+                <a:tailEnd/>
+              </a14:hiddenLine>
+            </a:ext>
+          </a:extLst>
+        </p:spPr>
+        <p:txBody>
+          <a:bodyPr wrap="square">
+            <a:spAutoFit/>
+          </a:bodyPr>
+          <a:lstStyle>
+            <a:lvl1pPr>
+              <a:defRPr>
+                <a:solidFill>
+                  <a:schemeClr val="tx1"/>
+                </a:solidFill>
+                <a:latin typeface="Calibri" panose="020F0502020204030204" pitchFamily="34" charset="0"/>
+              </a:defRPr>
+            </a:lvl1pPr>
+            <a:lvl2pPr marL="742950" indent="-285750">
+              <a:defRPr>
+                <a:solidFill>
+                  <a:schemeClr val="tx1"/>
+                </a:solidFill>
+                <a:latin typeface="Calibri" panose="020F0502020204030204" pitchFamily="34" charset="0"/>
+              </a:defRPr>
+            </a:lvl2pPr>
+            <a:lvl3pPr marL="1143000" indent="-228600">
+              <a:defRPr>
+                <a:solidFill>
+                  <a:schemeClr val="tx1"/>
+                </a:solidFill>
+                <a:latin typeface="Calibri" panose="020F0502020204030204" pitchFamily="34" charset="0"/>
+              </a:defRPr>
+            </a:lvl3pPr>
+            <a:lvl4pPr marL="1600200" indent="-228600">
+              <a:defRPr>
+                <a:solidFill>
+                  <a:schemeClr val="tx1"/>
+                </a:solidFill>
+                <a:latin typeface="Calibri" panose="020F0502020204030204" pitchFamily="34" charset="0"/>
+              </a:defRPr>
+            </a:lvl4pPr>
+            <a:lvl5pPr marL="2057400" indent="-228600">
+              <a:defRPr>
+                <a:solidFill>
+                  <a:schemeClr val="tx1"/>
+                </a:solidFill>
+                <a:latin typeface="Calibri" panose="020F0502020204030204" pitchFamily="34" charset="0"/>
+              </a:defRPr>
+            </a:lvl5pPr>
+            <a:lvl6pPr marL="2514600" indent="-228600" eaLnBrk="0" fontAlgn="base" hangingPunct="0">
+              <a:spcBef>
+                <a:spcPct val="0"/>
+              </a:spcBef>
+              <a:spcAft>
+                <a:spcPct val="0"/>
+              </a:spcAft>
+              <a:defRPr>
+                <a:solidFill>
+                  <a:schemeClr val="tx1"/>
+                </a:solidFill>
+                <a:latin typeface="Calibri" panose="020F0502020204030204" pitchFamily="34" charset="0"/>
+              </a:defRPr>
+            </a:lvl6pPr>
+            <a:lvl7pPr marL="2971800" indent="-228600" eaLnBrk="0" fontAlgn="base" hangingPunct="0">
+              <a:spcBef>
+                <a:spcPct val="0"/>
+              </a:spcBef>
+              <a:spcAft>
+                <a:spcPct val="0"/>
+              </a:spcAft>
+              <a:defRPr>
+                <a:solidFill>
+                  <a:schemeClr val="tx1"/>
+                </a:solidFill>
+                <a:latin typeface="Calibri" panose="020F0502020204030204" pitchFamily="34" charset="0"/>
+              </a:defRPr>
+            </a:lvl7pPr>
+            <a:lvl8pPr marL="3429000" indent="-228600" eaLnBrk="0" fontAlgn="base" hangingPunct="0">
+              <a:spcBef>
+                <a:spcPct val="0"/>
+              </a:spcBef>
+              <a:spcAft>
+                <a:spcPct val="0"/>
+              </a:spcAft>
+              <a:defRPr>
+                <a:solidFill>
+                  <a:schemeClr val="tx1"/>
+                </a:solidFill>
+                <a:latin typeface="Calibri" panose="020F0502020204030204" pitchFamily="34" charset="0"/>
+              </a:defRPr>
+            </a:lvl8pPr>
+            <a:lvl9pPr marL="3886200" indent="-228600" eaLnBrk="0" fontAlgn="base" hangingPunct="0">
+              <a:spcBef>
+                <a:spcPct val="0"/>
+              </a:spcBef>
+              <a:spcAft>
+                <a:spcPct val="0"/>
+              </a:spcAft>
+              <a:defRPr>
+                <a:solidFill>
+                  <a:schemeClr val="tx1"/>
+                </a:solidFill>
+                <a:latin typeface="Calibri" panose="020F0502020204030204" pitchFamily="34" charset="0"/>
+              </a:defRPr>
+            </a:lvl9pPr>
+          </a:lstStyle>
+          <a:p>
+            <a:pPr algn="ctr" eaLnBrk="1" hangingPunct="1"/>
+            <a:r>
+              <a:rPr lang="en-US" altLang="en-US" sz="1100" dirty="0">
+                <a:latin typeface="Arial" panose="020B0604020202020204" pitchFamily="34" charset="0"/>
+                <a:ea typeface="Amazon Ember" panose="020B0603020204020204" pitchFamily="34" charset="0"/>
+                <a:cs typeface="Arial" panose="020B0604020202020204" pitchFamily="34" charset="0"/>
+              </a:rPr>
+              <a:t>Elastic network interface</a:t>
+            </a:r>
+          </a:p>
+        </p:txBody>
+      </p:sp>
+      <p:pic>
+        <p:nvPicPr>
+          <p:cNvPr id="23" name="Graphic 37">
+            <a:extLst>
+              <a:ext uri="{FF2B5EF4-FFF2-40B4-BE49-F238E27FC236}">
+                <a16:creationId xmlns:a16="http://schemas.microsoft.com/office/drawing/2014/main" id="{7D159901-C894-F044-B985-4152E561EEB7}"/>
+              </a:ext>
+            </a:extLst>
+          </p:cNvPr>
+          <p:cNvPicPr>
+            <a:picLocks noChangeAspect="1" noChangeArrowheads="1"/>
+          </p:cNvPicPr>
+          <p:nvPr/>
+        </p:nvPicPr>
+        <p:blipFill>
+          <a:blip r:embed="rId11">
+            <a:extLst>
+              <a:ext uri="{28A0092B-C50C-407E-A947-70E740481C1C}">
+                <a14:useLocalDpi xmlns:a14="http://schemas.microsoft.com/office/drawing/2010/main" val="0"/>
+              </a:ext>
+            </a:extLst>
+          </a:blip>
+          <a:srcRect/>
+          <a:stretch>
+            <a:fillRect/>
+          </a:stretch>
+        </p:blipFill>
+        <p:spPr bwMode="auto">
+          <a:xfrm>
+            <a:off x="4409481" y="5171439"/>
+            <a:ext cx="457200" cy="457200"/>
+          </a:xfrm>
+          <a:prstGeom prst="rect">
+            <a:avLst/>
+          </a:prstGeom>
+          <a:noFill/>
+          <a:ln>
+            <a:noFill/>
+          </a:ln>
+          <a:extLst>
+            <a:ext uri="{909E8E84-426E-40DD-AFC4-6F175D3DCCD1}">
+              <a14:hiddenFill xmlns:a14="http://schemas.microsoft.com/office/drawing/2010/main">
+                <a:solidFill>
+                  <a:srgbClr val="FFFFFF"/>
+                </a:solidFill>
+              </a14:hiddenFill>
+            </a:ext>
+            <a:ext uri="{91240B29-F687-4F45-9708-019B960494DF}">
+              <a14:hiddenLine xmlns:a14="http://schemas.microsoft.com/office/drawing/2010/main" w="9525">
+                <a:solidFill>
+                  <a:srgbClr val="000000"/>
+                </a:solidFill>
+                <a:miter lim="800000"/>
+                <a:headEnd/>
+                <a:tailEnd/>
+              </a14:hiddenLine>
+            </a:ext>
+          </a:extLst>
+        </p:spPr>
+      </p:pic>
+      <p:sp>
+        <p:nvSpPr>
+          <p:cNvPr id="24" name="TextBox 18">
+            <a:extLst>
+              <a:ext uri="{FF2B5EF4-FFF2-40B4-BE49-F238E27FC236}">
+                <a16:creationId xmlns:a16="http://schemas.microsoft.com/office/drawing/2014/main" id="{213D1290-840E-4C49-B1E7-ED87A9BE9C66}"/>
+              </a:ext>
+            </a:extLst>
+          </p:cNvPr>
+          <p:cNvSpPr txBox="1">
+            <a:spLocks noChangeArrowheads="1"/>
+          </p:cNvSpPr>
+          <p:nvPr/>
+        </p:nvSpPr>
+        <p:spPr bwMode="auto">
+          <a:xfrm>
+            <a:off x="2214880" y="4230658"/>
+            <a:ext cx="914400" cy="274320"/>
+          </a:xfrm>
+          <a:prstGeom prst="rect">
+            <a:avLst/>
+          </a:prstGeom>
+          <a:noFill/>
+          <a:ln>
+            <a:noFill/>
+          </a:ln>
+          <a:extLst>
+            <a:ext uri="{909E8E84-426E-40DD-AFC4-6F175D3DCCD1}">
+              <a14:hiddenFill xmlns:a14="http://schemas.microsoft.com/office/drawing/2010/main">
+                <a:solidFill>
+                  <a:srgbClr val="FFFFFF"/>
+                </a:solidFill>
+              </a14:hiddenFill>
+            </a:ext>
+            <a:ext uri="{91240B29-F687-4F45-9708-019B960494DF}">
+              <a14:hiddenLine xmlns:a14="http://schemas.microsoft.com/office/drawing/2010/main" w="9525">
+                <a:solidFill>
+                  <a:srgbClr val="000000"/>
+                </a:solidFill>
+                <a:miter lim="800000"/>
+                <a:headEnd/>
+                <a:tailEnd/>
+              </a14:hiddenLine>
+            </a:ext>
+          </a:extLst>
+        </p:spPr>
+        <p:txBody>
+          <a:bodyPr>
+            <a:spAutoFit/>
+          </a:bodyPr>
+          <a:lstStyle>
+            <a:lvl1pPr>
+              <a:defRPr>
+                <a:solidFill>
+                  <a:schemeClr val="tx1"/>
+                </a:solidFill>
+                <a:latin typeface="Calibri" panose="020F0502020204030204" pitchFamily="34" charset="0"/>
+              </a:defRPr>
+            </a:lvl1pPr>
+            <a:lvl2pPr marL="742950" indent="-285750">
+              <a:defRPr>
+                <a:solidFill>
+                  <a:schemeClr val="tx1"/>
+                </a:solidFill>
+                <a:latin typeface="Calibri" panose="020F0502020204030204" pitchFamily="34" charset="0"/>
+              </a:defRPr>
+            </a:lvl2pPr>
+            <a:lvl3pPr marL="1143000" indent="-228600">
+              <a:defRPr>
+                <a:solidFill>
+                  <a:schemeClr val="tx1"/>
+                </a:solidFill>
+                <a:latin typeface="Calibri" panose="020F0502020204030204" pitchFamily="34" charset="0"/>
+              </a:defRPr>
+            </a:lvl3pPr>
+            <a:lvl4pPr marL="1600200" indent="-228600">
+              <a:defRPr>
+                <a:solidFill>
+                  <a:schemeClr val="tx1"/>
+                </a:solidFill>
+                <a:latin typeface="Calibri" panose="020F0502020204030204" pitchFamily="34" charset="0"/>
+              </a:defRPr>
+            </a:lvl4pPr>
+            <a:lvl5pPr marL="2057400" indent="-228600">
+              <a:defRPr>
+                <a:solidFill>
+                  <a:schemeClr val="tx1"/>
+                </a:solidFill>
+                <a:latin typeface="Calibri" panose="020F0502020204030204" pitchFamily="34" charset="0"/>
+              </a:defRPr>
+            </a:lvl5pPr>
+            <a:lvl6pPr marL="2514600" indent="-228600" eaLnBrk="0" fontAlgn="base" hangingPunct="0">
+              <a:spcBef>
+                <a:spcPct val="0"/>
+              </a:spcBef>
+              <a:spcAft>
+                <a:spcPct val="0"/>
+              </a:spcAft>
+              <a:defRPr>
+                <a:solidFill>
+                  <a:schemeClr val="tx1"/>
+                </a:solidFill>
+                <a:latin typeface="Calibri" panose="020F0502020204030204" pitchFamily="34" charset="0"/>
+              </a:defRPr>
+            </a:lvl6pPr>
+            <a:lvl7pPr marL="2971800" indent="-228600" eaLnBrk="0" fontAlgn="base" hangingPunct="0">
+              <a:spcBef>
+                <a:spcPct val="0"/>
+              </a:spcBef>
+              <a:spcAft>
+                <a:spcPct val="0"/>
+              </a:spcAft>
+              <a:defRPr>
+                <a:solidFill>
+                  <a:schemeClr val="tx1"/>
+                </a:solidFill>
+                <a:latin typeface="Calibri" panose="020F0502020204030204" pitchFamily="34" charset="0"/>
+              </a:defRPr>
+            </a:lvl7pPr>
+            <a:lvl8pPr marL="3429000" indent="-228600" eaLnBrk="0" fontAlgn="base" hangingPunct="0">
+              <a:spcBef>
+                <a:spcPct val="0"/>
+              </a:spcBef>
+              <a:spcAft>
+                <a:spcPct val="0"/>
+              </a:spcAft>
+              <a:defRPr>
+                <a:solidFill>
+                  <a:schemeClr val="tx1"/>
+                </a:solidFill>
+                <a:latin typeface="Calibri" panose="020F0502020204030204" pitchFamily="34" charset="0"/>
+              </a:defRPr>
+            </a:lvl8pPr>
+            <a:lvl9pPr marL="3886200" indent="-228600" eaLnBrk="0" fontAlgn="base" hangingPunct="0">
+              <a:spcBef>
+                <a:spcPct val="0"/>
+              </a:spcBef>
+              <a:spcAft>
+                <a:spcPct val="0"/>
+              </a:spcAft>
+              <a:defRPr>
+                <a:solidFill>
+                  <a:schemeClr val="tx1"/>
+                </a:solidFill>
+                <a:latin typeface="Calibri" panose="020F0502020204030204" pitchFamily="34" charset="0"/>
+              </a:defRPr>
+            </a:lvl9pPr>
+          </a:lstStyle>
+          <a:p>
+            <a:pPr algn="ctr" eaLnBrk="1" hangingPunct="1"/>
+            <a:r>
+              <a:rPr lang="en-US" altLang="en-US" sz="1100" dirty="0">
+                <a:solidFill>
+                  <a:srgbClr val="232F3E"/>
+                </a:solidFill>
+                <a:latin typeface="Arial" panose="020B0604020202020204" pitchFamily="34" charset="0"/>
+                <a:cs typeface="Arial" panose="020B0604020202020204" pitchFamily="34" charset="0"/>
+              </a:rPr>
+              <a:t>VM Series</a:t>
+            </a:r>
+          </a:p>
+        </p:txBody>
+      </p:sp>
+      <p:pic>
+        <p:nvPicPr>
+          <p:cNvPr id="25" name="Graphic 60">
+            <a:extLst>
+              <a:ext uri="{FF2B5EF4-FFF2-40B4-BE49-F238E27FC236}">
+                <a16:creationId xmlns:a16="http://schemas.microsoft.com/office/drawing/2014/main" id="{F64E0884-1FCD-6844-AF7E-27C14E115D8C}"/>
+              </a:ext>
+            </a:extLst>
+          </p:cNvPr>
+          <p:cNvPicPr>
+            <a:picLocks noChangeAspect="1" noChangeArrowheads="1"/>
+          </p:cNvPicPr>
+          <p:nvPr/>
+        </p:nvPicPr>
+        <p:blipFill>
+          <a:blip r:embed="rId12">
+            <a:extLst>
+              <a:ext uri="{28A0092B-C50C-407E-A947-70E740481C1C}">
+                <a14:useLocalDpi xmlns:a14="http://schemas.microsoft.com/office/drawing/2010/main" val="0"/>
+              </a:ext>
+            </a:extLst>
+          </a:blip>
+          <a:srcRect/>
+          <a:stretch>
+            <a:fillRect/>
+          </a:stretch>
+        </p:blipFill>
+        <p:spPr bwMode="auto">
+          <a:xfrm>
+            <a:off x="2443480" y="3776951"/>
+            <a:ext cx="457200" cy="457200"/>
+          </a:xfrm>
+          <a:prstGeom prst="rect">
+            <a:avLst/>
+          </a:prstGeom>
+          <a:noFill/>
+          <a:ln>
+            <a:noFill/>
+          </a:ln>
+          <a:extLst>
+            <a:ext uri="{909E8E84-426E-40DD-AFC4-6F175D3DCCD1}">
+              <a14:hiddenFill xmlns:a14="http://schemas.microsoft.com/office/drawing/2010/main">
+                <a:solidFill>
+                  <a:srgbClr val="FFFFFF"/>
+                </a:solidFill>
+              </a14:hiddenFill>
+            </a:ext>
+            <a:ext uri="{91240B29-F687-4F45-9708-019B960494DF}">
+              <a14:hiddenLine xmlns:a14="http://schemas.microsoft.com/office/drawing/2010/main" w="9525">
+                <a:solidFill>
+                  <a:srgbClr val="000000"/>
+                </a:solidFill>
+                <a:miter lim="800000"/>
+                <a:headEnd/>
+                <a:tailEnd/>
+              </a14:hiddenLine>
+            </a:ext>
+          </a:extLst>
+        </p:spPr>
+      </p:pic>
+      <p:sp>
+        <p:nvSpPr>
+          <p:cNvPr id="26" name="Freeform 26">
+            <a:extLst>
+              <a:ext uri="{FF2B5EF4-FFF2-40B4-BE49-F238E27FC236}">
+                <a16:creationId xmlns:a16="http://schemas.microsoft.com/office/drawing/2014/main" id="{774481EF-C54A-F24A-8F6D-C9032BA36EE8}"/>
               </a:ext>
             </a:extLst>
           </p:cNvPr>
           <p:cNvSpPr/>
           <p:nvPr/>
         </p:nvSpPr>
+        <p:spPr bwMode="auto">
+          <a:xfrm rot="10800000">
+            <a:off x="3185085" y="2591232"/>
+            <a:ext cx="1236636" cy="2806030"/>
+          </a:xfrm>
+          <a:custGeom>
+            <a:avLst/>
+            <a:gdLst>
+              <a:gd name="connsiteX0" fmla="*/ 0 w 622300"/>
+              <a:gd name="connsiteY0" fmla="*/ 0 h 1574800"/>
+              <a:gd name="connsiteX1" fmla="*/ 622300 w 622300"/>
+              <a:gd name="connsiteY1" fmla="*/ 0 h 1574800"/>
+              <a:gd name="connsiteX2" fmla="*/ 622300 w 622300"/>
+              <a:gd name="connsiteY2" fmla="*/ 1574800 h 1574800"/>
+              <a:gd name="connsiteX3" fmla="*/ 482600 w 622300"/>
+              <a:gd name="connsiteY3" fmla="*/ 1574800 h 1574800"/>
+              <a:gd name="connsiteX4" fmla="*/ 0 w 622300"/>
+              <a:gd name="connsiteY4" fmla="*/ 1574800 h 1574800"/>
+            </a:gdLst>
+            <a:ahLst/>
+            <a:cxnLst>
+              <a:cxn ang="0">
+                <a:pos x="connsiteX0" y="connsiteY0"/>
+              </a:cxn>
+              <a:cxn ang="0">
+                <a:pos x="connsiteX1" y="connsiteY1"/>
+              </a:cxn>
+              <a:cxn ang="0">
+                <a:pos x="connsiteX2" y="connsiteY2"/>
+              </a:cxn>
+              <a:cxn ang="0">
+                <a:pos x="connsiteX3" y="connsiteY3"/>
+              </a:cxn>
+              <a:cxn ang="0">
+                <a:pos x="connsiteX4" y="connsiteY4"/>
+              </a:cxn>
+            </a:cxnLst>
+            <a:rect l="l" t="t" r="r" b="b"/>
+            <a:pathLst>
+              <a:path w="622300" h="1574800">
+                <a:moveTo>
+                  <a:pt x="0" y="0"/>
+                </a:moveTo>
+                <a:lnTo>
+                  <a:pt x="622300" y="0"/>
+                </a:lnTo>
+                <a:lnTo>
+                  <a:pt x="622300" y="1574800"/>
+                </a:lnTo>
+                <a:lnTo>
+                  <a:pt x="482600" y="1574800"/>
+                </a:lnTo>
+                <a:lnTo>
+                  <a:pt x="0" y="1574800"/>
+                </a:lnTo>
+              </a:path>
+            </a:pathLst>
+          </a:custGeom>
+          <a:noFill/>
+          <a:ln w="12700">
+            <a:solidFill>
+              <a:schemeClr val="tx2"/>
+            </a:solidFill>
+            <a:headEnd type="arrow" w="med" len="sm"/>
+            <a:tailEnd type="arrow" w="med" len="sm"/>
+          </a:ln>
+        </p:spPr>
+        <p:style>
+          <a:lnRef idx="2">
+            <a:schemeClr val="accent1">
+              <a:shade val="50000"/>
+            </a:schemeClr>
+          </a:lnRef>
+          <a:fillRef idx="1">
+            <a:schemeClr val="accent1"/>
+          </a:fillRef>
+          <a:effectRef idx="0">
+            <a:schemeClr val="accent1"/>
+          </a:effectRef>
+          <a:fontRef idx="minor">
+            <a:schemeClr val="lt1"/>
+          </a:fontRef>
+        </p:style>
+        <p:txBody>
+          <a:bodyPr anchor="ctr"/>
+          <a:lstStyle/>
+          <a:p>
+            <a:pPr algn="ctr" eaLnBrk="1" fontAlgn="auto" hangingPunct="1">
+              <a:spcBef>
+                <a:spcPts val="0"/>
+              </a:spcBef>
+              <a:spcAft>
+                <a:spcPts val="0"/>
+              </a:spcAft>
+              <a:defRPr/>
+            </a:pPr>
+            <a:endParaRPr lang="en-US" dirty="0"/>
+          </a:p>
+        </p:txBody>
+      </p:sp>
+      <p:cxnSp>
+        <p:nvCxnSpPr>
+          <p:cNvPr id="27" name="Straight Arrow Connector 26">
+            <a:extLst>
+              <a:ext uri="{FF2B5EF4-FFF2-40B4-BE49-F238E27FC236}">
+                <a16:creationId xmlns:a16="http://schemas.microsoft.com/office/drawing/2014/main" id="{29D3CE43-02CE-1A49-8906-7B779D4723D2}"/>
+              </a:ext>
+            </a:extLst>
+          </p:cNvPr>
+          <p:cNvCxnSpPr>
+            <a:cxnSpLocks/>
+            <a:stCxn id="42" idx="3"/>
+            <a:endCxn id="38" idx="1"/>
+          </p:cNvCxnSpPr>
+          <p:nvPr/>
+        </p:nvCxnSpPr>
         <p:spPr>
           <a:xfrm>
-            <a:off x="6139866" y="2109563"/>
-            <a:ext cx="2439674" cy="1549157"/>
+            <a:off x="6526978" y="4005495"/>
+            <a:ext cx="1508801" cy="0"/>
+          </a:xfrm>
+          <a:prstGeom prst="straightConnector1">
+            <a:avLst/>
+          </a:prstGeom>
+          <a:ln w="12700">
+            <a:solidFill>
+              <a:srgbClr val="545B64"/>
+            </a:solidFill>
+            <a:headEnd type="none" w="med" len="sm"/>
+            <a:tailEnd type="arrow" w="med" len="sm"/>
+          </a:ln>
+        </p:spPr>
+        <p:style>
+          <a:lnRef idx="1">
+            <a:schemeClr val="accent1"/>
+          </a:lnRef>
+          <a:fillRef idx="0">
+            <a:schemeClr val="accent1"/>
+          </a:fillRef>
+          <a:effectRef idx="0">
+            <a:schemeClr val="accent1"/>
+          </a:effectRef>
+          <a:fontRef idx="minor">
+            <a:schemeClr val="tx1"/>
+          </a:fontRef>
+        </p:style>
+      </p:cxnSp>
+      <p:sp>
+        <p:nvSpPr>
+          <p:cNvPr id="28" name="Rectangle 27">
+            <a:extLst>
+              <a:ext uri="{FF2B5EF4-FFF2-40B4-BE49-F238E27FC236}">
+                <a16:creationId xmlns:a16="http://schemas.microsoft.com/office/drawing/2014/main" id="{1612A45A-95A2-FE48-997A-A0392F276A8F}"/>
+              </a:ext>
+            </a:extLst>
+          </p:cNvPr>
+          <p:cNvSpPr/>
+          <p:nvPr/>
+        </p:nvSpPr>
+        <p:spPr>
+          <a:xfrm>
+            <a:off x="7212802" y="1972259"/>
+            <a:ext cx="2011680" cy="1371600"/>
           </a:xfrm>
           <a:prstGeom prst="rect">
             <a:avLst/>
@@ -3725,17 +5288,17 @@
                 <a:latin typeface="Arial" panose="020B0604020202020204" pitchFamily="34" charset="0"/>
                 <a:cs typeface="Arial" panose="020B0604020202020204" pitchFamily="34" charset="0"/>
               </a:rPr>
-              <a:t>Public – 10.100.1.0/24</a:t>
+              <a:t>Public subnet</a:t>
             </a:r>
           </a:p>
         </p:txBody>
       </p:sp>
       <p:pic>
         <p:nvPicPr>
-          <p:cNvPr id="21" name="Graphic 20">
-            <a:extLst>
-              <a:ext uri="{FF2B5EF4-FFF2-40B4-BE49-F238E27FC236}">
-                <a16:creationId xmlns:a16="http://schemas.microsoft.com/office/drawing/2014/main" id="{6C48A5DE-A694-A841-AB06-859DAB09D637}"/>
+          <p:cNvPr id="29" name="Graphic 28">
+            <a:extLst>
+              <a:ext uri="{FF2B5EF4-FFF2-40B4-BE49-F238E27FC236}">
+                <a16:creationId xmlns:a16="http://schemas.microsoft.com/office/drawing/2014/main" id="{BC5F0BDA-C88F-8E43-8241-CA528DA8269F}"/>
               </a:ext>
             </a:extLst>
           </p:cNvPr>
@@ -3745,10 +5308,10 @@
           <p:nvPr/>
         </p:nvPicPr>
         <p:blipFill>
-          <a:blip r:embed="rId4">
+          <a:blip r:embed="rId6">
             <a:extLst>
               <a:ext uri="{96DAC541-7B7A-43D3-8B79-37D633B846F1}">
-                <asvg:svgBlip xmlns:asvg="http://schemas.microsoft.com/office/drawing/2016/SVG/main" r:embed="rId5"/>
+                <asvg:svgBlip xmlns:asvg="http://schemas.microsoft.com/office/drawing/2016/SVG/main" r:embed="rId7"/>
               </a:ext>
             </a:extLst>
           </a:blip>
@@ -3758,7 +5321,7 @@
         </p:blipFill>
         <p:spPr>
           <a:xfrm>
-            <a:off x="6144864" y="2111152"/>
+            <a:off x="7212839" y="1972307"/>
             <a:ext cx="381000" cy="381000"/>
           </a:xfrm>
           <a:prstGeom prst="rect">
@@ -3768,312 +5331,96 @@
       </p:pic>
       <p:sp>
         <p:nvSpPr>
-          <p:cNvPr id="33" name="TextBox 32">
-            <a:extLst>
-              <a:ext uri="{FF2B5EF4-FFF2-40B4-BE49-F238E27FC236}">
-                <a16:creationId xmlns:a16="http://schemas.microsoft.com/office/drawing/2014/main" id="{02588DAB-E83C-B64D-9240-D1A74BFECA2F}"/>
-              </a:ext>
-            </a:extLst>
-          </p:cNvPr>
-          <p:cNvSpPr txBox="1"/>
+          <p:cNvPr id="30" name="Rectangle 29">
+            <a:extLst>
+              <a:ext uri="{FF2B5EF4-FFF2-40B4-BE49-F238E27FC236}">
+                <a16:creationId xmlns:a16="http://schemas.microsoft.com/office/drawing/2014/main" id="{AD3003F7-38CE-BC47-8BC3-79C1ADED14DA}"/>
+              </a:ext>
+            </a:extLst>
+          </p:cNvPr>
+          <p:cNvSpPr/>
           <p:nvPr/>
         </p:nvSpPr>
         <p:spPr>
           <a:xfrm>
-            <a:off x="1190062" y="545123"/>
-            <a:ext cx="1645920" cy="307777"/>
+            <a:off x="7061200" y="1239520"/>
+            <a:ext cx="2286000" cy="5120640"/>
           </a:xfrm>
           <a:prstGeom prst="rect">
             <a:avLst/>
           </a:prstGeom>
           <a:noFill/>
+          <a:ln w="12700">
+            <a:solidFill>
+              <a:srgbClr val="5B9CD5"/>
+            </a:solidFill>
+            <a:prstDash val="dash"/>
+          </a:ln>
         </p:spPr>
-        <p:txBody>
-          <a:bodyPr wrap="square" rtlCol="0">
-            <a:spAutoFit/>
-          </a:bodyPr>
+        <p:style>
+          <a:lnRef idx="2">
+            <a:schemeClr val="accent1">
+              <a:shade val="50000"/>
+            </a:schemeClr>
+          </a:lnRef>
+          <a:fillRef idx="1">
+            <a:schemeClr val="accent1"/>
+          </a:fillRef>
+          <a:effectRef idx="0">
+            <a:schemeClr val="accent1"/>
+          </a:effectRef>
+          <a:fontRef idx="minor">
+            <a:schemeClr val="lt1"/>
+          </a:fontRef>
+        </p:style>
+        <p:txBody>
+          <a:bodyPr tIns="91440"/>
           <a:lstStyle/>
           <a:p>
-            <a:r>
-              <a:rPr lang="en-US" sz="1400" dirty="0"/>
-              <a:t>10.100.0.0/16</a:t>
-            </a:r>
-          </a:p>
-        </p:txBody>
-      </p:sp>
-      <p:sp>
-        <p:nvSpPr>
-          <p:cNvPr id="34" name="TextBox 12">
-            <a:extLst>
-              <a:ext uri="{FF2B5EF4-FFF2-40B4-BE49-F238E27FC236}">
-                <a16:creationId xmlns:a16="http://schemas.microsoft.com/office/drawing/2014/main" id="{33FA1BF7-612B-114D-8B30-B954E4B96E0E}"/>
-              </a:ext>
-            </a:extLst>
-          </p:cNvPr>
-          <p:cNvSpPr txBox="1">
-            <a:spLocks noChangeArrowheads="1"/>
-          </p:cNvSpPr>
-          <p:nvPr/>
-        </p:nvSpPr>
-        <p:spPr bwMode="auto">
-          <a:xfrm>
-            <a:off x="4009354" y="743735"/>
-            <a:ext cx="1403350" cy="261610"/>
-          </a:xfrm>
-          <a:prstGeom prst="rect">
-            <a:avLst/>
-          </a:prstGeom>
-          <a:noFill/>
-          <a:ln>
-            <a:noFill/>
-          </a:ln>
-          <a:extLst>
-            <a:ext uri="{909E8E84-426E-40DD-AFC4-6F175D3DCCD1}">
-              <a14:hiddenFill xmlns:a14="http://schemas.microsoft.com/office/drawing/2010/main">
-                <a:solidFill>
-                  <a:srgbClr val="FFFFFF"/>
-                </a:solidFill>
-              </a14:hiddenFill>
-            </a:ext>
-            <a:ext uri="{91240B29-F687-4F45-9708-019B960494DF}">
-              <a14:hiddenLine xmlns:a14="http://schemas.microsoft.com/office/drawing/2010/main" w="9525">
-                <a:solidFill>
-                  <a:srgbClr val="000000"/>
-                </a:solidFill>
-                <a:miter lim="800000"/>
-                <a:headEnd/>
-                <a:tailEnd/>
-              </a14:hiddenLine>
-            </a:ext>
-          </a:extLst>
-        </p:spPr>
-        <p:txBody>
-          <a:bodyPr>
-            <a:spAutoFit/>
-          </a:bodyPr>
-          <a:lstStyle>
-            <a:lvl1pPr>
-              <a:defRPr>
-                <a:solidFill>
-                  <a:schemeClr val="tx1"/>
-                </a:solidFill>
-                <a:latin typeface="Calibri" panose="020F0502020204030204" pitchFamily="34" charset="0"/>
-              </a:defRPr>
-            </a:lvl1pPr>
-            <a:lvl2pPr marL="742950" indent="-285750">
-              <a:defRPr>
-                <a:solidFill>
-                  <a:schemeClr val="tx1"/>
-                </a:solidFill>
-                <a:latin typeface="Calibri" panose="020F0502020204030204" pitchFamily="34" charset="0"/>
-              </a:defRPr>
-            </a:lvl2pPr>
-            <a:lvl3pPr marL="1143000" indent="-228600">
-              <a:defRPr>
-                <a:solidFill>
-                  <a:schemeClr val="tx1"/>
-                </a:solidFill>
-                <a:latin typeface="Calibri" panose="020F0502020204030204" pitchFamily="34" charset="0"/>
-              </a:defRPr>
-            </a:lvl3pPr>
-            <a:lvl4pPr marL="1600200" indent="-228600">
-              <a:defRPr>
-                <a:solidFill>
-                  <a:schemeClr val="tx1"/>
-                </a:solidFill>
-                <a:latin typeface="Calibri" panose="020F0502020204030204" pitchFamily="34" charset="0"/>
-              </a:defRPr>
-            </a:lvl4pPr>
-            <a:lvl5pPr marL="2057400" indent="-228600">
-              <a:defRPr>
-                <a:solidFill>
-                  <a:schemeClr val="tx1"/>
-                </a:solidFill>
-                <a:latin typeface="Calibri" panose="020F0502020204030204" pitchFamily="34" charset="0"/>
-              </a:defRPr>
-            </a:lvl5pPr>
-            <a:lvl6pPr marL="2514600" indent="-228600" eaLnBrk="0" fontAlgn="base" hangingPunct="0">
+            <a:pPr algn="ctr" eaLnBrk="1" fontAlgn="auto" hangingPunct="1">
               <a:spcBef>
-                <a:spcPct val="0"/>
+                <a:spcPts val="0"/>
               </a:spcBef>
               <a:spcAft>
-                <a:spcPct val="0"/>
+                <a:spcPts val="0"/>
               </a:spcAft>
-              <a:defRPr>
-                <a:solidFill>
-                  <a:schemeClr val="tx1"/>
-                </a:solidFill>
-                <a:latin typeface="Calibri" panose="020F0502020204030204" pitchFamily="34" charset="0"/>
-              </a:defRPr>
-            </a:lvl6pPr>
-            <a:lvl7pPr marL="2971800" indent="-228600" eaLnBrk="0" fontAlgn="base" hangingPunct="0">
-              <a:spcBef>
-                <a:spcPct val="0"/>
-              </a:spcBef>
-              <a:spcAft>
-                <a:spcPct val="0"/>
-              </a:spcAft>
-              <a:defRPr>
-                <a:solidFill>
-                  <a:schemeClr val="tx1"/>
-                </a:solidFill>
-                <a:latin typeface="Calibri" panose="020F0502020204030204" pitchFamily="34" charset="0"/>
-              </a:defRPr>
-            </a:lvl7pPr>
-            <a:lvl8pPr marL="3429000" indent="-228600" eaLnBrk="0" fontAlgn="base" hangingPunct="0">
-              <a:spcBef>
-                <a:spcPct val="0"/>
-              </a:spcBef>
-              <a:spcAft>
-                <a:spcPct val="0"/>
-              </a:spcAft>
-              <a:defRPr>
-                <a:solidFill>
-                  <a:schemeClr val="tx1"/>
-                </a:solidFill>
-                <a:latin typeface="Calibri" panose="020F0502020204030204" pitchFamily="34" charset="0"/>
-              </a:defRPr>
-            </a:lvl8pPr>
-            <a:lvl9pPr marL="3886200" indent="-228600" eaLnBrk="0" fontAlgn="base" hangingPunct="0">
-              <a:spcBef>
-                <a:spcPct val="0"/>
-              </a:spcBef>
-              <a:spcAft>
-                <a:spcPct val="0"/>
-              </a:spcAft>
-              <a:defRPr>
-                <a:solidFill>
-                  <a:schemeClr val="tx1"/>
-                </a:solidFill>
-                <a:latin typeface="Calibri" panose="020F0502020204030204" pitchFamily="34" charset="0"/>
-              </a:defRPr>
-            </a:lvl9pPr>
-          </a:lstStyle>
-          <a:p>
-            <a:pPr algn="ctr" eaLnBrk="1" hangingPunct="1"/>
-            <a:r>
-              <a:rPr lang="en-US" altLang="en-US" sz="1100" dirty="0">
+              <a:defRPr/>
+            </a:pPr>
+            <a:r>
+              <a:rPr lang="en-US" sz="1200" dirty="0">
+                <a:solidFill>
+                  <a:srgbClr val="5B9CD5"/>
+                </a:solidFill>
                 <a:latin typeface="Arial" panose="020B0604020202020204" pitchFamily="34" charset="0"/>
-                <a:ea typeface="Amazon Ember" panose="020B0603020204020204" pitchFamily="34" charset="0"/>
                 <a:cs typeface="Arial" panose="020B0604020202020204" pitchFamily="34" charset="0"/>
               </a:rPr>
-              <a:t>Internet gateway</a:t>
-            </a:r>
-          </a:p>
-        </p:txBody>
-      </p:sp>
-      <p:pic>
-        <p:nvPicPr>
-          <p:cNvPr id="35" name="Graphic 10">
-            <a:extLst>
-              <a:ext uri="{FF2B5EF4-FFF2-40B4-BE49-F238E27FC236}">
-                <a16:creationId xmlns:a16="http://schemas.microsoft.com/office/drawing/2014/main" id="{D1F47D0F-B8C7-D64B-94F3-928B07F5EE0A}"/>
-              </a:ext>
-            </a:extLst>
-          </p:cNvPr>
-          <p:cNvPicPr>
-            <a:picLocks noChangeAspect="1" noChangeArrowheads="1"/>
-          </p:cNvPicPr>
+              <a:t>Availability Zone 2</a:t>
+            </a:r>
+          </a:p>
+        </p:txBody>
+      </p:sp>
+      <p:sp>
+        <p:nvSpPr>
+          <p:cNvPr id="31" name="Rectangle 30">
+            <a:extLst>
+              <a:ext uri="{FF2B5EF4-FFF2-40B4-BE49-F238E27FC236}">
+                <a16:creationId xmlns:a16="http://schemas.microsoft.com/office/drawing/2014/main" id="{40C7E204-6AAF-934B-BD6C-36F8EBCCD3E4}"/>
+              </a:ext>
+            </a:extLst>
+          </p:cNvPr>
+          <p:cNvSpPr/>
           <p:nvPr/>
-        </p:nvPicPr>
-        <p:blipFill>
-          <a:blip r:embed="rId6">
-            <a:extLst>
-              <a:ext uri="{28A0092B-C50C-407E-A947-70E740481C1C}">
-                <a14:useLocalDpi xmlns:a14="http://schemas.microsoft.com/office/drawing/2010/main" val="0"/>
-              </a:ext>
-            </a:extLst>
-          </a:blip>
-          <a:srcRect/>
-          <a:stretch>
-            <a:fillRect/>
-          </a:stretch>
-        </p:blipFill>
-        <p:spPr bwMode="auto">
+        </p:nvSpPr>
+        <p:spPr>
           <a:xfrm>
-            <a:off x="4470559" y="286535"/>
-            <a:ext cx="457200" cy="457200"/>
+            <a:off x="7212817" y="3434027"/>
+            <a:ext cx="2011680" cy="1280160"/>
           </a:xfrm>
           <a:prstGeom prst="rect">
             <a:avLst/>
           </a:prstGeom>
           <a:solidFill>
-            <a:schemeClr val="bg1"/>
-          </a:solidFill>
-          <a:ln>
-            <a:noFill/>
-          </a:ln>
-        </p:spPr>
-      </p:pic>
-      <p:pic>
-        <p:nvPicPr>
-          <p:cNvPr id="1028" name="Picture 4">
-            <a:extLst>
-              <a:ext uri="{FF2B5EF4-FFF2-40B4-BE49-F238E27FC236}">
-                <a16:creationId xmlns:a16="http://schemas.microsoft.com/office/drawing/2014/main" id="{649CB715-6B1A-0140-9655-5B6EB3F24556}"/>
-              </a:ext>
-            </a:extLst>
-          </p:cNvPr>
-          <p:cNvPicPr>
-            <a:picLocks noChangeAspect="1" noChangeArrowheads="1"/>
-          </p:cNvPicPr>
-          <p:nvPr/>
-        </p:nvPicPr>
-        <p:blipFill>
-          <a:blip r:embed="rId7">
-            <a:extLst>
-              <a:ext uri="{28A0092B-C50C-407E-A947-70E740481C1C}">
-                <a14:useLocalDpi xmlns:a14="http://schemas.microsoft.com/office/drawing/2010/main" val="0"/>
-              </a:ext>
-            </a:extLst>
-          </a:blip>
-          <a:srcRect/>
-          <a:stretch>
-            <a:fillRect/>
-          </a:stretch>
-        </p:blipFill>
-        <p:spPr bwMode="auto">
-          <a:xfrm>
-            <a:off x="3998108" y="2179833"/>
-            <a:ext cx="1378454" cy="1378454"/>
-          </a:xfrm>
-          <a:prstGeom prst="rect">
-            <a:avLst/>
-          </a:prstGeom>
-          <a:noFill/>
-          <a:extLst>
-            <a:ext uri="{909E8E84-426E-40DD-AFC4-6F175D3DCCD1}">
-              <a14:hiddenFill xmlns:a14="http://schemas.microsoft.com/office/drawing/2010/main">
-                <a:solidFill>
-                  <a:srgbClr val="FFFFFF"/>
-                </a:solidFill>
-              </a14:hiddenFill>
-            </a:ext>
-          </a:extLst>
-        </p:spPr>
-      </p:pic>
-      <p:sp>
-        <p:nvSpPr>
-          <p:cNvPr id="45" name="Rectangle 44">
-            <a:extLst>
-              <a:ext uri="{FF2B5EF4-FFF2-40B4-BE49-F238E27FC236}">
-                <a16:creationId xmlns:a16="http://schemas.microsoft.com/office/drawing/2014/main" id="{5BA29B3C-E565-994C-B716-85430ADC314B}"/>
-              </a:ext>
-            </a:extLst>
-          </p:cNvPr>
-          <p:cNvSpPr/>
-          <p:nvPr/>
-        </p:nvSpPr>
-        <p:spPr>
-          <a:xfrm>
-            <a:off x="6139866" y="3960460"/>
-            <a:ext cx="2439674" cy="1549157"/>
-          </a:xfrm>
-          <a:prstGeom prst="rect">
-            <a:avLst/>
-          </a:prstGeom>
-          <a:solidFill>
-            <a:srgbClr val="1D8900">
+            <a:srgbClr val="007CBC">
               <a:alpha val="9804"/>
             </a:srgbClr>
           </a:solidFill>
@@ -4112,274 +5459,24 @@
               <a:defRPr/>
             </a:pPr>
             <a:r>
-              <a:rPr lang="en-US" sz="1200" dirty="0" err="1">
-                <a:solidFill>
-                  <a:srgbClr val="1E8900"/>
+              <a:rPr lang="en-US" sz="1200" dirty="0">
+                <a:solidFill>
+                  <a:srgbClr val="5B9CD5"/>
                 </a:solidFill>
                 <a:latin typeface="Arial" panose="020B0604020202020204" pitchFamily="34" charset="0"/>
                 <a:cs typeface="Arial" panose="020B0604020202020204" pitchFamily="34" charset="0"/>
               </a:rPr>
-              <a:t>mgmt</a:t>
-            </a:r>
-            <a:r>
-              <a:rPr lang="en-US" sz="1200" dirty="0">
-                <a:solidFill>
-                  <a:srgbClr val="1E8900"/>
-                </a:solidFill>
-                <a:latin typeface="Arial" panose="020B0604020202020204" pitchFamily="34" charset="0"/>
-                <a:cs typeface="Arial" panose="020B0604020202020204" pitchFamily="34" charset="0"/>
-              </a:rPr>
-              <a:t> – 10.100.0.0/24 </a:t>
-            </a:r>
-          </a:p>
-        </p:txBody>
-      </p:sp>
-      <p:graphicFrame>
-        <p:nvGraphicFramePr>
-          <p:cNvPr id="36" name="Table 36">
-            <a:extLst>
-              <a:ext uri="{FF2B5EF4-FFF2-40B4-BE49-F238E27FC236}">
-                <a16:creationId xmlns:a16="http://schemas.microsoft.com/office/drawing/2014/main" id="{4B459C59-9C10-1340-9D06-2290A7281396}"/>
-              </a:ext>
-            </a:extLst>
-          </p:cNvPr>
-          <p:cNvGraphicFramePr>
-            <a:graphicFrameLocks noGrp="1"/>
-          </p:cNvGraphicFramePr>
-          <p:nvPr>
-            <p:extLst>
-              <p:ext uri="{D42A27DB-BD31-4B8C-83A1-F6EECF244321}">
-                <p14:modId xmlns:p14="http://schemas.microsoft.com/office/powerpoint/2010/main" val="2337197929"/>
-              </p:ext>
-            </p:extLst>
-          </p:nvPr>
-        </p:nvGraphicFramePr>
-        <p:xfrm>
-          <a:off x="6602984" y="4983753"/>
-          <a:ext cx="1513438" cy="457200"/>
-        </p:xfrm>
-        <a:graphic>
-          <a:graphicData uri="http://schemas.openxmlformats.org/drawingml/2006/table">
-            <a:tbl>
-              <a:tblPr firstRow="1" bandRow="1">
-                <a:tableStyleId>{5C22544A-7EE6-4342-B048-85BDC9FD1C3A}</a:tableStyleId>
-              </a:tblPr>
-              <a:tblGrid>
-                <a:gridCol w="756719">
-                  <a:extLst>
-                    <a:ext uri="{9D8B030D-6E8A-4147-A177-3AD203B41FA5}">
-                      <a16:colId xmlns:a16="http://schemas.microsoft.com/office/drawing/2014/main" val="2239642741"/>
-                    </a:ext>
-                  </a:extLst>
-                </a:gridCol>
-                <a:gridCol w="756719">
-                  <a:extLst>
-                    <a:ext uri="{9D8B030D-6E8A-4147-A177-3AD203B41FA5}">
-                      <a16:colId xmlns:a16="http://schemas.microsoft.com/office/drawing/2014/main" val="203603493"/>
-                    </a:ext>
-                  </a:extLst>
-                </a:gridCol>
-              </a:tblGrid>
-              <a:tr h="177405">
-                <a:tc>
-                  <a:txBody>
-                    <a:bodyPr/>
-                    <a:lstStyle/>
-                    <a:p>
-                      <a:pPr algn="ctr"/>
-                      <a:r>
-                        <a:rPr lang="en-US" sz="900" dirty="0"/>
-                        <a:t>Destination</a:t>
-                      </a:r>
-                    </a:p>
-                  </a:txBody>
-                  <a:tcPr/>
-                </a:tc>
-                <a:tc>
-                  <a:txBody>
-                    <a:bodyPr/>
-                    <a:lstStyle/>
-                    <a:p>
-                      <a:pPr algn="ctr"/>
-                      <a:r>
-                        <a:rPr lang="en-US" sz="900" dirty="0"/>
-                        <a:t>Next Hop</a:t>
-                      </a:r>
-                    </a:p>
-                  </a:txBody>
-                  <a:tcPr/>
-                </a:tc>
-                <a:extLst>
-                  <a:ext uri="{0D108BD9-81ED-4DB2-BD59-A6C34878D82A}">
-                    <a16:rowId xmlns:a16="http://schemas.microsoft.com/office/drawing/2014/main" val="572738196"/>
-                  </a:ext>
-                </a:extLst>
-              </a:tr>
-              <a:tr h="177405">
-                <a:tc>
-                  <a:txBody>
-                    <a:bodyPr/>
-                    <a:lstStyle/>
-                    <a:p>
-                      <a:pPr algn="ctr"/>
-                      <a:r>
-                        <a:rPr lang="en-US" sz="900" dirty="0"/>
-                        <a:t>0.0.0.0/0</a:t>
-                      </a:r>
-                    </a:p>
-                  </a:txBody>
-                  <a:tcPr/>
-                </a:tc>
-                <a:tc>
-                  <a:txBody>
-                    <a:bodyPr/>
-                    <a:lstStyle/>
-                    <a:p>
-                      <a:pPr algn="ctr"/>
-                      <a:r>
-                        <a:rPr lang="en-US" sz="900" dirty="0"/>
-                        <a:t>IGW</a:t>
-                      </a:r>
-                    </a:p>
-                  </a:txBody>
-                  <a:tcPr/>
-                </a:tc>
-                <a:extLst>
-                  <a:ext uri="{0D108BD9-81ED-4DB2-BD59-A6C34878D82A}">
-                    <a16:rowId xmlns:a16="http://schemas.microsoft.com/office/drawing/2014/main" val="819815063"/>
-                  </a:ext>
-                </a:extLst>
-              </a:tr>
-            </a:tbl>
-          </a:graphicData>
-        </a:graphic>
-      </p:graphicFrame>
-      <p:graphicFrame>
-        <p:nvGraphicFramePr>
-          <p:cNvPr id="42" name="Table 36">
-            <a:extLst>
-              <a:ext uri="{FF2B5EF4-FFF2-40B4-BE49-F238E27FC236}">
-                <a16:creationId xmlns:a16="http://schemas.microsoft.com/office/drawing/2014/main" id="{C178DDBF-C1B0-C946-B407-64399DA5D319}"/>
-              </a:ext>
-            </a:extLst>
-          </p:cNvPr>
-          <p:cNvGraphicFramePr>
-            <a:graphicFrameLocks noGrp="1"/>
-          </p:cNvGraphicFramePr>
-          <p:nvPr>
-            <p:extLst>
-              <p:ext uri="{D42A27DB-BD31-4B8C-83A1-F6EECF244321}">
-                <p14:modId xmlns:p14="http://schemas.microsoft.com/office/powerpoint/2010/main" val="2907549270"/>
-              </p:ext>
-            </p:extLst>
-          </p:nvPr>
-        </p:nvGraphicFramePr>
-        <p:xfrm>
-          <a:off x="6563993" y="3121384"/>
-          <a:ext cx="1513438" cy="457200"/>
-        </p:xfrm>
-        <a:graphic>
-          <a:graphicData uri="http://schemas.openxmlformats.org/drawingml/2006/table">
-            <a:tbl>
-              <a:tblPr firstRow="1" bandRow="1">
-                <a:tableStyleId>{5C22544A-7EE6-4342-B048-85BDC9FD1C3A}</a:tableStyleId>
-              </a:tblPr>
-              <a:tblGrid>
-                <a:gridCol w="756719">
-                  <a:extLst>
-                    <a:ext uri="{9D8B030D-6E8A-4147-A177-3AD203B41FA5}">
-                      <a16:colId xmlns:a16="http://schemas.microsoft.com/office/drawing/2014/main" val="2239642741"/>
-                    </a:ext>
-                  </a:extLst>
-                </a:gridCol>
-                <a:gridCol w="756719">
-                  <a:extLst>
-                    <a:ext uri="{9D8B030D-6E8A-4147-A177-3AD203B41FA5}">
-                      <a16:colId xmlns:a16="http://schemas.microsoft.com/office/drawing/2014/main" val="203603493"/>
-                    </a:ext>
-                  </a:extLst>
-                </a:gridCol>
-              </a:tblGrid>
-              <a:tr h="177405">
-                <a:tc>
-                  <a:txBody>
-                    <a:bodyPr/>
-                    <a:lstStyle/>
-                    <a:p>
-                      <a:pPr algn="ctr"/>
-                      <a:r>
-                        <a:rPr lang="en-US" sz="900" dirty="0"/>
-                        <a:t>Destination</a:t>
-                      </a:r>
-                    </a:p>
-                  </a:txBody>
-                  <a:tcPr/>
-                </a:tc>
-                <a:tc>
-                  <a:txBody>
-                    <a:bodyPr/>
-                    <a:lstStyle/>
-                    <a:p>
-                      <a:pPr algn="ctr"/>
-                      <a:r>
-                        <a:rPr lang="en-US" sz="900" dirty="0"/>
-                        <a:t>Next Hop</a:t>
-                      </a:r>
-                    </a:p>
-                  </a:txBody>
-                  <a:tcPr/>
-                </a:tc>
-                <a:extLst>
-                  <a:ext uri="{0D108BD9-81ED-4DB2-BD59-A6C34878D82A}">
-                    <a16:rowId xmlns:a16="http://schemas.microsoft.com/office/drawing/2014/main" val="572738196"/>
-                  </a:ext>
-                </a:extLst>
-              </a:tr>
-              <a:tr h="177405">
-                <a:tc>
-                  <a:txBody>
-                    <a:bodyPr/>
-                    <a:lstStyle/>
-                    <a:p>
-                      <a:pPr algn="ctr"/>
-                      <a:r>
-                        <a:rPr lang="en-US" sz="900" dirty="0"/>
-                        <a:t>0.0.0.0/0</a:t>
-                      </a:r>
-                    </a:p>
-                  </a:txBody>
-                  <a:tcPr/>
-                </a:tc>
-                <a:tc>
-                  <a:txBody>
-                    <a:bodyPr/>
-                    <a:lstStyle/>
-                    <a:p>
-                      <a:pPr algn="ctr"/>
-                      <a:r>
-                        <a:rPr lang="en-US" sz="900" dirty="0"/>
-                        <a:t>IGW</a:t>
-                      </a:r>
-                    </a:p>
-                  </a:txBody>
-                  <a:tcPr/>
-                </a:tc>
-                <a:extLst>
-                  <a:ext uri="{0D108BD9-81ED-4DB2-BD59-A6C34878D82A}">
-                    <a16:rowId xmlns:a16="http://schemas.microsoft.com/office/drawing/2014/main" val="819815063"/>
-                  </a:ext>
-                </a:extLst>
-              </a:tr>
-            </a:tbl>
-          </a:graphicData>
-        </a:graphic>
-      </p:graphicFrame>
+              <a:t>Private subnet</a:t>
+            </a:r>
+          </a:p>
+        </p:txBody>
+      </p:sp>
       <p:pic>
         <p:nvPicPr>
-          <p:cNvPr id="46" name="Graphic 45">
-            <a:extLst>
-              <a:ext uri="{FF2B5EF4-FFF2-40B4-BE49-F238E27FC236}">
-                <a16:creationId xmlns:a16="http://schemas.microsoft.com/office/drawing/2014/main" id="{57F5AB6E-BFA8-304E-8ACB-F94FA06BEB3B}"/>
+          <p:cNvPr id="32" name="Graphic 31">
+            <a:extLst>
+              <a:ext uri="{FF2B5EF4-FFF2-40B4-BE49-F238E27FC236}">
+                <a16:creationId xmlns:a16="http://schemas.microsoft.com/office/drawing/2014/main" id="{9CEE7BBC-2BDF-BF43-ABE7-0D24D5DA383A}"/>
               </a:ext>
             </a:extLst>
           </p:cNvPr>
@@ -4389,10 +5486,10 @@
           <p:nvPr/>
         </p:nvPicPr>
         <p:blipFill>
-          <a:blip r:embed="rId4">
+          <a:blip r:embed="rId9">
             <a:extLst>
               <a:ext uri="{96DAC541-7B7A-43D3-8B79-37D633B846F1}">
-                <asvg:svgBlip xmlns:asvg="http://schemas.microsoft.com/office/drawing/2016/SVG/main" r:embed="rId5"/>
+                <asvg:svgBlip xmlns:asvg="http://schemas.microsoft.com/office/drawing/2016/SVG/main" r:embed="rId10"/>
               </a:ext>
             </a:extLst>
           </a:blip>
@@ -4402,7 +5499,7 @@
         </p:blipFill>
         <p:spPr>
           <a:xfrm>
-            <a:off x="6144864" y="3962049"/>
+            <a:off x="7212839" y="3434024"/>
             <a:ext cx="381000" cy="381000"/>
           </a:xfrm>
           <a:prstGeom prst="rect">
@@ -4410,350 +5507,28 @@
           </a:prstGeom>
         </p:spPr>
       </p:pic>
-      <p:cxnSp>
-        <p:nvCxnSpPr>
-          <p:cNvPr id="47" name="Straight Arrow Connector 46">
-            <a:extLst>
-              <a:ext uri="{FF2B5EF4-FFF2-40B4-BE49-F238E27FC236}">
-                <a16:creationId xmlns:a16="http://schemas.microsoft.com/office/drawing/2014/main" id="{44313F2A-808A-3E4C-8843-7084D6D3CE1A}"/>
-              </a:ext>
-            </a:extLst>
-          </p:cNvPr>
-          <p:cNvCxnSpPr>
-            <a:cxnSpLocks/>
-            <a:endCxn id="12" idx="3"/>
-          </p:cNvCxnSpPr>
-          <p:nvPr/>
-        </p:nvCxnSpPr>
-        <p:spPr>
-          <a:xfrm flipH="1">
-            <a:off x="3263362" y="2876816"/>
-            <a:ext cx="938269" cy="0"/>
-          </a:xfrm>
-          <a:prstGeom prst="straightConnector1">
-            <a:avLst/>
-          </a:prstGeom>
-          <a:ln w="12700">
-            <a:solidFill>
-              <a:schemeClr val="tx2"/>
-            </a:solidFill>
-            <a:headEnd type="none" w="med" len="sm"/>
-            <a:tailEnd type="none" w="med" len="sm"/>
-          </a:ln>
-        </p:spPr>
-        <p:style>
-          <a:lnRef idx="1">
-            <a:schemeClr val="accent1"/>
-          </a:lnRef>
-          <a:fillRef idx="0">
-            <a:schemeClr val="accent1"/>
-          </a:fillRef>
-          <a:effectRef idx="0">
-            <a:schemeClr val="accent1"/>
-          </a:effectRef>
-          <a:fontRef idx="minor">
-            <a:schemeClr val="tx1"/>
-          </a:fontRef>
-        </p:style>
-      </p:cxnSp>
-      <p:cxnSp>
-        <p:nvCxnSpPr>
-          <p:cNvPr id="55" name="Straight Arrow Connector 54">
-            <a:extLst>
-              <a:ext uri="{FF2B5EF4-FFF2-40B4-BE49-F238E27FC236}">
-                <a16:creationId xmlns:a16="http://schemas.microsoft.com/office/drawing/2014/main" id="{43B8B1AB-344B-1C44-ADE4-D2678B5C57EE}"/>
-              </a:ext>
-            </a:extLst>
-          </p:cNvPr>
-          <p:cNvCxnSpPr>
-            <a:cxnSpLocks/>
-          </p:cNvCxnSpPr>
-          <p:nvPr/>
-        </p:nvCxnSpPr>
-        <p:spPr>
-          <a:xfrm flipH="1">
-            <a:off x="5170714" y="2851484"/>
-            <a:ext cx="969152" cy="0"/>
-          </a:xfrm>
-          <a:prstGeom prst="straightConnector1">
-            <a:avLst/>
-          </a:prstGeom>
-          <a:ln w="12700">
-            <a:solidFill>
-              <a:schemeClr val="tx2"/>
-            </a:solidFill>
-            <a:headEnd type="none" w="med" len="sm"/>
-            <a:tailEnd type="none" w="med" len="sm"/>
-          </a:ln>
-        </p:spPr>
-        <p:style>
-          <a:lnRef idx="1">
-            <a:schemeClr val="accent1"/>
-          </a:lnRef>
-          <a:fillRef idx="0">
-            <a:schemeClr val="accent1"/>
-          </a:fillRef>
-          <a:effectRef idx="0">
-            <a:schemeClr val="accent1"/>
-          </a:effectRef>
-          <a:fontRef idx="minor">
-            <a:schemeClr val="tx1"/>
-          </a:fontRef>
-        </p:style>
-      </p:cxnSp>
-      <p:sp>
-        <p:nvSpPr>
-          <p:cNvPr id="61" name="TextBox 60">
-            <a:extLst>
-              <a:ext uri="{FF2B5EF4-FFF2-40B4-BE49-F238E27FC236}">
-                <a16:creationId xmlns:a16="http://schemas.microsoft.com/office/drawing/2014/main" id="{EC49FE19-70F6-FF4C-8B30-A7A535087ACD}"/>
-              </a:ext>
-            </a:extLst>
-          </p:cNvPr>
-          <p:cNvSpPr txBox="1"/>
+      <p:sp>
+        <p:nvSpPr>
+          <p:cNvPr id="33" name="Rectangle 32">
+            <a:extLst>
+              <a:ext uri="{FF2B5EF4-FFF2-40B4-BE49-F238E27FC236}">
+                <a16:creationId xmlns:a16="http://schemas.microsoft.com/office/drawing/2014/main" id="{9EF26E87-F785-A64C-9120-241294A1424A}"/>
+              </a:ext>
+            </a:extLst>
+          </p:cNvPr>
+          <p:cNvSpPr/>
           <p:nvPr/>
         </p:nvSpPr>
         <p:spPr>
           <a:xfrm>
-            <a:off x="3282684" y="2647237"/>
-            <a:ext cx="672044" cy="276999"/>
-          </a:xfrm>
-          <a:prstGeom prst="rect">
-            <a:avLst/>
-          </a:prstGeom>
-          <a:noFill/>
-        </p:spPr>
-        <p:txBody>
-          <a:bodyPr wrap="square" rtlCol="0">
-            <a:spAutoFit/>
-          </a:bodyPr>
-          <a:lstStyle/>
-          <a:p>
-            <a:r>
-              <a:rPr lang="en-US" sz="1200" dirty="0"/>
-              <a:t>eth2</a:t>
-            </a:r>
-          </a:p>
-        </p:txBody>
-      </p:sp>
-      <p:sp>
-        <p:nvSpPr>
-          <p:cNvPr id="66" name="TextBox 65">
-            <a:extLst>
-              <a:ext uri="{FF2B5EF4-FFF2-40B4-BE49-F238E27FC236}">
-                <a16:creationId xmlns:a16="http://schemas.microsoft.com/office/drawing/2014/main" id="{F854D693-2F91-DA45-BEAD-B21914CEB80B}"/>
-              </a:ext>
-            </a:extLst>
-          </p:cNvPr>
-          <p:cNvSpPr txBox="1"/>
-          <p:nvPr/>
-        </p:nvSpPr>
-        <p:spPr>
-          <a:xfrm>
-            <a:off x="5572587" y="2633787"/>
-            <a:ext cx="672044" cy="276999"/>
-          </a:xfrm>
-          <a:prstGeom prst="rect">
-            <a:avLst/>
-          </a:prstGeom>
-          <a:noFill/>
-        </p:spPr>
-        <p:txBody>
-          <a:bodyPr wrap="square" rtlCol="0">
-            <a:spAutoFit/>
-          </a:bodyPr>
-          <a:lstStyle/>
-          <a:p>
-            <a:r>
-              <a:rPr lang="en-US" sz="1200" dirty="0"/>
-              <a:t>eth1</a:t>
-            </a:r>
-          </a:p>
-        </p:txBody>
-      </p:sp>
-      <p:sp>
-        <p:nvSpPr>
-          <p:cNvPr id="67" name="TextBox 66">
-            <a:extLst>
-              <a:ext uri="{FF2B5EF4-FFF2-40B4-BE49-F238E27FC236}">
-                <a16:creationId xmlns:a16="http://schemas.microsoft.com/office/drawing/2014/main" id="{A13B5FD5-5E9E-6845-848F-CB07E341087E}"/>
-              </a:ext>
-            </a:extLst>
-          </p:cNvPr>
-          <p:cNvSpPr txBox="1"/>
-          <p:nvPr/>
-        </p:nvSpPr>
-        <p:spPr>
-          <a:xfrm>
-            <a:off x="5522278" y="4439108"/>
-            <a:ext cx="672044" cy="276999"/>
-          </a:xfrm>
-          <a:prstGeom prst="rect">
-            <a:avLst/>
-          </a:prstGeom>
-          <a:noFill/>
-        </p:spPr>
-        <p:txBody>
-          <a:bodyPr wrap="square" rtlCol="0">
-            <a:spAutoFit/>
-          </a:bodyPr>
-          <a:lstStyle/>
-          <a:p>
-            <a:r>
-              <a:rPr lang="en-US" sz="1200" dirty="0"/>
-              <a:t>eth0</a:t>
-            </a:r>
-          </a:p>
-        </p:txBody>
-      </p:sp>
-      <p:pic>
-        <p:nvPicPr>
-          <p:cNvPr id="68" name="Graphic 67">
-            <a:extLst>
-              <a:ext uri="{FF2B5EF4-FFF2-40B4-BE49-F238E27FC236}">
-                <a16:creationId xmlns:a16="http://schemas.microsoft.com/office/drawing/2014/main" id="{60FFE91B-3F1A-9949-8AEC-1E2479C12341}"/>
-              </a:ext>
-            </a:extLst>
-          </p:cNvPr>
-          <p:cNvPicPr>
-            <a:picLocks noChangeAspect="1"/>
-          </p:cNvPicPr>
-          <p:nvPr/>
-        </p:nvPicPr>
-        <p:blipFill>
-          <a:blip r:embed="rId8">
-            <a:extLst>
-              <a:ext uri="{96DAC541-7B7A-43D3-8B79-37D633B846F1}">
-                <asvg:svgBlip xmlns:asvg="http://schemas.microsoft.com/office/drawing/2016/SVG/main" r:embed="rId9"/>
-              </a:ext>
-            </a:extLst>
-          </a:blip>
-          <a:stretch>
-            <a:fillRect/>
-          </a:stretch>
-        </p:blipFill>
-        <p:spPr>
-          <a:xfrm>
-            <a:off x="276099" y="557473"/>
-            <a:ext cx="381000" cy="381000"/>
-          </a:xfrm>
-          <a:prstGeom prst="rect">
-            <a:avLst/>
-          </a:prstGeom>
-        </p:spPr>
-      </p:pic>
-      <p:cxnSp>
-        <p:nvCxnSpPr>
-          <p:cNvPr id="69" name="Straight Arrow Connector 68">
-            <a:extLst>
-              <a:ext uri="{FF2B5EF4-FFF2-40B4-BE49-F238E27FC236}">
-                <a16:creationId xmlns:a16="http://schemas.microsoft.com/office/drawing/2014/main" id="{21CA34A5-6A3F-3D4B-A334-1C3805B8CEC1}"/>
-              </a:ext>
-            </a:extLst>
-          </p:cNvPr>
-          <p:cNvCxnSpPr>
-            <a:cxnSpLocks/>
-          </p:cNvCxnSpPr>
-          <p:nvPr/>
-        </p:nvCxnSpPr>
-        <p:spPr>
-          <a:xfrm flipV="1">
-            <a:off x="4654677" y="3342878"/>
-            <a:ext cx="0" cy="1376363"/>
-          </a:xfrm>
-          <a:prstGeom prst="straightConnector1">
-            <a:avLst/>
-          </a:prstGeom>
-          <a:ln w="12700">
-            <a:solidFill>
-              <a:schemeClr val="tx2"/>
-            </a:solidFill>
-            <a:headEnd type="none" w="med" len="sm"/>
-            <a:tailEnd type="none" w="med" len="sm"/>
-          </a:ln>
-        </p:spPr>
-        <p:style>
-          <a:lnRef idx="1">
-            <a:schemeClr val="accent1"/>
-          </a:lnRef>
-          <a:fillRef idx="0">
-            <a:schemeClr val="accent1"/>
-          </a:fillRef>
-          <a:effectRef idx="0">
-            <a:schemeClr val="accent1"/>
-          </a:effectRef>
-          <a:fontRef idx="minor">
-            <a:schemeClr val="tx1"/>
-          </a:fontRef>
-        </p:style>
-      </p:cxnSp>
-      <p:cxnSp>
-        <p:nvCxnSpPr>
-          <p:cNvPr id="73" name="Straight Arrow Connector 72">
-            <a:extLst>
-              <a:ext uri="{FF2B5EF4-FFF2-40B4-BE49-F238E27FC236}">
-                <a16:creationId xmlns:a16="http://schemas.microsoft.com/office/drawing/2014/main" id="{A8497555-0037-4E44-B6F5-7B690E5F7D19}"/>
-              </a:ext>
-            </a:extLst>
-          </p:cNvPr>
-          <p:cNvCxnSpPr>
-            <a:cxnSpLocks/>
-          </p:cNvCxnSpPr>
-          <p:nvPr/>
-        </p:nvCxnSpPr>
-        <p:spPr>
-          <a:xfrm>
-            <a:off x="4654677" y="4716108"/>
-            <a:ext cx="1485189" cy="0"/>
-          </a:xfrm>
-          <a:prstGeom prst="straightConnector1">
-            <a:avLst/>
-          </a:prstGeom>
-          <a:ln w="12700">
-            <a:solidFill>
-              <a:schemeClr val="tx2"/>
-            </a:solidFill>
-            <a:headEnd type="none" w="med" len="sm"/>
-            <a:tailEnd type="none" w="med" len="sm"/>
-          </a:ln>
-        </p:spPr>
-        <p:style>
-          <a:lnRef idx="1">
-            <a:schemeClr val="accent1"/>
-          </a:lnRef>
-          <a:fillRef idx="0">
-            <a:schemeClr val="accent1"/>
-          </a:fillRef>
-          <a:effectRef idx="0">
-            <a:schemeClr val="accent1"/>
-          </a:effectRef>
-          <a:fontRef idx="minor">
-            <a:schemeClr val="tx1"/>
-          </a:fontRef>
-        </p:style>
-      </p:cxnSp>
-      <p:sp>
-        <p:nvSpPr>
-          <p:cNvPr id="82" name="Rectangle 81">
-            <a:extLst>
-              <a:ext uri="{FF2B5EF4-FFF2-40B4-BE49-F238E27FC236}">
-                <a16:creationId xmlns:a16="http://schemas.microsoft.com/office/drawing/2014/main" id="{4CE7ACA1-6392-9D43-A101-7F8388F1F8CB}"/>
-              </a:ext>
-            </a:extLst>
-          </p:cNvPr>
-          <p:cNvSpPr/>
-          <p:nvPr/>
-        </p:nvSpPr>
-        <p:spPr>
-          <a:xfrm>
-            <a:off x="5247851" y="3034851"/>
-            <a:ext cx="783078" cy="492090"/>
+            <a:off x="7212817" y="4805627"/>
+            <a:ext cx="2011680" cy="1280160"/>
           </a:xfrm>
           <a:prstGeom prst="rect">
             <a:avLst/>
           </a:prstGeom>
           <a:solidFill>
-            <a:srgbClr val="5A6B86">
+            <a:srgbClr val="007CBC">
               <a:alpha val="9804"/>
             </a:srgbClr>
           </a:solidFill>
@@ -4779,10 +5554,10 @@
           </a:fontRef>
         </p:style>
         <p:txBody>
-          <a:bodyPr tIns="91440"/>
+          <a:bodyPr lIns="502920"/>
           <a:lstStyle/>
           <a:p>
-            <a:pPr algn="ctr" eaLnBrk="1" fontAlgn="auto" hangingPunct="1">
+            <a:pPr eaLnBrk="1" fontAlgn="auto" hangingPunct="1">
               <a:spcBef>
                 <a:spcPts val="0"/>
               </a:spcBef>
@@ -4794,54 +5569,1015 @@
             <a:r>
               <a:rPr lang="en-US" sz="1200" dirty="0">
                 <a:solidFill>
-                  <a:schemeClr val="tx1"/>
+                  <a:srgbClr val="5B9CD5"/>
                 </a:solidFill>
                 <a:latin typeface="Arial" panose="020B0604020202020204" pitchFamily="34" charset="0"/>
                 <a:cs typeface="Arial" panose="020B0604020202020204" pitchFamily="34" charset="0"/>
               </a:rPr>
-              <a:t>Public </a:t>
-            </a:r>
-            <a:r>
-              <a:rPr lang="en-US" sz="1000" dirty="0">
-                <a:solidFill>
-                  <a:schemeClr val="tx1"/>
-                </a:solidFill>
-                <a:latin typeface="Arial" panose="020B0604020202020204" pitchFamily="34" charset="0"/>
-                <a:cs typeface="Arial" panose="020B0604020202020204" pitchFamily="34" charset="0"/>
-              </a:rPr>
-              <a:t>Zone</a:t>
-            </a:r>
-          </a:p>
-        </p:txBody>
-      </p:sp>
-      <p:sp>
-        <p:nvSpPr>
-          <p:cNvPr id="83" name="Rectangle 82">
-            <a:extLst>
-              <a:ext uri="{FF2B5EF4-FFF2-40B4-BE49-F238E27FC236}">
-                <a16:creationId xmlns:a16="http://schemas.microsoft.com/office/drawing/2014/main" id="{5E2E2552-5739-0A4F-8DFD-A5283EF0A9E1}"/>
-              </a:ext>
-            </a:extLst>
-          </p:cNvPr>
-          <p:cNvSpPr/>
+              <a:t>Management subnet</a:t>
+            </a:r>
+          </a:p>
+        </p:txBody>
+      </p:sp>
+      <p:pic>
+        <p:nvPicPr>
+          <p:cNvPr id="34" name="Graphic 33">
+            <a:extLst>
+              <a:ext uri="{FF2B5EF4-FFF2-40B4-BE49-F238E27FC236}">
+                <a16:creationId xmlns:a16="http://schemas.microsoft.com/office/drawing/2014/main" id="{177C1F58-B644-7B40-881F-49C6EFF978C1}"/>
+              </a:ext>
+            </a:extLst>
+          </p:cNvPr>
+          <p:cNvPicPr>
+            <a:picLocks noChangeAspect="1"/>
+          </p:cNvPicPr>
           <p:nvPr/>
-        </p:nvSpPr>
+        </p:nvPicPr>
+        <p:blipFill>
+          <a:blip r:embed="rId9">
+            <a:extLst>
+              <a:ext uri="{96DAC541-7B7A-43D3-8B79-37D633B846F1}">
+                <asvg:svgBlip xmlns:asvg="http://schemas.microsoft.com/office/drawing/2016/SVG/main" r:embed="rId10"/>
+              </a:ext>
+            </a:extLst>
+          </a:blip>
+          <a:stretch>
+            <a:fillRect/>
+          </a:stretch>
+        </p:blipFill>
         <p:spPr>
           <a:xfrm>
-            <a:off x="3299292" y="2991039"/>
-            <a:ext cx="783078" cy="492090"/>
+            <a:off x="7212803" y="4805641"/>
+            <a:ext cx="381000" cy="381000"/>
           </a:xfrm>
           <a:prstGeom prst="rect">
             <a:avLst/>
           </a:prstGeom>
-          <a:solidFill>
-            <a:srgbClr val="5A6B86">
-              <a:alpha val="10000"/>
-            </a:srgbClr>
-          </a:solidFill>
+        </p:spPr>
+      </p:pic>
+      <p:sp>
+        <p:nvSpPr>
+          <p:cNvPr id="35" name="TextBox 18">
+            <a:extLst>
+              <a:ext uri="{FF2B5EF4-FFF2-40B4-BE49-F238E27FC236}">
+                <a16:creationId xmlns:a16="http://schemas.microsoft.com/office/drawing/2014/main" id="{2313153B-5906-6D4B-A1AB-D4964F198E98}"/>
+              </a:ext>
+            </a:extLst>
+          </p:cNvPr>
+          <p:cNvSpPr txBox="1">
+            <a:spLocks noChangeArrowheads="1"/>
+          </p:cNvSpPr>
+          <p:nvPr/>
+        </p:nvSpPr>
+        <p:spPr bwMode="auto">
+          <a:xfrm>
+            <a:off x="7592953" y="2820291"/>
+            <a:ext cx="1342852" cy="430887"/>
+          </a:xfrm>
+          <a:prstGeom prst="rect">
+            <a:avLst/>
+          </a:prstGeom>
+          <a:noFill/>
+          <a:ln>
+            <a:noFill/>
+          </a:ln>
+          <a:extLst>
+            <a:ext uri="{909E8E84-426E-40DD-AFC4-6F175D3DCCD1}">
+              <a14:hiddenFill xmlns:a14="http://schemas.microsoft.com/office/drawing/2010/main">
+                <a:solidFill>
+                  <a:srgbClr val="FFFFFF"/>
+                </a:solidFill>
+              </a14:hiddenFill>
+            </a:ext>
+            <a:ext uri="{91240B29-F687-4F45-9708-019B960494DF}">
+              <a14:hiddenLine xmlns:a14="http://schemas.microsoft.com/office/drawing/2010/main" w="9525">
+                <a:solidFill>
+                  <a:srgbClr val="000000"/>
+                </a:solidFill>
+                <a:miter lim="800000"/>
+                <a:headEnd/>
+                <a:tailEnd/>
+              </a14:hiddenLine>
+            </a:ext>
+          </a:extLst>
+        </p:spPr>
+        <p:txBody>
+          <a:bodyPr wrap="square">
+            <a:spAutoFit/>
+          </a:bodyPr>
+          <a:lstStyle>
+            <a:lvl1pPr>
+              <a:defRPr>
+                <a:solidFill>
+                  <a:schemeClr val="tx1"/>
+                </a:solidFill>
+                <a:latin typeface="Calibri" panose="020F0502020204030204" pitchFamily="34" charset="0"/>
+              </a:defRPr>
+            </a:lvl1pPr>
+            <a:lvl2pPr marL="742950" indent="-285750">
+              <a:defRPr>
+                <a:solidFill>
+                  <a:schemeClr val="tx1"/>
+                </a:solidFill>
+                <a:latin typeface="Calibri" panose="020F0502020204030204" pitchFamily="34" charset="0"/>
+              </a:defRPr>
+            </a:lvl2pPr>
+            <a:lvl3pPr marL="1143000" indent="-228600">
+              <a:defRPr>
+                <a:solidFill>
+                  <a:schemeClr val="tx1"/>
+                </a:solidFill>
+                <a:latin typeface="Calibri" panose="020F0502020204030204" pitchFamily="34" charset="0"/>
+              </a:defRPr>
+            </a:lvl3pPr>
+            <a:lvl4pPr marL="1600200" indent="-228600">
+              <a:defRPr>
+                <a:solidFill>
+                  <a:schemeClr val="tx1"/>
+                </a:solidFill>
+                <a:latin typeface="Calibri" panose="020F0502020204030204" pitchFamily="34" charset="0"/>
+              </a:defRPr>
+            </a:lvl4pPr>
+            <a:lvl5pPr marL="2057400" indent="-228600">
+              <a:defRPr>
+                <a:solidFill>
+                  <a:schemeClr val="tx1"/>
+                </a:solidFill>
+                <a:latin typeface="Calibri" panose="020F0502020204030204" pitchFamily="34" charset="0"/>
+              </a:defRPr>
+            </a:lvl5pPr>
+            <a:lvl6pPr marL="2514600" indent="-228600" eaLnBrk="0" fontAlgn="base" hangingPunct="0">
+              <a:spcBef>
+                <a:spcPct val="0"/>
+              </a:spcBef>
+              <a:spcAft>
+                <a:spcPct val="0"/>
+              </a:spcAft>
+              <a:defRPr>
+                <a:solidFill>
+                  <a:schemeClr val="tx1"/>
+                </a:solidFill>
+                <a:latin typeface="Calibri" panose="020F0502020204030204" pitchFamily="34" charset="0"/>
+              </a:defRPr>
+            </a:lvl6pPr>
+            <a:lvl7pPr marL="2971800" indent="-228600" eaLnBrk="0" fontAlgn="base" hangingPunct="0">
+              <a:spcBef>
+                <a:spcPct val="0"/>
+              </a:spcBef>
+              <a:spcAft>
+                <a:spcPct val="0"/>
+              </a:spcAft>
+              <a:defRPr>
+                <a:solidFill>
+                  <a:schemeClr val="tx1"/>
+                </a:solidFill>
+                <a:latin typeface="Calibri" panose="020F0502020204030204" pitchFamily="34" charset="0"/>
+              </a:defRPr>
+            </a:lvl7pPr>
+            <a:lvl8pPr marL="3429000" indent="-228600" eaLnBrk="0" fontAlgn="base" hangingPunct="0">
+              <a:spcBef>
+                <a:spcPct val="0"/>
+              </a:spcBef>
+              <a:spcAft>
+                <a:spcPct val="0"/>
+              </a:spcAft>
+              <a:defRPr>
+                <a:solidFill>
+                  <a:schemeClr val="tx1"/>
+                </a:solidFill>
+                <a:latin typeface="Calibri" panose="020F0502020204030204" pitchFamily="34" charset="0"/>
+              </a:defRPr>
+            </a:lvl8pPr>
+            <a:lvl9pPr marL="3886200" indent="-228600" eaLnBrk="0" fontAlgn="base" hangingPunct="0">
+              <a:spcBef>
+                <a:spcPct val="0"/>
+              </a:spcBef>
+              <a:spcAft>
+                <a:spcPct val="0"/>
+              </a:spcAft>
+              <a:defRPr>
+                <a:solidFill>
+                  <a:schemeClr val="tx1"/>
+                </a:solidFill>
+                <a:latin typeface="Calibri" panose="020F0502020204030204" pitchFamily="34" charset="0"/>
+              </a:defRPr>
+            </a:lvl9pPr>
+          </a:lstStyle>
+          <a:p>
+            <a:pPr algn="ctr" eaLnBrk="1" hangingPunct="1"/>
+            <a:r>
+              <a:rPr lang="en-US" altLang="en-US" sz="1100" dirty="0">
+                <a:latin typeface="Arial" panose="020B0604020202020204" pitchFamily="34" charset="0"/>
+                <a:ea typeface="Amazon Ember" panose="020B0603020204020204" pitchFamily="34" charset="0"/>
+                <a:cs typeface="Arial" panose="020B0604020202020204" pitchFamily="34" charset="0"/>
+              </a:rPr>
+              <a:t>Elastic network interface</a:t>
+            </a:r>
+          </a:p>
+        </p:txBody>
+      </p:sp>
+      <p:pic>
+        <p:nvPicPr>
+          <p:cNvPr id="36" name="Graphic 37">
+            <a:extLst>
+              <a:ext uri="{FF2B5EF4-FFF2-40B4-BE49-F238E27FC236}">
+                <a16:creationId xmlns:a16="http://schemas.microsoft.com/office/drawing/2014/main" id="{4C9F0034-B909-A14A-9E9C-3F563CB80295}"/>
+              </a:ext>
+            </a:extLst>
+          </p:cNvPr>
+          <p:cNvPicPr>
+            <a:picLocks noChangeAspect="1" noChangeArrowheads="1"/>
+          </p:cNvPicPr>
+          <p:nvPr/>
+        </p:nvPicPr>
+        <p:blipFill>
+          <a:blip r:embed="rId11">
+            <a:extLst>
+              <a:ext uri="{28A0092B-C50C-407E-A947-70E740481C1C}">
+                <a14:useLocalDpi xmlns:a14="http://schemas.microsoft.com/office/drawing/2010/main" val="0"/>
+              </a:ext>
+            </a:extLst>
+          </a:blip>
+          <a:srcRect/>
+          <a:stretch>
+            <a:fillRect/>
+          </a:stretch>
+        </p:blipFill>
+        <p:spPr bwMode="auto">
+          <a:xfrm>
+            <a:off x="8035779" y="2361504"/>
+            <a:ext cx="457200" cy="457200"/>
+          </a:xfrm>
+          <a:prstGeom prst="rect">
+            <a:avLst/>
+          </a:prstGeom>
+          <a:noFill/>
+          <a:ln>
+            <a:noFill/>
+          </a:ln>
+          <a:extLst>
+            <a:ext uri="{909E8E84-426E-40DD-AFC4-6F175D3DCCD1}">
+              <a14:hiddenFill xmlns:a14="http://schemas.microsoft.com/office/drawing/2010/main">
+                <a:solidFill>
+                  <a:srgbClr val="FFFFFF"/>
+                </a:solidFill>
+              </a14:hiddenFill>
+            </a:ext>
+            <a:ext uri="{91240B29-F687-4F45-9708-019B960494DF}">
+              <a14:hiddenLine xmlns:a14="http://schemas.microsoft.com/office/drawing/2010/main" w="9525">
+                <a:solidFill>
+                  <a:srgbClr val="000000"/>
+                </a:solidFill>
+                <a:miter lim="800000"/>
+                <a:headEnd/>
+                <a:tailEnd/>
+              </a14:hiddenLine>
+            </a:ext>
+          </a:extLst>
+        </p:spPr>
+      </p:pic>
+      <p:sp>
+        <p:nvSpPr>
+          <p:cNvPr id="37" name="TextBox 18">
+            <a:extLst>
+              <a:ext uri="{FF2B5EF4-FFF2-40B4-BE49-F238E27FC236}">
+                <a16:creationId xmlns:a16="http://schemas.microsoft.com/office/drawing/2014/main" id="{3D93289B-36F9-034F-AD86-E8CBDB8E78F4}"/>
+              </a:ext>
+            </a:extLst>
+          </p:cNvPr>
+          <p:cNvSpPr txBox="1">
+            <a:spLocks noChangeArrowheads="1"/>
+          </p:cNvSpPr>
+          <p:nvPr/>
+        </p:nvSpPr>
+        <p:spPr bwMode="auto">
+          <a:xfrm>
+            <a:off x="7592953" y="4230602"/>
+            <a:ext cx="1342852" cy="430887"/>
+          </a:xfrm>
+          <a:prstGeom prst="rect">
+            <a:avLst/>
+          </a:prstGeom>
+          <a:noFill/>
+          <a:ln>
+            <a:noFill/>
+          </a:ln>
+          <a:extLst>
+            <a:ext uri="{909E8E84-426E-40DD-AFC4-6F175D3DCCD1}">
+              <a14:hiddenFill xmlns:a14="http://schemas.microsoft.com/office/drawing/2010/main">
+                <a:solidFill>
+                  <a:srgbClr val="FFFFFF"/>
+                </a:solidFill>
+              </a14:hiddenFill>
+            </a:ext>
+            <a:ext uri="{91240B29-F687-4F45-9708-019B960494DF}">
+              <a14:hiddenLine xmlns:a14="http://schemas.microsoft.com/office/drawing/2010/main" w="9525">
+                <a:solidFill>
+                  <a:srgbClr val="000000"/>
+                </a:solidFill>
+                <a:miter lim="800000"/>
+                <a:headEnd/>
+                <a:tailEnd/>
+              </a14:hiddenLine>
+            </a:ext>
+          </a:extLst>
+        </p:spPr>
+        <p:txBody>
+          <a:bodyPr wrap="square">
+            <a:spAutoFit/>
+          </a:bodyPr>
+          <a:lstStyle>
+            <a:lvl1pPr>
+              <a:defRPr>
+                <a:solidFill>
+                  <a:schemeClr val="tx1"/>
+                </a:solidFill>
+                <a:latin typeface="Calibri" panose="020F0502020204030204" pitchFamily="34" charset="0"/>
+              </a:defRPr>
+            </a:lvl1pPr>
+            <a:lvl2pPr marL="742950" indent="-285750">
+              <a:defRPr>
+                <a:solidFill>
+                  <a:schemeClr val="tx1"/>
+                </a:solidFill>
+                <a:latin typeface="Calibri" panose="020F0502020204030204" pitchFamily="34" charset="0"/>
+              </a:defRPr>
+            </a:lvl2pPr>
+            <a:lvl3pPr marL="1143000" indent="-228600">
+              <a:defRPr>
+                <a:solidFill>
+                  <a:schemeClr val="tx1"/>
+                </a:solidFill>
+                <a:latin typeface="Calibri" panose="020F0502020204030204" pitchFamily="34" charset="0"/>
+              </a:defRPr>
+            </a:lvl3pPr>
+            <a:lvl4pPr marL="1600200" indent="-228600">
+              <a:defRPr>
+                <a:solidFill>
+                  <a:schemeClr val="tx1"/>
+                </a:solidFill>
+                <a:latin typeface="Calibri" panose="020F0502020204030204" pitchFamily="34" charset="0"/>
+              </a:defRPr>
+            </a:lvl4pPr>
+            <a:lvl5pPr marL="2057400" indent="-228600">
+              <a:defRPr>
+                <a:solidFill>
+                  <a:schemeClr val="tx1"/>
+                </a:solidFill>
+                <a:latin typeface="Calibri" panose="020F0502020204030204" pitchFamily="34" charset="0"/>
+              </a:defRPr>
+            </a:lvl5pPr>
+            <a:lvl6pPr marL="2514600" indent="-228600" eaLnBrk="0" fontAlgn="base" hangingPunct="0">
+              <a:spcBef>
+                <a:spcPct val="0"/>
+              </a:spcBef>
+              <a:spcAft>
+                <a:spcPct val="0"/>
+              </a:spcAft>
+              <a:defRPr>
+                <a:solidFill>
+                  <a:schemeClr val="tx1"/>
+                </a:solidFill>
+                <a:latin typeface="Calibri" panose="020F0502020204030204" pitchFamily="34" charset="0"/>
+              </a:defRPr>
+            </a:lvl6pPr>
+            <a:lvl7pPr marL="2971800" indent="-228600" eaLnBrk="0" fontAlgn="base" hangingPunct="0">
+              <a:spcBef>
+                <a:spcPct val="0"/>
+              </a:spcBef>
+              <a:spcAft>
+                <a:spcPct val="0"/>
+              </a:spcAft>
+              <a:defRPr>
+                <a:solidFill>
+                  <a:schemeClr val="tx1"/>
+                </a:solidFill>
+                <a:latin typeface="Calibri" panose="020F0502020204030204" pitchFamily="34" charset="0"/>
+              </a:defRPr>
+            </a:lvl7pPr>
+            <a:lvl8pPr marL="3429000" indent="-228600" eaLnBrk="0" fontAlgn="base" hangingPunct="0">
+              <a:spcBef>
+                <a:spcPct val="0"/>
+              </a:spcBef>
+              <a:spcAft>
+                <a:spcPct val="0"/>
+              </a:spcAft>
+              <a:defRPr>
+                <a:solidFill>
+                  <a:schemeClr val="tx1"/>
+                </a:solidFill>
+                <a:latin typeface="Calibri" panose="020F0502020204030204" pitchFamily="34" charset="0"/>
+              </a:defRPr>
+            </a:lvl8pPr>
+            <a:lvl9pPr marL="3886200" indent="-228600" eaLnBrk="0" fontAlgn="base" hangingPunct="0">
+              <a:spcBef>
+                <a:spcPct val="0"/>
+              </a:spcBef>
+              <a:spcAft>
+                <a:spcPct val="0"/>
+              </a:spcAft>
+              <a:defRPr>
+                <a:solidFill>
+                  <a:schemeClr val="tx1"/>
+                </a:solidFill>
+                <a:latin typeface="Calibri" panose="020F0502020204030204" pitchFamily="34" charset="0"/>
+              </a:defRPr>
+            </a:lvl9pPr>
+          </a:lstStyle>
+          <a:p>
+            <a:pPr algn="ctr" eaLnBrk="1" hangingPunct="1"/>
+            <a:r>
+              <a:rPr lang="en-US" altLang="en-US" sz="1100" dirty="0">
+                <a:latin typeface="Arial" panose="020B0604020202020204" pitchFamily="34" charset="0"/>
+                <a:ea typeface="Amazon Ember" panose="020B0603020204020204" pitchFamily="34" charset="0"/>
+                <a:cs typeface="Arial" panose="020B0604020202020204" pitchFamily="34" charset="0"/>
+              </a:rPr>
+              <a:t>Elastic network interface</a:t>
+            </a:r>
+          </a:p>
+        </p:txBody>
+      </p:sp>
+      <p:pic>
+        <p:nvPicPr>
+          <p:cNvPr id="38" name="Graphic 37">
+            <a:extLst>
+              <a:ext uri="{FF2B5EF4-FFF2-40B4-BE49-F238E27FC236}">
+                <a16:creationId xmlns:a16="http://schemas.microsoft.com/office/drawing/2014/main" id="{AB523C61-5AA7-8742-A20A-A554C461F33A}"/>
+              </a:ext>
+            </a:extLst>
+          </p:cNvPr>
+          <p:cNvPicPr>
+            <a:picLocks noChangeAspect="1" noChangeArrowheads="1"/>
+          </p:cNvPicPr>
+          <p:nvPr/>
+        </p:nvPicPr>
+        <p:blipFill>
+          <a:blip r:embed="rId11">
+            <a:extLst>
+              <a:ext uri="{28A0092B-C50C-407E-A947-70E740481C1C}">
+                <a14:useLocalDpi xmlns:a14="http://schemas.microsoft.com/office/drawing/2010/main" val="0"/>
+              </a:ext>
+            </a:extLst>
+          </a:blip>
+          <a:srcRect/>
+          <a:stretch>
+            <a:fillRect/>
+          </a:stretch>
+        </p:blipFill>
+        <p:spPr bwMode="auto">
+          <a:xfrm>
+            <a:off x="8035779" y="3776895"/>
+            <a:ext cx="457200" cy="457200"/>
+          </a:xfrm>
+          <a:prstGeom prst="rect">
+            <a:avLst/>
+          </a:prstGeom>
+          <a:noFill/>
+          <a:ln>
+            <a:noFill/>
+          </a:ln>
+          <a:extLst>
+            <a:ext uri="{909E8E84-426E-40DD-AFC4-6F175D3DCCD1}">
+              <a14:hiddenFill xmlns:a14="http://schemas.microsoft.com/office/drawing/2010/main">
+                <a:solidFill>
+                  <a:srgbClr val="FFFFFF"/>
+                </a:solidFill>
+              </a14:hiddenFill>
+            </a:ext>
+            <a:ext uri="{91240B29-F687-4F45-9708-019B960494DF}">
+              <a14:hiddenLine xmlns:a14="http://schemas.microsoft.com/office/drawing/2010/main" w="9525">
+                <a:solidFill>
+                  <a:srgbClr val="000000"/>
+                </a:solidFill>
+                <a:miter lim="800000"/>
+                <a:headEnd/>
+                <a:tailEnd/>
+              </a14:hiddenLine>
+            </a:ext>
+          </a:extLst>
+        </p:spPr>
+      </p:pic>
+      <p:sp>
+        <p:nvSpPr>
+          <p:cNvPr id="39" name="TextBox 18">
+            <a:extLst>
+              <a:ext uri="{FF2B5EF4-FFF2-40B4-BE49-F238E27FC236}">
+                <a16:creationId xmlns:a16="http://schemas.microsoft.com/office/drawing/2014/main" id="{B88D732D-0A25-C844-B9DC-392A9D33E631}"/>
+              </a:ext>
+            </a:extLst>
+          </p:cNvPr>
+          <p:cNvSpPr txBox="1">
+            <a:spLocks noChangeArrowheads="1"/>
+          </p:cNvSpPr>
+          <p:nvPr/>
+        </p:nvSpPr>
+        <p:spPr bwMode="auto">
+          <a:xfrm>
+            <a:off x="7592953" y="5580090"/>
+            <a:ext cx="1342852" cy="430887"/>
+          </a:xfrm>
+          <a:prstGeom prst="rect">
+            <a:avLst/>
+          </a:prstGeom>
+          <a:noFill/>
+          <a:ln>
+            <a:noFill/>
+          </a:ln>
+          <a:extLst>
+            <a:ext uri="{909E8E84-426E-40DD-AFC4-6F175D3DCCD1}">
+              <a14:hiddenFill xmlns:a14="http://schemas.microsoft.com/office/drawing/2010/main">
+                <a:solidFill>
+                  <a:srgbClr val="FFFFFF"/>
+                </a:solidFill>
+              </a14:hiddenFill>
+            </a:ext>
+            <a:ext uri="{91240B29-F687-4F45-9708-019B960494DF}">
+              <a14:hiddenLine xmlns:a14="http://schemas.microsoft.com/office/drawing/2010/main" w="9525">
+                <a:solidFill>
+                  <a:srgbClr val="000000"/>
+                </a:solidFill>
+                <a:miter lim="800000"/>
+                <a:headEnd/>
+                <a:tailEnd/>
+              </a14:hiddenLine>
+            </a:ext>
+          </a:extLst>
+        </p:spPr>
+        <p:txBody>
+          <a:bodyPr wrap="square">
+            <a:spAutoFit/>
+          </a:bodyPr>
+          <a:lstStyle>
+            <a:lvl1pPr>
+              <a:defRPr>
+                <a:solidFill>
+                  <a:schemeClr val="tx1"/>
+                </a:solidFill>
+                <a:latin typeface="Calibri" panose="020F0502020204030204" pitchFamily="34" charset="0"/>
+              </a:defRPr>
+            </a:lvl1pPr>
+            <a:lvl2pPr marL="742950" indent="-285750">
+              <a:defRPr>
+                <a:solidFill>
+                  <a:schemeClr val="tx1"/>
+                </a:solidFill>
+                <a:latin typeface="Calibri" panose="020F0502020204030204" pitchFamily="34" charset="0"/>
+              </a:defRPr>
+            </a:lvl2pPr>
+            <a:lvl3pPr marL="1143000" indent="-228600">
+              <a:defRPr>
+                <a:solidFill>
+                  <a:schemeClr val="tx1"/>
+                </a:solidFill>
+                <a:latin typeface="Calibri" panose="020F0502020204030204" pitchFamily="34" charset="0"/>
+              </a:defRPr>
+            </a:lvl3pPr>
+            <a:lvl4pPr marL="1600200" indent="-228600">
+              <a:defRPr>
+                <a:solidFill>
+                  <a:schemeClr val="tx1"/>
+                </a:solidFill>
+                <a:latin typeface="Calibri" panose="020F0502020204030204" pitchFamily="34" charset="0"/>
+              </a:defRPr>
+            </a:lvl4pPr>
+            <a:lvl5pPr marL="2057400" indent="-228600">
+              <a:defRPr>
+                <a:solidFill>
+                  <a:schemeClr val="tx1"/>
+                </a:solidFill>
+                <a:latin typeface="Calibri" panose="020F0502020204030204" pitchFamily="34" charset="0"/>
+              </a:defRPr>
+            </a:lvl5pPr>
+            <a:lvl6pPr marL="2514600" indent="-228600" eaLnBrk="0" fontAlgn="base" hangingPunct="0">
+              <a:spcBef>
+                <a:spcPct val="0"/>
+              </a:spcBef>
+              <a:spcAft>
+                <a:spcPct val="0"/>
+              </a:spcAft>
+              <a:defRPr>
+                <a:solidFill>
+                  <a:schemeClr val="tx1"/>
+                </a:solidFill>
+                <a:latin typeface="Calibri" panose="020F0502020204030204" pitchFamily="34" charset="0"/>
+              </a:defRPr>
+            </a:lvl6pPr>
+            <a:lvl7pPr marL="2971800" indent="-228600" eaLnBrk="0" fontAlgn="base" hangingPunct="0">
+              <a:spcBef>
+                <a:spcPct val="0"/>
+              </a:spcBef>
+              <a:spcAft>
+                <a:spcPct val="0"/>
+              </a:spcAft>
+              <a:defRPr>
+                <a:solidFill>
+                  <a:schemeClr val="tx1"/>
+                </a:solidFill>
+                <a:latin typeface="Calibri" panose="020F0502020204030204" pitchFamily="34" charset="0"/>
+              </a:defRPr>
+            </a:lvl7pPr>
+            <a:lvl8pPr marL="3429000" indent="-228600" eaLnBrk="0" fontAlgn="base" hangingPunct="0">
+              <a:spcBef>
+                <a:spcPct val="0"/>
+              </a:spcBef>
+              <a:spcAft>
+                <a:spcPct val="0"/>
+              </a:spcAft>
+              <a:defRPr>
+                <a:solidFill>
+                  <a:schemeClr val="tx1"/>
+                </a:solidFill>
+                <a:latin typeface="Calibri" panose="020F0502020204030204" pitchFamily="34" charset="0"/>
+              </a:defRPr>
+            </a:lvl8pPr>
+            <a:lvl9pPr marL="3886200" indent="-228600" eaLnBrk="0" fontAlgn="base" hangingPunct="0">
+              <a:spcBef>
+                <a:spcPct val="0"/>
+              </a:spcBef>
+              <a:spcAft>
+                <a:spcPct val="0"/>
+              </a:spcAft>
+              <a:defRPr>
+                <a:solidFill>
+                  <a:schemeClr val="tx1"/>
+                </a:solidFill>
+                <a:latin typeface="Calibri" panose="020F0502020204030204" pitchFamily="34" charset="0"/>
+              </a:defRPr>
+            </a:lvl9pPr>
+          </a:lstStyle>
+          <a:p>
+            <a:pPr algn="ctr" eaLnBrk="1" hangingPunct="1"/>
+            <a:r>
+              <a:rPr lang="en-US" altLang="en-US" sz="1100" dirty="0">
+                <a:latin typeface="Arial" panose="020B0604020202020204" pitchFamily="34" charset="0"/>
+                <a:ea typeface="Amazon Ember" panose="020B0603020204020204" pitchFamily="34" charset="0"/>
+                <a:cs typeface="Arial" panose="020B0604020202020204" pitchFamily="34" charset="0"/>
+              </a:rPr>
+              <a:t>Elastic network interface</a:t>
+            </a:r>
+          </a:p>
+        </p:txBody>
+      </p:sp>
+      <p:pic>
+        <p:nvPicPr>
+          <p:cNvPr id="40" name="Graphic 37">
+            <a:extLst>
+              <a:ext uri="{FF2B5EF4-FFF2-40B4-BE49-F238E27FC236}">
+                <a16:creationId xmlns:a16="http://schemas.microsoft.com/office/drawing/2014/main" id="{E7013B58-E206-474C-9D96-E7F02825AD04}"/>
+              </a:ext>
+            </a:extLst>
+          </p:cNvPr>
+          <p:cNvPicPr>
+            <a:picLocks noChangeAspect="1" noChangeArrowheads="1"/>
+          </p:cNvPicPr>
+          <p:nvPr/>
+        </p:nvPicPr>
+        <p:blipFill>
+          <a:blip r:embed="rId11">
+            <a:extLst>
+              <a:ext uri="{28A0092B-C50C-407E-A947-70E740481C1C}">
+                <a14:useLocalDpi xmlns:a14="http://schemas.microsoft.com/office/drawing/2010/main" val="0"/>
+              </a:ext>
+            </a:extLst>
+          </a:blip>
+          <a:srcRect/>
+          <a:stretch>
+            <a:fillRect/>
+          </a:stretch>
+        </p:blipFill>
+        <p:spPr bwMode="auto">
+          <a:xfrm>
+            <a:off x="8035779" y="5171383"/>
+            <a:ext cx="457200" cy="457200"/>
+          </a:xfrm>
+          <a:prstGeom prst="rect">
+            <a:avLst/>
+          </a:prstGeom>
+          <a:noFill/>
+          <a:ln>
+            <a:noFill/>
+          </a:ln>
+          <a:extLst>
+            <a:ext uri="{909E8E84-426E-40DD-AFC4-6F175D3DCCD1}">
+              <a14:hiddenFill xmlns:a14="http://schemas.microsoft.com/office/drawing/2010/main">
+                <a:solidFill>
+                  <a:srgbClr val="FFFFFF"/>
+                </a:solidFill>
+              </a14:hiddenFill>
+            </a:ext>
+            <a:ext uri="{91240B29-F687-4F45-9708-019B960494DF}">
+              <a14:hiddenLine xmlns:a14="http://schemas.microsoft.com/office/drawing/2010/main" w="9525">
+                <a:solidFill>
+                  <a:srgbClr val="000000"/>
+                </a:solidFill>
+                <a:miter lim="800000"/>
+                <a:headEnd/>
+                <a:tailEnd/>
+              </a14:hiddenLine>
+            </a:ext>
+          </a:extLst>
+        </p:spPr>
+      </p:pic>
+      <p:sp>
+        <p:nvSpPr>
+          <p:cNvPr id="41" name="TextBox 18">
+            <a:extLst>
+              <a:ext uri="{FF2B5EF4-FFF2-40B4-BE49-F238E27FC236}">
+                <a16:creationId xmlns:a16="http://schemas.microsoft.com/office/drawing/2014/main" id="{F269EA6C-16DA-C146-97D1-A2699427A029}"/>
+              </a:ext>
+            </a:extLst>
+          </p:cNvPr>
+          <p:cNvSpPr txBox="1">
+            <a:spLocks noChangeArrowheads="1"/>
+          </p:cNvSpPr>
+          <p:nvPr/>
+        </p:nvSpPr>
+        <p:spPr bwMode="auto">
+          <a:xfrm>
+            <a:off x="5841178" y="4230602"/>
+            <a:ext cx="914400" cy="274320"/>
+          </a:xfrm>
+          <a:prstGeom prst="rect">
+            <a:avLst/>
+          </a:prstGeom>
+          <a:noFill/>
+          <a:ln>
+            <a:noFill/>
+          </a:ln>
+          <a:extLst>
+            <a:ext uri="{909E8E84-426E-40DD-AFC4-6F175D3DCCD1}">
+              <a14:hiddenFill xmlns:a14="http://schemas.microsoft.com/office/drawing/2010/main">
+                <a:solidFill>
+                  <a:srgbClr val="FFFFFF"/>
+                </a:solidFill>
+              </a14:hiddenFill>
+            </a:ext>
+            <a:ext uri="{91240B29-F687-4F45-9708-019B960494DF}">
+              <a14:hiddenLine xmlns:a14="http://schemas.microsoft.com/office/drawing/2010/main" w="9525">
+                <a:solidFill>
+                  <a:srgbClr val="000000"/>
+                </a:solidFill>
+                <a:miter lim="800000"/>
+                <a:headEnd/>
+                <a:tailEnd/>
+              </a14:hiddenLine>
+            </a:ext>
+          </a:extLst>
+        </p:spPr>
+        <p:txBody>
+          <a:bodyPr>
+            <a:spAutoFit/>
+          </a:bodyPr>
+          <a:lstStyle>
+            <a:lvl1pPr>
+              <a:defRPr>
+                <a:solidFill>
+                  <a:schemeClr val="tx1"/>
+                </a:solidFill>
+                <a:latin typeface="Calibri" panose="020F0502020204030204" pitchFamily="34" charset="0"/>
+              </a:defRPr>
+            </a:lvl1pPr>
+            <a:lvl2pPr marL="742950" indent="-285750">
+              <a:defRPr>
+                <a:solidFill>
+                  <a:schemeClr val="tx1"/>
+                </a:solidFill>
+                <a:latin typeface="Calibri" panose="020F0502020204030204" pitchFamily="34" charset="0"/>
+              </a:defRPr>
+            </a:lvl2pPr>
+            <a:lvl3pPr marL="1143000" indent="-228600">
+              <a:defRPr>
+                <a:solidFill>
+                  <a:schemeClr val="tx1"/>
+                </a:solidFill>
+                <a:latin typeface="Calibri" panose="020F0502020204030204" pitchFamily="34" charset="0"/>
+              </a:defRPr>
+            </a:lvl3pPr>
+            <a:lvl4pPr marL="1600200" indent="-228600">
+              <a:defRPr>
+                <a:solidFill>
+                  <a:schemeClr val="tx1"/>
+                </a:solidFill>
+                <a:latin typeface="Calibri" panose="020F0502020204030204" pitchFamily="34" charset="0"/>
+              </a:defRPr>
+            </a:lvl4pPr>
+            <a:lvl5pPr marL="2057400" indent="-228600">
+              <a:defRPr>
+                <a:solidFill>
+                  <a:schemeClr val="tx1"/>
+                </a:solidFill>
+                <a:latin typeface="Calibri" panose="020F0502020204030204" pitchFamily="34" charset="0"/>
+              </a:defRPr>
+            </a:lvl5pPr>
+            <a:lvl6pPr marL="2514600" indent="-228600" eaLnBrk="0" fontAlgn="base" hangingPunct="0">
+              <a:spcBef>
+                <a:spcPct val="0"/>
+              </a:spcBef>
+              <a:spcAft>
+                <a:spcPct val="0"/>
+              </a:spcAft>
+              <a:defRPr>
+                <a:solidFill>
+                  <a:schemeClr val="tx1"/>
+                </a:solidFill>
+                <a:latin typeface="Calibri" panose="020F0502020204030204" pitchFamily="34" charset="0"/>
+              </a:defRPr>
+            </a:lvl6pPr>
+            <a:lvl7pPr marL="2971800" indent="-228600" eaLnBrk="0" fontAlgn="base" hangingPunct="0">
+              <a:spcBef>
+                <a:spcPct val="0"/>
+              </a:spcBef>
+              <a:spcAft>
+                <a:spcPct val="0"/>
+              </a:spcAft>
+              <a:defRPr>
+                <a:solidFill>
+                  <a:schemeClr val="tx1"/>
+                </a:solidFill>
+                <a:latin typeface="Calibri" panose="020F0502020204030204" pitchFamily="34" charset="0"/>
+              </a:defRPr>
+            </a:lvl7pPr>
+            <a:lvl8pPr marL="3429000" indent="-228600" eaLnBrk="0" fontAlgn="base" hangingPunct="0">
+              <a:spcBef>
+                <a:spcPct val="0"/>
+              </a:spcBef>
+              <a:spcAft>
+                <a:spcPct val="0"/>
+              </a:spcAft>
+              <a:defRPr>
+                <a:solidFill>
+                  <a:schemeClr val="tx1"/>
+                </a:solidFill>
+                <a:latin typeface="Calibri" panose="020F0502020204030204" pitchFamily="34" charset="0"/>
+              </a:defRPr>
+            </a:lvl8pPr>
+            <a:lvl9pPr marL="3886200" indent="-228600" eaLnBrk="0" fontAlgn="base" hangingPunct="0">
+              <a:spcBef>
+                <a:spcPct val="0"/>
+              </a:spcBef>
+              <a:spcAft>
+                <a:spcPct val="0"/>
+              </a:spcAft>
+              <a:defRPr>
+                <a:solidFill>
+                  <a:schemeClr val="tx1"/>
+                </a:solidFill>
+                <a:latin typeface="Calibri" panose="020F0502020204030204" pitchFamily="34" charset="0"/>
+              </a:defRPr>
+            </a:lvl9pPr>
+          </a:lstStyle>
+          <a:p>
+            <a:pPr algn="ctr" eaLnBrk="1" hangingPunct="1"/>
+            <a:r>
+              <a:rPr lang="en-US" altLang="en-US" sz="1100" dirty="0">
+                <a:solidFill>
+                  <a:srgbClr val="232F3E"/>
+                </a:solidFill>
+                <a:latin typeface="Arial" panose="020B0604020202020204" pitchFamily="34" charset="0"/>
+                <a:cs typeface="Arial" panose="020B0604020202020204" pitchFamily="34" charset="0"/>
+              </a:rPr>
+              <a:t>VM Series</a:t>
+            </a:r>
+          </a:p>
+        </p:txBody>
+      </p:sp>
+      <p:pic>
+        <p:nvPicPr>
+          <p:cNvPr id="42" name="Graphic 60">
+            <a:extLst>
+              <a:ext uri="{FF2B5EF4-FFF2-40B4-BE49-F238E27FC236}">
+                <a16:creationId xmlns:a16="http://schemas.microsoft.com/office/drawing/2014/main" id="{716C248B-FE7F-5343-9095-1374AAC44EB5}"/>
+              </a:ext>
+            </a:extLst>
+          </p:cNvPr>
+          <p:cNvPicPr>
+            <a:picLocks noChangeAspect="1" noChangeArrowheads="1"/>
+          </p:cNvPicPr>
+          <p:nvPr/>
+        </p:nvPicPr>
+        <p:blipFill>
+          <a:blip r:embed="rId12">
+            <a:extLst>
+              <a:ext uri="{28A0092B-C50C-407E-A947-70E740481C1C}">
+                <a14:useLocalDpi xmlns:a14="http://schemas.microsoft.com/office/drawing/2010/main" val="0"/>
+              </a:ext>
+            </a:extLst>
+          </a:blip>
+          <a:srcRect/>
+          <a:stretch>
+            <a:fillRect/>
+          </a:stretch>
+        </p:blipFill>
+        <p:spPr bwMode="auto">
+          <a:xfrm>
+            <a:off x="6069778" y="3776895"/>
+            <a:ext cx="457200" cy="457200"/>
+          </a:xfrm>
+          <a:prstGeom prst="rect">
+            <a:avLst/>
+          </a:prstGeom>
+          <a:noFill/>
+          <a:ln>
+            <a:noFill/>
+          </a:ln>
+          <a:extLst>
+            <a:ext uri="{909E8E84-426E-40DD-AFC4-6F175D3DCCD1}">
+              <a14:hiddenFill xmlns:a14="http://schemas.microsoft.com/office/drawing/2010/main">
+                <a:solidFill>
+                  <a:srgbClr val="FFFFFF"/>
+                </a:solidFill>
+              </a14:hiddenFill>
+            </a:ext>
+            <a:ext uri="{91240B29-F687-4F45-9708-019B960494DF}">
+              <a14:hiddenLine xmlns:a14="http://schemas.microsoft.com/office/drawing/2010/main" w="9525">
+                <a:solidFill>
+                  <a:srgbClr val="000000"/>
+                </a:solidFill>
+                <a:miter lim="800000"/>
+                <a:headEnd/>
+                <a:tailEnd/>
+              </a14:hiddenLine>
+            </a:ext>
+          </a:extLst>
+        </p:spPr>
+      </p:pic>
+      <p:sp>
+        <p:nvSpPr>
+          <p:cNvPr id="43" name="Freeform 26">
+            <a:extLst>
+              <a:ext uri="{FF2B5EF4-FFF2-40B4-BE49-F238E27FC236}">
+                <a16:creationId xmlns:a16="http://schemas.microsoft.com/office/drawing/2014/main" id="{F51A08E4-ADC7-6747-8369-91E9B787D04A}"/>
+              </a:ext>
+            </a:extLst>
+          </p:cNvPr>
+          <p:cNvSpPr/>
+          <p:nvPr/>
+        </p:nvSpPr>
+        <p:spPr bwMode="auto">
+          <a:xfrm rot="10800000">
+            <a:off x="6811383" y="2591176"/>
+            <a:ext cx="1236636" cy="2806030"/>
+          </a:xfrm>
+          <a:custGeom>
+            <a:avLst/>
+            <a:gdLst>
+              <a:gd name="connsiteX0" fmla="*/ 0 w 622300"/>
+              <a:gd name="connsiteY0" fmla="*/ 0 h 1574800"/>
+              <a:gd name="connsiteX1" fmla="*/ 622300 w 622300"/>
+              <a:gd name="connsiteY1" fmla="*/ 0 h 1574800"/>
+              <a:gd name="connsiteX2" fmla="*/ 622300 w 622300"/>
+              <a:gd name="connsiteY2" fmla="*/ 1574800 h 1574800"/>
+              <a:gd name="connsiteX3" fmla="*/ 482600 w 622300"/>
+              <a:gd name="connsiteY3" fmla="*/ 1574800 h 1574800"/>
+              <a:gd name="connsiteX4" fmla="*/ 0 w 622300"/>
+              <a:gd name="connsiteY4" fmla="*/ 1574800 h 1574800"/>
+            </a:gdLst>
+            <a:ahLst/>
+            <a:cxnLst>
+              <a:cxn ang="0">
+                <a:pos x="connsiteX0" y="connsiteY0"/>
+              </a:cxn>
+              <a:cxn ang="0">
+                <a:pos x="connsiteX1" y="connsiteY1"/>
+              </a:cxn>
+              <a:cxn ang="0">
+                <a:pos x="connsiteX2" y="connsiteY2"/>
+              </a:cxn>
+              <a:cxn ang="0">
+                <a:pos x="connsiteX3" y="connsiteY3"/>
+              </a:cxn>
+              <a:cxn ang="0">
+                <a:pos x="connsiteX4" y="connsiteY4"/>
+              </a:cxn>
+            </a:cxnLst>
+            <a:rect l="l" t="t" r="r" b="b"/>
+            <a:pathLst>
+              <a:path w="622300" h="1574800">
+                <a:moveTo>
+                  <a:pt x="0" y="0"/>
+                </a:moveTo>
+                <a:lnTo>
+                  <a:pt x="622300" y="0"/>
+                </a:lnTo>
+                <a:lnTo>
+                  <a:pt x="622300" y="1574800"/>
+                </a:lnTo>
+                <a:lnTo>
+                  <a:pt x="482600" y="1574800"/>
+                </a:lnTo>
+                <a:lnTo>
+                  <a:pt x="0" y="1574800"/>
+                </a:lnTo>
+              </a:path>
+            </a:pathLst>
+          </a:custGeom>
+          <a:noFill/>
           <a:ln w="12700">
-            <a:noFill/>
-            <a:prstDash val="dash"/>
+            <a:solidFill>
+              <a:schemeClr val="tx2"/>
+            </a:solidFill>
+            <a:headEnd type="arrow" w="med" len="sm"/>
+            <a:tailEnd type="arrow" w="med" len="sm"/>
           </a:ln>
         </p:spPr>
         <p:style>
@@ -4861,7 +6597,7 @@
           </a:fontRef>
         </p:style>
         <p:txBody>
-          <a:bodyPr tIns="91440"/>
+          <a:bodyPr anchor="ctr"/>
           <a:lstStyle/>
           <a:p>
             <a:pPr algn="ctr" eaLnBrk="1" fontAlgn="auto" hangingPunct="1">
@@ -4873,30 +6609,14 @@
               </a:spcAft>
               <a:defRPr/>
             </a:pPr>
-            <a:r>
-              <a:rPr lang="en-US" sz="1200" dirty="0">
-                <a:solidFill>
-                  <a:schemeClr val="tx1"/>
-                </a:solidFill>
-                <a:latin typeface="Arial" panose="020B0604020202020204" pitchFamily="34" charset="0"/>
-                <a:cs typeface="Arial" panose="020B0604020202020204" pitchFamily="34" charset="0"/>
-              </a:rPr>
-              <a:t>Private Zone</a:t>
-            </a:r>
-            <a:endParaRPr lang="en-US" sz="1000" dirty="0">
-              <a:solidFill>
-                <a:schemeClr val="tx1"/>
-              </a:solidFill>
-              <a:latin typeface="Arial" panose="020B0604020202020204" pitchFamily="34" charset="0"/>
-              <a:cs typeface="Arial" panose="020B0604020202020204" pitchFamily="34" charset="0"/>
-            </a:endParaRPr>
+            <a:endParaRPr lang="en-US" dirty="0"/>
           </a:p>
         </p:txBody>
       </p:sp>
     </p:spTree>
     <p:extLst>
       <p:ext uri="{BB962C8B-B14F-4D97-AF65-F5344CB8AC3E}">
-        <p14:creationId xmlns:p14="http://schemas.microsoft.com/office/powerpoint/2010/main" val="2664119300"/>
+        <p14:creationId xmlns:p14="http://schemas.microsoft.com/office/powerpoint/2010/main" val="1095388572"/>
       </p:ext>
     </p:extLst>
   </p:cSld>
